--- a/presentations/output/SoundToAct_TextBased_Presentation.pptx
+++ b/presentations/output/SoundToAct_TextBased_Presentation.pptx
@@ -511,7 +511,7 @@
           <a:lstStyle/>
           <a:p>
             <a:r>
-              <a:t>간단한 자기소개. 프로젝트 이름의 의미: Sound → Act (소리가 행동으로)</a:t>
+              <a:t>발표자 가이드: 인사 후 프로젝트명 강조. 'Sound(소리)'가 'Act(행동)'으로 바로 변환되는 개념 설명. 음성만으로 기기를 제어하는 시스템임을 명확히 전달.</a:t>
             </a:r>
           </a:p>
         </p:txBody>
@@ -581,7 +581,7 @@
           <a:lstStyle/>
           <a:p>
             <a:r>
-              <a:t>감사 인사. 영감을 주는 마무리 멘트. GitHub QR 코드 제공.</a:t>
+              <a:t>발표자 가이드: '경청해주셔서 감사합니다!' 밝게 인사. GitHub 링크 공유하며 '코드가 궁금하신 분들은 자유롭게 보세요'. 오픈소스 프로젝트이며 contribution 환영. 질문 받을 준비. 예상 질문: 1) 정확도는? → 90% 이상 2) 비용은? → 무료 (Google API 일일 한도 내) 3) 오프라인? → 현재는 불가, 향후 추가 예정 4) 보안은? → 로컬 실행, 데이터 저장 안 함.</a:t>
             </a:r>
           </a:p>
         </p:txBody>
@@ -651,7 +651,7 @@
           <a:lstStyle/>
           <a:p>
             <a:r>
-              <a:t>개인적 경험으로 시작. 청중이 공감할 수 있는 일상적 상황. 시각적으로 복잡한 과정 강조.</a:t>
+              <a:t>발표자 가이드: 개인 경험 공유. '아침에 누워있는데 전화해야 할 때 얼마나 귀찮은지 아시나요?' 질문으로 시작. 각 단계를 천천히 설명하며 복잡함 강조. UI 조작의 불편함과 시간 낭비 언급.</a:t>
             </a:r>
           </a:p>
         </p:txBody>
@@ -721,7 +721,7 @@
           <a:lstStyle/>
           <a:p>
             <a:r>
-              <a:t>질문으로 청중의 상상력 자극. 간단명료하게. 아이디어의 핵심을 제시.</a:t>
+              <a:t>발표자 가이드: 잠시 멈추고 청중과 눈 맞춤. '만약에 말입니다...' 하며 기대감 조성. 해결책을 직접 말하지 말고 질문 형태로 상상하게 만들기. '이게 가능하다면 얼마나 편할까요?'</a:t>
             </a:r>
           </a:p>
         </p:txBody>
@@ -791,7 +791,7 @@
           <a:lstStyle/>
           <a:p>
             <a:r>
-              <a:t>짧은 데모 영상으로 임팩트. 복잡한 설명 없이 바로 작동하는 모습 보여주기.</a:t>
+              <a:t>발표자 가이드: '그래서 직접 만들었습니다!' 힘있게 말하기. 기술 스택 설명 시 '고등학생도 배울 수 있는 Python으로 만들었다' 강조. SpeechRecognition은 Google API 사용해서 정확도 높음을 언급. 실제 동작 예시를 간단히 설명.</a:t>
             </a:r>
           </a:p>
         </p:txBody>
@@ -861,7 +861,7 @@
           <a:lstStyle/>
           <a:p>
             <a:r>
-              <a:t>3단계만 강조. 기술적 용어 배제. 아이콘과 그림으로만 표현.</a:t>
+              <a:t>발표자 가이드: 기술적 설명 시작. 1) 마이크 입력은 SpeechRecognition 라이브러리가 처리. 2) Google API가 음성을 텍스트로 변환 (네트워크 필요). 3) 키워드를 인식하면 미리 정의된 함수 실행. '코드는 200줄 정도로 간단합니다' 언급.</a:t>
             </a:r>
           </a:p>
         </p:txBody>
@@ -931,7 +931,7 @@
           <a:lstStyle/>
           <a:p>
             <a:r>
-              <a:t>실제 작동하는 모습. 영상: '엄마' 말하기 → 전화 걸림, '음악' → 재생됨, '불꺼' → 조명 OFF</a:t>
+              <a:t>발표자 가이드: 실제 데모 실행. 프로그램 실행 후 '엄마'라고 말하기. 반응 속도 강조 (~2초). 데모가 안 되면 '사전에 녹화한 영상'이라고 말하고 시나리오 설명. 각 명령어가 어떻게 처리되는지 간단히 설명. 오류 처리도 구현되어 있음을 언급.</a:t>
             </a:r>
           </a:p>
         </p:txBody>
@@ -1001,7 +1001,7 @@
           <a:lstStyle/>
           <a:p>
             <a:r>
-              <a:t>Before/After 비교로 효과 시각화. 숫자로 임팩트 강조.</a:t>
+              <a:t>발표자 가이드: 구체적 수치로 효과 입증. Before 설명 시 손동작으로 복잡함 강조. After 설명 시 '그냥 말만 하면 됩니다' 강조. 60배는 120초/2초 계산. 하루 15회 사용 가정 시 30분 절약 (15 × 118초 = 1770초 ≈ 30분).</a:t>
             </a:r>
           </a:p>
         </p:txBody>
@@ -1071,7 +1071,7 @@
           <a:lstStyle/>
           <a:p>
             <a:r>
-              <a:t>사회적 가치 강조. 다양한 사람들이 혜택 받을 수 있음. 포용적 기술.</a:t>
+              <a:t>발표자 가이드: 사회적 가치 강조. '기술은 누구에게나 평등해야 합니다' 시작. 각 그룹별 pain point 설명. 실제 사용자 피드백 있으면 언급. '접근성(Accessibility)'이 핵심 가치임을 강조. 유니버설 디자인 개념 간단히 소개.</a:t>
             </a:r>
           </a:p>
         </p:txBody>
@@ -1141,7 +1141,7 @@
           <a:lstStyle/>
           <a:p>
             <a:r>
-              <a:t>개인적 비전 제시. 기술의 사회적 가치. 청중에게 영감 주기.</a:t>
+              <a:t>발표자 가이드: 미래 비전 제시. '이건 시작일 뿐입니다' 강조. 다국어 지원으로 글로벌화 가능. 오프라인 모드는 Vosk 같은 로컬 STT 라이브러리 사용 계획. IoT 연동 시 진정한 스마트홈 가능. 의료/산업 분야 적용 사례 간단히 설명. '여러분도 함께 만들어주세요' 참여 유도.</a:t>
             </a:r>
           </a:p>
         </p:txBody>
@@ -4336,7 +4336,7 @@
               </a:defRPr>
             </a:pPr>
             <a:r>
-              <a:t>음성 웨이브폼 애니메이션</a:t>
+              <a:t>🎤 음성 인식 기반 자동화 시스템</a:t>
             </a:r>
           </a:p>
         </p:txBody>
@@ -4390,7 +4390,7 @@
               </a:defRPr>
             </a:pPr>
             <a:r>
-              <a:t>마이크 아이콘 (큼직하게)</a:t>
+              <a:t>Python + SpeechRecognition + 자동화 라이브러리</a:t>
             </a:r>
           </a:p>
         </p:txBody>
@@ -4602,7 +4602,7 @@
               </a:defRPr>
             </a:pPr>
             <a:r>
-              <a:t>QR 코드 (GitHub)</a:t>
+              <a:t>[프로젝트 정보]</a:t>
             </a:r>
           </a:p>
         </p:txBody>
@@ -4656,7 +4656,61 @@
               </a:defRPr>
             </a:pPr>
             <a:r>
-              <a:t>SoundToAct 로고</a:t>
+              <a:t>📂 GitHub: github.com/[username]/SoundToAct</a:t>
+            </a:r>
+          </a:p>
+        </p:txBody>
+      </p:sp>
+      <p:sp>
+        <p:nvSpPr>
+          <p:cNvPr id="8" name="Rounded Rectangle 7"/>
+          <p:cNvSpPr/>
+          <p:nvPr/>
+        </p:nvSpPr>
+        <p:spPr>
+          <a:xfrm>
+            <a:off x="1371600" y="6126480"/>
+            <a:ext cx="6400800" cy="457200"/>
+          </a:xfrm>
+          <a:prstGeom prst="roundRect">
+            <a:avLst/>
+          </a:prstGeom>
+          <a:solidFill>
+            <a:srgbClr val="F0F5FF"/>
+          </a:solidFill>
+          <a:ln w="25400">
+            <a:solidFill>
+              <a:srgbClr val="2563EB"/>
+            </a:solidFill>
+          </a:ln>
+        </p:spPr>
+        <p:style>
+          <a:lnRef idx="1">
+            <a:schemeClr val="accent1"/>
+          </a:lnRef>
+          <a:fillRef idx="3">
+            <a:schemeClr val="accent1"/>
+          </a:fillRef>
+          <a:effectRef idx="2">
+            <a:schemeClr val="accent1"/>
+          </a:effectRef>
+          <a:fontRef idx="minor">
+            <a:schemeClr val="lt1"/>
+          </a:fontRef>
+        </p:style>
+        <p:txBody>
+          <a:bodyPr rtlCol="0" anchor="ctr" wrap="square" lIns="137160" rIns="137160" tIns="91440" bIns="91440"/>
+          <a:lstStyle/>
+          <a:p>
+            <a:pPr algn="l">
+              <a:defRPr sz="1600">
+                <a:solidFill>
+                  <a:srgbClr val="111827"/>
+                </a:solidFill>
+              </a:defRPr>
+            </a:pPr>
+            <a:r>
+              <a:t>📧 Email: contact@example.com</a:t>
             </a:r>
           </a:p>
         </p:txBody>
@@ -4792,8 +4846,8 @@
         </p:nvSpPr>
         <p:spPr>
           <a:xfrm>
-            <a:off x="914400" y="2011680"/>
-            <a:ext cx="7315200" cy="548640"/>
+            <a:off x="457200" y="2011680"/>
+            <a:ext cx="3931920" cy="548640"/>
           </a:xfrm>
           <a:prstGeom prst="roundRect">
             <a:avLst/>
@@ -4833,7 +4887,7 @@
               </a:defRPr>
             </a:pPr>
             <a:r>
-              <a:t>만화 스타일 일러스트: 침대에서 일어나는 학생</a:t>
+              <a:t>[문제 상황]</a:t>
             </a:r>
           </a:p>
         </p:txBody>
@@ -4846,8 +4900,8 @@
         </p:nvSpPr>
         <p:spPr>
           <a:xfrm>
-            <a:off x="914400" y="2651760"/>
-            <a:ext cx="7315200" cy="548640"/>
+            <a:off x="4846320" y="2011680"/>
+            <a:ext cx="3931920" cy="548640"/>
           </a:xfrm>
           <a:prstGeom prst="roundRect">
             <a:avLst/>
@@ -4887,7 +4941,7 @@
               </a:defRPr>
             </a:pPr>
             <a:r>
-              <a:t>복잡한 과정 플로우: 폰 찾기 → 잠금 해제 → 연락처 앱 → 검색 → 터치</a:t>
+              <a:t>1. 침대에서 폰 찾기 (20초)</a:t>
             </a:r>
           </a:p>
         </p:txBody>
@@ -4900,8 +4954,8 @@
         </p:nvSpPr>
         <p:spPr>
           <a:xfrm>
-            <a:off x="914400" y="3291840"/>
-            <a:ext cx="7315200" cy="548640"/>
+            <a:off x="457200" y="2651760"/>
+            <a:ext cx="3931920" cy="548640"/>
           </a:xfrm>
           <a:prstGeom prst="roundRect">
             <a:avLst/>
@@ -4941,7 +4995,223 @@
               </a:defRPr>
             </a:pPr>
             <a:r>
-              <a:t>시계 아이콘: '2분 소요'</a:t>
+              <a:t>2. 잠금 해제 (10초)</a:t>
+            </a:r>
+          </a:p>
+        </p:txBody>
+      </p:sp>
+      <p:sp>
+        <p:nvSpPr>
+          <p:cNvPr id="8" name="Rounded Rectangle 7"/>
+          <p:cNvSpPr/>
+          <p:nvPr/>
+        </p:nvSpPr>
+        <p:spPr>
+          <a:xfrm>
+            <a:off x="4846320" y="2651760"/>
+            <a:ext cx="3931920" cy="548640"/>
+          </a:xfrm>
+          <a:prstGeom prst="roundRect">
+            <a:avLst/>
+          </a:prstGeom>
+          <a:solidFill>
+            <a:srgbClr val="F0F5FF"/>
+          </a:solidFill>
+          <a:ln w="25400">
+            <a:solidFill>
+              <a:srgbClr val="2563EB"/>
+            </a:solidFill>
+          </a:ln>
+        </p:spPr>
+        <p:style>
+          <a:lnRef idx="1">
+            <a:schemeClr val="accent1"/>
+          </a:lnRef>
+          <a:fillRef idx="3">
+            <a:schemeClr val="accent1"/>
+          </a:fillRef>
+          <a:effectRef idx="2">
+            <a:schemeClr val="accent1"/>
+          </a:effectRef>
+          <a:fontRef idx="minor">
+            <a:schemeClr val="lt1"/>
+          </a:fontRef>
+        </p:style>
+        <p:txBody>
+          <a:bodyPr rtlCol="0" anchor="ctr" wrap="square" lIns="137160" rIns="137160" tIns="91440" bIns="91440"/>
+          <a:lstStyle/>
+          <a:p>
+            <a:pPr algn="l">
+              <a:defRPr sz="1600">
+                <a:solidFill>
+                  <a:srgbClr val="111827"/>
+                </a:solidFill>
+              </a:defRPr>
+            </a:pPr>
+            <a:r>
+              <a:t>3. 연락처 앱 열기 (15초)</a:t>
+            </a:r>
+          </a:p>
+        </p:txBody>
+      </p:sp>
+      <p:sp>
+        <p:nvSpPr>
+          <p:cNvPr id="9" name="Rounded Rectangle 8"/>
+          <p:cNvSpPr/>
+          <p:nvPr/>
+        </p:nvSpPr>
+        <p:spPr>
+          <a:xfrm>
+            <a:off x="457200" y="3291840"/>
+            <a:ext cx="3931920" cy="548640"/>
+          </a:xfrm>
+          <a:prstGeom prst="roundRect">
+            <a:avLst/>
+          </a:prstGeom>
+          <a:solidFill>
+            <a:srgbClr val="F0F5FF"/>
+          </a:solidFill>
+          <a:ln w="25400">
+            <a:solidFill>
+              <a:srgbClr val="2563EB"/>
+            </a:solidFill>
+          </a:ln>
+        </p:spPr>
+        <p:style>
+          <a:lnRef idx="1">
+            <a:schemeClr val="accent1"/>
+          </a:lnRef>
+          <a:fillRef idx="3">
+            <a:schemeClr val="accent1"/>
+          </a:fillRef>
+          <a:effectRef idx="2">
+            <a:schemeClr val="accent1"/>
+          </a:effectRef>
+          <a:fontRef idx="minor">
+            <a:schemeClr val="lt1"/>
+          </a:fontRef>
+        </p:style>
+        <p:txBody>
+          <a:bodyPr rtlCol="0" anchor="ctr" wrap="square" lIns="137160" rIns="137160" tIns="91440" bIns="91440"/>
+          <a:lstStyle/>
+          <a:p>
+            <a:pPr algn="l">
+              <a:defRPr sz="1600">
+                <a:solidFill>
+                  <a:srgbClr val="111827"/>
+                </a:solidFill>
+              </a:defRPr>
+            </a:pPr>
+            <a:r>
+              <a:t>4. '엄마' 검색 (20초)</a:t>
+            </a:r>
+          </a:p>
+        </p:txBody>
+      </p:sp>
+      <p:sp>
+        <p:nvSpPr>
+          <p:cNvPr id="10" name="Rounded Rectangle 9"/>
+          <p:cNvSpPr/>
+          <p:nvPr/>
+        </p:nvSpPr>
+        <p:spPr>
+          <a:xfrm>
+            <a:off x="4846320" y="3291840"/>
+            <a:ext cx="3931920" cy="548640"/>
+          </a:xfrm>
+          <a:prstGeom prst="roundRect">
+            <a:avLst/>
+          </a:prstGeom>
+          <a:solidFill>
+            <a:srgbClr val="F0F5FF"/>
+          </a:solidFill>
+          <a:ln w="25400">
+            <a:solidFill>
+              <a:srgbClr val="2563EB"/>
+            </a:solidFill>
+          </a:ln>
+        </p:spPr>
+        <p:style>
+          <a:lnRef idx="1">
+            <a:schemeClr val="accent1"/>
+          </a:lnRef>
+          <a:fillRef idx="3">
+            <a:schemeClr val="accent1"/>
+          </a:fillRef>
+          <a:effectRef idx="2">
+            <a:schemeClr val="accent1"/>
+          </a:effectRef>
+          <a:fontRef idx="minor">
+            <a:schemeClr val="lt1"/>
+          </a:fontRef>
+        </p:style>
+        <p:txBody>
+          <a:bodyPr rtlCol="0" anchor="ctr" wrap="square" lIns="137160" rIns="137160" tIns="91440" bIns="91440"/>
+          <a:lstStyle/>
+          <a:p>
+            <a:pPr algn="l">
+              <a:defRPr sz="1600">
+                <a:solidFill>
+                  <a:srgbClr val="111827"/>
+                </a:solidFill>
+              </a:defRPr>
+            </a:pPr>
+            <a:r>
+              <a:t>5. 통화 버튼 터치 (5초)</a:t>
+            </a:r>
+          </a:p>
+        </p:txBody>
+      </p:sp>
+      <p:sp>
+        <p:nvSpPr>
+          <p:cNvPr id="11" name="Rounded Rectangle 10"/>
+          <p:cNvSpPr/>
+          <p:nvPr/>
+        </p:nvSpPr>
+        <p:spPr>
+          <a:xfrm>
+            <a:off x="457200" y="3931920"/>
+            <a:ext cx="3931920" cy="548640"/>
+          </a:xfrm>
+          <a:prstGeom prst="roundRect">
+            <a:avLst/>
+          </a:prstGeom>
+          <a:solidFill>
+            <a:srgbClr val="F0F5FF"/>
+          </a:solidFill>
+          <a:ln w="25400">
+            <a:solidFill>
+              <a:srgbClr val="2563EB"/>
+            </a:solidFill>
+          </a:ln>
+        </p:spPr>
+        <p:style>
+          <a:lnRef idx="1">
+            <a:schemeClr val="accent1"/>
+          </a:lnRef>
+          <a:fillRef idx="3">
+            <a:schemeClr val="accent1"/>
+          </a:fillRef>
+          <a:effectRef idx="2">
+            <a:schemeClr val="accent1"/>
+          </a:effectRef>
+          <a:fontRef idx="minor">
+            <a:schemeClr val="lt1"/>
+          </a:fontRef>
+        </p:style>
+        <p:txBody>
+          <a:bodyPr rtlCol="0" anchor="ctr" wrap="square" lIns="137160" rIns="137160" tIns="91440" bIns="91440"/>
+          <a:lstStyle/>
+          <a:p>
+            <a:pPr algn="l">
+              <a:defRPr sz="1600">
+                <a:solidFill>
+                  <a:srgbClr val="111827"/>
+                </a:solidFill>
+              </a:defRPr>
+            </a:pPr>
+            <a:r>
+              <a:t>⏱ 총 소요 시간: ~2분 + 귀찮음</a:t>
             </a:r>
           </a:p>
         </p:txBody>
@@ -5153,7 +5423,7 @@
               </a:defRPr>
             </a:pPr>
             <a:r>
-              <a:t>큰 물음표 아이콘</a:t>
+              <a:t>💡 핵심 아이디어</a:t>
             </a:r>
           </a:p>
         </p:txBody>
@@ -5207,7 +5477,7 @@
               </a:defRPr>
             </a:pPr>
             <a:r>
-              <a:t>말풍선 안에 '엄마'</a:t>
+              <a:t>음성 명령 → 즉시 실행</a:t>
             </a:r>
           </a:p>
         </p:txBody>
@@ -5261,7 +5531,7 @@
               </a:defRPr>
             </a:pPr>
             <a:r>
-              <a:t>빛나는 효과 (반짝이는 전구)</a:t>
+              <a:t>UI 조작 불필요</a:t>
             </a:r>
           </a:p>
         </p:txBody>
@@ -5397,8 +5667,8 @@
         </p:nvSpPr>
         <p:spPr>
           <a:xfrm>
-            <a:off x="914400" y="2148840"/>
-            <a:ext cx="7315200" cy="548640"/>
+            <a:off x="457200" y="2148840"/>
+            <a:ext cx="3931920" cy="548640"/>
           </a:xfrm>
           <a:prstGeom prst="roundRect">
             <a:avLst/>
@@ -5438,7 +5708,7 @@
               </a:defRPr>
             </a:pPr>
             <a:r>
-              <a:t>프로젝트 로고 (크게)</a:t>
+              <a:t>[기술 스택]</a:t>
             </a:r>
           </a:p>
         </p:txBody>
@@ -5451,8 +5721,8 @@
         </p:nvSpPr>
         <p:spPr>
           <a:xfrm>
-            <a:off x="914400" y="2788920"/>
-            <a:ext cx="7315200" cy="548640"/>
+            <a:off x="4846320" y="2148840"/>
+            <a:ext cx="3931920" cy="548640"/>
           </a:xfrm>
           <a:prstGeom prst="roundRect">
             <a:avLst/>
@@ -5492,7 +5762,7 @@
               </a:defRPr>
             </a:pPr>
             <a:r>
-              <a:t>10초 데모 영상: '엄마' → 전화 걸림</a:t>
+              <a:t>• Python 3.10+ 기반</a:t>
             </a:r>
           </a:p>
         </p:txBody>
@@ -5505,8 +5775,8 @@
         </p:nvSpPr>
         <p:spPr>
           <a:xfrm>
-            <a:off x="914400" y="3429000"/>
-            <a:ext cx="7315200" cy="548640"/>
+            <a:off x="457200" y="2788920"/>
+            <a:ext cx="3931920" cy="548640"/>
           </a:xfrm>
           <a:prstGeom prst="roundRect">
             <a:avLst/>
@@ -5546,7 +5816,223 @@
               </a:defRPr>
             </a:pPr>
             <a:r>
-              <a:t>Before/After 비교 이미지</a:t>
+              <a:t>• SpeechRecognition 라이브러리 (Google Speech API)</a:t>
+            </a:r>
+          </a:p>
+        </p:txBody>
+      </p:sp>
+      <p:sp>
+        <p:nvSpPr>
+          <p:cNvPr id="8" name="Rounded Rectangle 7"/>
+          <p:cNvSpPr/>
+          <p:nvPr/>
+        </p:nvSpPr>
+        <p:spPr>
+          <a:xfrm>
+            <a:off x="4846320" y="2788920"/>
+            <a:ext cx="3931920" cy="548640"/>
+          </a:xfrm>
+          <a:prstGeom prst="roundRect">
+            <a:avLst/>
+          </a:prstGeom>
+          <a:solidFill>
+            <a:srgbClr val="F0F5FF"/>
+          </a:solidFill>
+          <a:ln w="25400">
+            <a:solidFill>
+              <a:srgbClr val="2563EB"/>
+            </a:solidFill>
+          </a:ln>
+        </p:spPr>
+        <p:style>
+          <a:lnRef idx="1">
+            <a:schemeClr val="accent1"/>
+          </a:lnRef>
+          <a:fillRef idx="3">
+            <a:schemeClr val="accent1"/>
+          </a:fillRef>
+          <a:effectRef idx="2">
+            <a:schemeClr val="accent1"/>
+          </a:effectRef>
+          <a:fontRef idx="minor">
+            <a:schemeClr val="lt1"/>
+          </a:fontRef>
+        </p:style>
+        <p:txBody>
+          <a:bodyPr rtlCol="0" anchor="ctr" wrap="square" lIns="137160" rIns="137160" tIns="91440" bIns="91440"/>
+          <a:lstStyle/>
+          <a:p>
+            <a:pPr algn="l">
+              <a:defRPr sz="1600">
+                <a:solidFill>
+                  <a:srgbClr val="111827"/>
+                </a:solidFill>
+              </a:defRPr>
+            </a:pPr>
+            <a:r>
+              <a:t>• PyAutoGUI (UI 자동화)</a:t>
+            </a:r>
+          </a:p>
+        </p:txBody>
+      </p:sp>
+      <p:sp>
+        <p:nvSpPr>
+          <p:cNvPr id="9" name="Rounded Rectangle 8"/>
+          <p:cNvSpPr/>
+          <p:nvPr/>
+        </p:nvSpPr>
+        <p:spPr>
+          <a:xfrm>
+            <a:off x="457200" y="3429000"/>
+            <a:ext cx="3931920" cy="548640"/>
+          </a:xfrm>
+          <a:prstGeom prst="roundRect">
+            <a:avLst/>
+          </a:prstGeom>
+          <a:solidFill>
+            <a:srgbClr val="F0F5FF"/>
+          </a:solidFill>
+          <a:ln w="25400">
+            <a:solidFill>
+              <a:srgbClr val="2563EB"/>
+            </a:solidFill>
+          </a:ln>
+        </p:spPr>
+        <p:style>
+          <a:lnRef idx="1">
+            <a:schemeClr val="accent1"/>
+          </a:lnRef>
+          <a:fillRef idx="3">
+            <a:schemeClr val="accent1"/>
+          </a:fillRef>
+          <a:effectRef idx="2">
+            <a:schemeClr val="accent1"/>
+          </a:effectRef>
+          <a:fontRef idx="minor">
+            <a:schemeClr val="lt1"/>
+          </a:fontRef>
+        </p:style>
+        <p:txBody>
+          <a:bodyPr rtlCol="0" anchor="ctr" wrap="square" lIns="137160" rIns="137160" tIns="91440" bIns="91440"/>
+          <a:lstStyle/>
+          <a:p>
+            <a:pPr algn="l">
+              <a:defRPr sz="1600">
+                <a:solidFill>
+                  <a:srgbClr val="111827"/>
+                </a:solidFill>
+              </a:defRPr>
+            </a:pPr>
+            <a:r>
+              <a:t>• Threading (백그라운드 실행)</a:t>
+            </a:r>
+          </a:p>
+        </p:txBody>
+      </p:sp>
+      <p:sp>
+        <p:nvSpPr>
+          <p:cNvPr id="10" name="Rounded Rectangle 9"/>
+          <p:cNvSpPr/>
+          <p:nvPr/>
+        </p:nvSpPr>
+        <p:spPr>
+          <a:xfrm>
+            <a:off x="457200" y="4069080"/>
+            <a:ext cx="3931920" cy="548640"/>
+          </a:xfrm>
+          <a:prstGeom prst="roundRect">
+            <a:avLst/>
+          </a:prstGeom>
+          <a:solidFill>
+            <a:srgbClr val="F0F5FF"/>
+          </a:solidFill>
+          <a:ln w="25400">
+            <a:solidFill>
+              <a:srgbClr val="2563EB"/>
+            </a:solidFill>
+          </a:ln>
+        </p:spPr>
+        <p:style>
+          <a:lnRef idx="1">
+            <a:schemeClr val="accent1"/>
+          </a:lnRef>
+          <a:fillRef idx="3">
+            <a:schemeClr val="accent1"/>
+          </a:fillRef>
+          <a:effectRef idx="2">
+            <a:schemeClr val="accent1"/>
+          </a:effectRef>
+          <a:fontRef idx="minor">
+            <a:schemeClr val="lt1"/>
+          </a:fontRef>
+        </p:style>
+        <p:txBody>
+          <a:bodyPr rtlCol="0" anchor="ctr" wrap="square" lIns="137160" rIns="137160" tIns="91440" bIns="91440"/>
+          <a:lstStyle/>
+          <a:p>
+            <a:pPr algn="l">
+              <a:defRPr sz="1600">
+                <a:solidFill>
+                  <a:srgbClr val="111827"/>
+                </a:solidFill>
+              </a:defRPr>
+            </a:pPr>
+            <a:r>
+              <a:t>[동작 방식]</a:t>
+            </a:r>
+          </a:p>
+        </p:txBody>
+      </p:sp>
+      <p:sp>
+        <p:nvSpPr>
+          <p:cNvPr id="11" name="Rounded Rectangle 10"/>
+          <p:cNvSpPr/>
+          <p:nvPr/>
+        </p:nvSpPr>
+        <p:spPr>
+          <a:xfrm>
+            <a:off x="4846320" y="4069080"/>
+            <a:ext cx="3931920" cy="548640"/>
+          </a:xfrm>
+          <a:prstGeom prst="roundRect">
+            <a:avLst/>
+          </a:prstGeom>
+          <a:solidFill>
+            <a:srgbClr val="F0F5FF"/>
+          </a:solidFill>
+          <a:ln w="25400">
+            <a:solidFill>
+              <a:srgbClr val="2563EB"/>
+            </a:solidFill>
+          </a:ln>
+        </p:spPr>
+        <p:style>
+          <a:lnRef idx="1">
+            <a:schemeClr val="accent1"/>
+          </a:lnRef>
+          <a:fillRef idx="3">
+            <a:schemeClr val="accent1"/>
+          </a:fillRef>
+          <a:effectRef idx="2">
+            <a:schemeClr val="accent1"/>
+          </a:effectRef>
+          <a:fontRef idx="minor">
+            <a:schemeClr val="lt1"/>
+          </a:fontRef>
+        </p:style>
+        <p:txBody>
+          <a:bodyPr rtlCol="0" anchor="ctr" wrap="square" lIns="137160" rIns="137160" tIns="91440" bIns="91440"/>
+          <a:lstStyle/>
+          <a:p>
+            <a:pPr algn="l">
+              <a:defRPr sz="1600">
+                <a:solidFill>
+                  <a:srgbClr val="111827"/>
+                </a:solidFill>
+              </a:defRPr>
+            </a:pPr>
+            <a:r>
+              <a:t>'엄마' 음성 → 연락처 검색 → 통화 실행</a:t>
             </a:r>
           </a:p>
         </p:txBody>
@@ -5606,13 +6092,83 @@
       </p:sp>
       <p:sp>
         <p:nvSpPr>
-          <p:cNvPr id="3" name="Rounded Rectangle 2"/>
+          <p:cNvPr id="3" name="TextBox 2"/>
+          <p:cNvSpPr txBox="1"/>
+          <p:nvPr/>
+        </p:nvSpPr>
+        <p:spPr>
+          <a:xfrm>
+            <a:off x="457200" y="914400"/>
+            <a:ext cx="8229600" cy="457200"/>
+          </a:xfrm>
+          <a:prstGeom prst="rect">
+            <a:avLst/>
+          </a:prstGeom>
+          <a:noFill/>
+        </p:spPr>
+        <p:txBody>
+          <a:bodyPr wrap="none">
+            <a:spAutoFit/>
+          </a:bodyPr>
+          <a:lstStyle/>
+          <a:p>
+            <a:pPr algn="ctr">
+              <a:defRPr sz="2800">
+                <a:solidFill>
+                  <a:srgbClr val="6B7280"/>
+                </a:solidFill>
+              </a:defRPr>
+            </a:pPr>
+            <a:r>
+              <a:t>간단한 3단계</a:t>
+            </a:r>
+          </a:p>
+        </p:txBody>
+      </p:sp>
+      <p:sp>
+        <p:nvSpPr>
+          <p:cNvPr id="4" name="TextBox 3"/>
+          <p:cNvSpPr txBox="1"/>
+          <p:nvPr/>
+        </p:nvSpPr>
+        <p:spPr>
+          <a:xfrm>
+            <a:off x="914400" y="1463040"/>
+            <a:ext cx="7315200" cy="365760"/>
+          </a:xfrm>
+          <a:prstGeom prst="rect">
+            <a:avLst/>
+          </a:prstGeom>
+          <a:noFill/>
+        </p:spPr>
+        <p:txBody>
+          <a:bodyPr wrap="none">
+            <a:spAutoFit/>
+          </a:bodyPr>
+          <a:lstStyle/>
+          <a:p>
+            <a:pPr algn="ctr">
+              <a:defRPr sz="2400">
+                <a:solidFill>
+                  <a:srgbClr val="111827"/>
+                </a:solidFill>
+              </a:defRPr>
+            </a:pPr>
+            <a:r>
+              <a:t>듣기 → 이해하기 → 실행하기</a:t>
+            </a:r>
+          </a:p>
+        </p:txBody>
+      </p:sp>
+      <p:sp>
+        <p:nvSpPr>
+          <p:cNvPr id="5" name="Rounded Rectangle 4"/>
           <p:cNvSpPr/>
           <p:nvPr/>
         </p:nvSpPr>
         <p:spPr>
           <a:xfrm>
-            <a:off x="457200" y="914400"/>
+            <a:off x="457200" y="2148840"/>
             <a:ext cx="3931920" cy="548640"/>
           </a:xfrm>
           <a:prstGeom prst="roundRect">
@@ -5653,20 +6209,20 @@
               </a:defRPr>
             </a:pPr>
             <a:r>
-              <a:t>1단계: 듣기 - 마이크 아이콘 + 음성 웨이브</a:t>
-            </a:r>
-          </a:p>
-        </p:txBody>
-      </p:sp>
-      <p:sp>
-        <p:nvSpPr>
-          <p:cNvPr id="4" name="Rounded Rectangle 3"/>
+              <a:t>[1단계: 듣기 🎤]</a:t>
+            </a:r>
+          </a:p>
+        </p:txBody>
+      </p:sp>
+      <p:sp>
+        <p:nvSpPr>
+          <p:cNvPr id="6" name="Rounded Rectangle 5"/>
           <p:cNvSpPr/>
           <p:nvPr/>
         </p:nvSpPr>
         <p:spPr>
           <a:xfrm>
-            <a:off x="4846320" y="914400"/>
+            <a:off x="4846320" y="2148840"/>
             <a:ext cx="3931920" cy="548640"/>
           </a:xfrm>
           <a:prstGeom prst="roundRect">
@@ -5707,20 +6263,20 @@
               </a:defRPr>
             </a:pPr>
             <a:r>
-              <a:t>2단계: 이해하기 - AI 뇌 + 키워드 매칭</a:t>
-            </a:r>
-          </a:p>
-        </p:txBody>
-      </p:sp>
-      <p:sp>
-        <p:nvSpPr>
-          <p:cNvPr id="5" name="Rounded Rectangle 4"/>
+              <a:t>마이크로 음성 캡처</a:t>
+            </a:r>
+          </a:p>
+        </p:txBody>
+      </p:sp>
+      <p:sp>
+        <p:nvSpPr>
+          <p:cNvPr id="7" name="Rounded Rectangle 6"/>
           <p:cNvSpPr/>
           <p:nvPr/>
         </p:nvSpPr>
         <p:spPr>
           <a:xfrm>
-            <a:off x="457200" y="1554480"/>
+            <a:off x="457200" y="2788920"/>
             <a:ext cx="3931920" cy="548640"/>
           </a:xfrm>
           <a:prstGeom prst="roundRect">
@@ -5761,20 +6317,20 @@
               </a:defRPr>
             </a:pPr>
             <a:r>
-              <a:t>3단계: 실행하기 - 액션 아이콘 (전화, 음악, 조명)</a:t>
-            </a:r>
-          </a:p>
-        </p:txBody>
-      </p:sp>
-      <p:sp>
-        <p:nvSpPr>
-          <p:cNvPr id="6" name="Rounded Rectangle 5"/>
+              <a:t>sr.Microphone()</a:t>
+            </a:r>
+          </a:p>
+        </p:txBody>
+      </p:sp>
+      <p:sp>
+        <p:nvSpPr>
+          <p:cNvPr id="8" name="Rounded Rectangle 7"/>
           <p:cNvSpPr/>
           <p:nvPr/>
         </p:nvSpPr>
         <p:spPr>
           <a:xfrm>
-            <a:off x="4846320" y="1554480"/>
+            <a:off x="4846320" y="2788920"/>
             <a:ext cx="3931920" cy="548640"/>
           </a:xfrm>
           <a:prstGeom prst="roundRect">
@@ -5815,7 +6371,439 @@
               </a:defRPr>
             </a:pPr>
             <a:r>
-              <a:t>화살표로 연결된 3단계 플로우</a:t>
+              <a:t>실시간 오디오 스트림</a:t>
+            </a:r>
+          </a:p>
+        </p:txBody>
+      </p:sp>
+      <p:sp>
+        <p:nvSpPr>
+          <p:cNvPr id="9" name="Rounded Rectangle 8"/>
+          <p:cNvSpPr/>
+          <p:nvPr/>
+        </p:nvSpPr>
+        <p:spPr>
+          <a:xfrm>
+            <a:off x="4846320" y="3429000"/>
+            <a:ext cx="3931920" cy="548640"/>
+          </a:xfrm>
+          <a:prstGeom prst="roundRect">
+            <a:avLst/>
+          </a:prstGeom>
+          <a:solidFill>
+            <a:srgbClr val="F0F5FF"/>
+          </a:solidFill>
+          <a:ln w="25400">
+            <a:solidFill>
+              <a:srgbClr val="2563EB"/>
+            </a:solidFill>
+          </a:ln>
+        </p:spPr>
+        <p:style>
+          <a:lnRef idx="1">
+            <a:schemeClr val="accent1"/>
+          </a:lnRef>
+          <a:fillRef idx="3">
+            <a:schemeClr val="accent1"/>
+          </a:fillRef>
+          <a:effectRef idx="2">
+            <a:schemeClr val="accent1"/>
+          </a:effectRef>
+          <a:fontRef idx="minor">
+            <a:schemeClr val="lt1"/>
+          </a:fontRef>
+        </p:style>
+        <p:txBody>
+          <a:bodyPr rtlCol="0" anchor="ctr" wrap="square" lIns="137160" rIns="137160" tIns="91440" bIns="91440"/>
+          <a:lstStyle/>
+          <a:p>
+            <a:pPr algn="l">
+              <a:defRPr sz="1600">
+                <a:solidFill>
+                  <a:srgbClr val="111827"/>
+                </a:solidFill>
+              </a:defRPr>
+            </a:pPr>
+            <a:r>
+              <a:t>[2단계: 이해 🧠]</a:t>
+            </a:r>
+          </a:p>
+        </p:txBody>
+      </p:sp>
+      <p:sp>
+        <p:nvSpPr>
+          <p:cNvPr id="10" name="Rounded Rectangle 9"/>
+          <p:cNvSpPr/>
+          <p:nvPr/>
+        </p:nvSpPr>
+        <p:spPr>
+          <a:xfrm>
+            <a:off x="457200" y="4069080"/>
+            <a:ext cx="3931920" cy="548640"/>
+          </a:xfrm>
+          <a:prstGeom prst="roundRect">
+            <a:avLst/>
+          </a:prstGeom>
+          <a:solidFill>
+            <a:srgbClr val="F0F5FF"/>
+          </a:solidFill>
+          <a:ln w="25400">
+            <a:solidFill>
+              <a:srgbClr val="2563EB"/>
+            </a:solidFill>
+          </a:ln>
+        </p:spPr>
+        <p:style>
+          <a:lnRef idx="1">
+            <a:schemeClr val="accent1"/>
+          </a:lnRef>
+          <a:fillRef idx="3">
+            <a:schemeClr val="accent1"/>
+          </a:fillRef>
+          <a:effectRef idx="2">
+            <a:schemeClr val="accent1"/>
+          </a:effectRef>
+          <a:fontRef idx="minor">
+            <a:schemeClr val="lt1"/>
+          </a:fontRef>
+        </p:style>
+        <p:txBody>
+          <a:bodyPr rtlCol="0" anchor="ctr" wrap="square" lIns="137160" rIns="137160" tIns="91440" bIns="91440"/>
+          <a:lstStyle/>
+          <a:p>
+            <a:pPr algn="l">
+              <a:defRPr sz="1600">
+                <a:solidFill>
+                  <a:srgbClr val="111827"/>
+                </a:solidFill>
+              </a:defRPr>
+            </a:pPr>
+            <a:r>
+              <a:t>Google Speech API</a:t>
+            </a:r>
+          </a:p>
+        </p:txBody>
+      </p:sp>
+      <p:sp>
+        <p:nvSpPr>
+          <p:cNvPr id="11" name="Rounded Rectangle 10"/>
+          <p:cNvSpPr/>
+          <p:nvPr/>
+        </p:nvSpPr>
+        <p:spPr>
+          <a:xfrm>
+            <a:off x="4846320" y="4069080"/>
+            <a:ext cx="3931920" cy="548640"/>
+          </a:xfrm>
+          <a:prstGeom prst="roundRect">
+            <a:avLst/>
+          </a:prstGeom>
+          <a:solidFill>
+            <a:srgbClr val="F0F5FF"/>
+          </a:solidFill>
+          <a:ln w="25400">
+            <a:solidFill>
+              <a:srgbClr val="2563EB"/>
+            </a:solidFill>
+          </a:ln>
+        </p:spPr>
+        <p:style>
+          <a:lnRef idx="1">
+            <a:schemeClr val="accent1"/>
+          </a:lnRef>
+          <a:fillRef idx="3">
+            <a:schemeClr val="accent1"/>
+          </a:fillRef>
+          <a:effectRef idx="2">
+            <a:schemeClr val="accent1"/>
+          </a:effectRef>
+          <a:fontRef idx="minor">
+            <a:schemeClr val="lt1"/>
+          </a:fontRef>
+        </p:style>
+        <p:txBody>
+          <a:bodyPr rtlCol="0" anchor="ctr" wrap="square" lIns="137160" rIns="137160" tIns="91440" bIns="91440"/>
+          <a:lstStyle/>
+          <a:p>
+            <a:pPr algn="l">
+              <a:defRPr sz="1600">
+                <a:solidFill>
+                  <a:srgbClr val="111827"/>
+                </a:solidFill>
+              </a:defRPr>
+            </a:pPr>
+            <a:r>
+              <a:t>음성 → 텍스트 변환</a:t>
+            </a:r>
+          </a:p>
+        </p:txBody>
+      </p:sp>
+      <p:sp>
+        <p:nvSpPr>
+          <p:cNvPr id="12" name="Rounded Rectangle 11"/>
+          <p:cNvSpPr/>
+          <p:nvPr/>
+        </p:nvSpPr>
+        <p:spPr>
+          <a:xfrm>
+            <a:off x="457200" y="4709160"/>
+            <a:ext cx="3931920" cy="548640"/>
+          </a:xfrm>
+          <a:prstGeom prst="roundRect">
+            <a:avLst/>
+          </a:prstGeom>
+          <a:solidFill>
+            <a:srgbClr val="F0F5FF"/>
+          </a:solidFill>
+          <a:ln w="25400">
+            <a:solidFill>
+              <a:srgbClr val="2563EB"/>
+            </a:solidFill>
+          </a:ln>
+        </p:spPr>
+        <p:style>
+          <a:lnRef idx="1">
+            <a:schemeClr val="accent1"/>
+          </a:lnRef>
+          <a:fillRef idx="3">
+            <a:schemeClr val="accent1"/>
+          </a:fillRef>
+          <a:effectRef idx="2">
+            <a:schemeClr val="accent1"/>
+          </a:effectRef>
+          <a:fontRef idx="minor">
+            <a:schemeClr val="lt1"/>
+          </a:fontRef>
+        </p:style>
+        <p:txBody>
+          <a:bodyPr rtlCol="0" anchor="ctr" wrap="square" lIns="137160" rIns="137160" tIns="91440" bIns="91440"/>
+          <a:lstStyle/>
+          <a:p>
+            <a:pPr algn="l">
+              <a:defRPr sz="1600">
+                <a:solidFill>
+                  <a:srgbClr val="111827"/>
+                </a:solidFill>
+              </a:defRPr>
+            </a:pPr>
+            <a:r>
+              <a:t>키워드 매칭 알고리즘</a:t>
+            </a:r>
+          </a:p>
+        </p:txBody>
+      </p:sp>
+      <p:sp>
+        <p:nvSpPr>
+          <p:cNvPr id="13" name="Rounded Rectangle 12"/>
+          <p:cNvSpPr/>
+          <p:nvPr/>
+        </p:nvSpPr>
+        <p:spPr>
+          <a:xfrm>
+            <a:off x="457200" y="5349240"/>
+            <a:ext cx="3931920" cy="548640"/>
+          </a:xfrm>
+          <a:prstGeom prst="roundRect">
+            <a:avLst/>
+          </a:prstGeom>
+          <a:solidFill>
+            <a:srgbClr val="F0F5FF"/>
+          </a:solidFill>
+          <a:ln w="25400">
+            <a:solidFill>
+              <a:srgbClr val="2563EB"/>
+            </a:solidFill>
+          </a:ln>
+        </p:spPr>
+        <p:style>
+          <a:lnRef idx="1">
+            <a:schemeClr val="accent1"/>
+          </a:lnRef>
+          <a:fillRef idx="3">
+            <a:schemeClr val="accent1"/>
+          </a:fillRef>
+          <a:effectRef idx="2">
+            <a:schemeClr val="accent1"/>
+          </a:effectRef>
+          <a:fontRef idx="minor">
+            <a:schemeClr val="lt1"/>
+          </a:fontRef>
+        </p:style>
+        <p:txBody>
+          <a:bodyPr rtlCol="0" anchor="ctr" wrap="square" lIns="137160" rIns="137160" tIns="91440" bIns="91440"/>
+          <a:lstStyle/>
+          <a:p>
+            <a:pPr algn="l">
+              <a:defRPr sz="1600">
+                <a:solidFill>
+                  <a:srgbClr val="111827"/>
+                </a:solidFill>
+              </a:defRPr>
+            </a:pPr>
+            <a:r>
+              <a:t>[3단계: 실행 ⚡]</a:t>
+            </a:r>
+          </a:p>
+        </p:txBody>
+      </p:sp>
+      <p:sp>
+        <p:nvSpPr>
+          <p:cNvPr id="14" name="Rounded Rectangle 13"/>
+          <p:cNvSpPr/>
+          <p:nvPr/>
+        </p:nvSpPr>
+        <p:spPr>
+          <a:xfrm>
+            <a:off x="4846320" y="5349240"/>
+            <a:ext cx="3931920" cy="548640"/>
+          </a:xfrm>
+          <a:prstGeom prst="roundRect">
+            <a:avLst/>
+          </a:prstGeom>
+          <a:solidFill>
+            <a:srgbClr val="F0F5FF"/>
+          </a:solidFill>
+          <a:ln w="25400">
+            <a:solidFill>
+              <a:srgbClr val="2563EB"/>
+            </a:solidFill>
+          </a:ln>
+        </p:spPr>
+        <p:style>
+          <a:lnRef idx="1">
+            <a:schemeClr val="accent1"/>
+          </a:lnRef>
+          <a:fillRef idx="3">
+            <a:schemeClr val="accent1"/>
+          </a:fillRef>
+          <a:effectRef idx="2">
+            <a:schemeClr val="accent1"/>
+          </a:effectRef>
+          <a:fontRef idx="minor">
+            <a:schemeClr val="lt1"/>
+          </a:fontRef>
+        </p:style>
+        <p:txBody>
+          <a:bodyPr rtlCol="0" anchor="ctr" wrap="square" lIns="137160" rIns="137160" tIns="91440" bIns="91440"/>
+          <a:lstStyle/>
+          <a:p>
+            <a:pPr algn="l">
+              <a:defRPr sz="1600">
+                <a:solidFill>
+                  <a:srgbClr val="111827"/>
+                </a:solidFill>
+              </a:defRPr>
+            </a:pPr>
+            <a:r>
+              <a:t>명령어 파싱</a:t>
+            </a:r>
+          </a:p>
+        </p:txBody>
+      </p:sp>
+      <p:sp>
+        <p:nvSpPr>
+          <p:cNvPr id="15" name="Rounded Rectangle 14"/>
+          <p:cNvSpPr/>
+          <p:nvPr/>
+        </p:nvSpPr>
+        <p:spPr>
+          <a:xfrm>
+            <a:off x="457200" y="5989320"/>
+            <a:ext cx="3931920" cy="548640"/>
+          </a:xfrm>
+          <a:prstGeom prst="roundRect">
+            <a:avLst/>
+          </a:prstGeom>
+          <a:solidFill>
+            <a:srgbClr val="F0F5FF"/>
+          </a:solidFill>
+          <a:ln w="25400">
+            <a:solidFill>
+              <a:srgbClr val="2563EB"/>
+            </a:solidFill>
+          </a:ln>
+        </p:spPr>
+        <p:style>
+          <a:lnRef idx="1">
+            <a:schemeClr val="accent1"/>
+          </a:lnRef>
+          <a:fillRef idx="3">
+            <a:schemeClr val="accent1"/>
+          </a:fillRef>
+          <a:effectRef idx="2">
+            <a:schemeClr val="accent1"/>
+          </a:effectRef>
+          <a:fontRef idx="minor">
+            <a:schemeClr val="lt1"/>
+          </a:fontRef>
+        </p:style>
+        <p:txBody>
+          <a:bodyPr rtlCol="0" anchor="ctr" wrap="square" lIns="137160" rIns="137160" tIns="91440" bIns="91440"/>
+          <a:lstStyle/>
+          <a:p>
+            <a:pPr algn="l">
+              <a:defRPr sz="1600">
+                <a:solidFill>
+                  <a:srgbClr val="111827"/>
+                </a:solidFill>
+              </a:defRPr>
+            </a:pPr>
+            <a:r>
+              <a:t>해당 함수 호출</a:t>
+            </a:r>
+          </a:p>
+        </p:txBody>
+      </p:sp>
+      <p:sp>
+        <p:nvSpPr>
+          <p:cNvPr id="16" name="Rounded Rectangle 15"/>
+          <p:cNvSpPr/>
+          <p:nvPr/>
+        </p:nvSpPr>
+        <p:spPr>
+          <a:xfrm>
+            <a:off x="4846320" y="5989320"/>
+            <a:ext cx="3931920" cy="548640"/>
+          </a:xfrm>
+          <a:prstGeom prst="roundRect">
+            <a:avLst/>
+          </a:prstGeom>
+          <a:solidFill>
+            <a:srgbClr val="F0F5FF"/>
+          </a:solidFill>
+          <a:ln w="25400">
+            <a:solidFill>
+              <a:srgbClr val="2563EB"/>
+            </a:solidFill>
+          </a:ln>
+        </p:spPr>
+        <p:style>
+          <a:lnRef idx="1">
+            <a:schemeClr val="accent1"/>
+          </a:lnRef>
+          <a:fillRef idx="3">
+            <a:schemeClr val="accent1"/>
+          </a:fillRef>
+          <a:effectRef idx="2">
+            <a:schemeClr val="accent1"/>
+          </a:effectRef>
+          <a:fontRef idx="minor">
+            <a:schemeClr val="lt1"/>
+          </a:fontRef>
+        </p:style>
+        <p:txBody>
+          <a:bodyPr rtlCol="0" anchor="ctr" wrap="square" lIns="137160" rIns="137160" tIns="91440" bIns="91440"/>
+          <a:lstStyle/>
+          <a:p>
+            <a:pPr algn="l">
+              <a:defRPr sz="1600">
+                <a:solidFill>
+                  <a:srgbClr val="111827"/>
+                </a:solidFill>
+              </a:defRPr>
+            </a:pPr>
+            <a:r>
+              <a:t>자동화 스크립트 실행</a:t>
             </a:r>
           </a:p>
         </p:txBody>
@@ -5916,8 +6904,8 @@
         </p:nvSpPr>
         <p:spPr>
           <a:xfrm>
-            <a:off x="914400" y="1600200"/>
-            <a:ext cx="7315200" cy="548640"/>
+            <a:off x="457200" y="1600200"/>
+            <a:ext cx="3931920" cy="548640"/>
           </a:xfrm>
           <a:prstGeom prst="roundRect">
             <a:avLst/>
@@ -5957,7 +6945,7 @@
               </a:defRPr>
             </a:pPr>
             <a:r>
-              <a:t>실제 사용 데모 영상 (30초)</a:t>
+              <a:t>[데모 시나리오]</a:t>
             </a:r>
           </a:p>
         </p:txBody>
@@ -5970,8 +6958,8 @@
         </p:nvSpPr>
         <p:spPr>
           <a:xfrm>
-            <a:off x="914400" y="2240280"/>
-            <a:ext cx="7315200" cy="548640"/>
+            <a:off x="4846320" y="1600200"/>
+            <a:ext cx="3931920" cy="548640"/>
           </a:xfrm>
           <a:prstGeom prst="roundRect">
             <a:avLst/>
@@ -6011,7 +6999,223 @@
               </a:defRPr>
             </a:pPr>
             <a:r>
-              <a:t>데모 스크린샷 (백업)</a:t>
+              <a:t>1️⃣ '엄마' → 연락처에서 찾아 전화 걸기</a:t>
+            </a:r>
+          </a:p>
+        </p:txBody>
+      </p:sp>
+      <p:sp>
+        <p:nvSpPr>
+          <p:cNvPr id="6" name="Rounded Rectangle 5"/>
+          <p:cNvSpPr/>
+          <p:nvPr/>
+        </p:nvSpPr>
+        <p:spPr>
+          <a:xfrm>
+            <a:off x="457200" y="2240280"/>
+            <a:ext cx="3931920" cy="548640"/>
+          </a:xfrm>
+          <a:prstGeom prst="roundRect">
+            <a:avLst/>
+          </a:prstGeom>
+          <a:solidFill>
+            <a:srgbClr val="F0F5FF"/>
+          </a:solidFill>
+          <a:ln w="25400">
+            <a:solidFill>
+              <a:srgbClr val="2563EB"/>
+            </a:solidFill>
+          </a:ln>
+        </p:spPr>
+        <p:style>
+          <a:lnRef idx="1">
+            <a:schemeClr val="accent1"/>
+          </a:lnRef>
+          <a:fillRef idx="3">
+            <a:schemeClr val="accent1"/>
+          </a:fillRef>
+          <a:effectRef idx="2">
+            <a:schemeClr val="accent1"/>
+          </a:effectRef>
+          <a:fontRef idx="minor">
+            <a:schemeClr val="lt1"/>
+          </a:fontRef>
+        </p:style>
+        <p:txBody>
+          <a:bodyPr rtlCol="0" anchor="ctr" wrap="square" lIns="137160" rIns="137160" tIns="91440" bIns="91440"/>
+          <a:lstStyle/>
+          <a:p>
+            <a:pPr algn="l">
+              <a:defRPr sz="1600">
+                <a:solidFill>
+                  <a:srgbClr val="111827"/>
+                </a:solidFill>
+              </a:defRPr>
+            </a:pPr>
+            <a:r>
+              <a:t>2️⃣ '음악 틀어줘' → 음악 앱 실행</a:t>
+            </a:r>
+          </a:p>
+        </p:txBody>
+      </p:sp>
+      <p:sp>
+        <p:nvSpPr>
+          <p:cNvPr id="7" name="Rounded Rectangle 6"/>
+          <p:cNvSpPr/>
+          <p:nvPr/>
+        </p:nvSpPr>
+        <p:spPr>
+          <a:xfrm>
+            <a:off x="4846320" y="2240280"/>
+            <a:ext cx="3931920" cy="548640"/>
+          </a:xfrm>
+          <a:prstGeom prst="roundRect">
+            <a:avLst/>
+          </a:prstGeom>
+          <a:solidFill>
+            <a:srgbClr val="F0F5FF"/>
+          </a:solidFill>
+          <a:ln w="25400">
+            <a:solidFill>
+              <a:srgbClr val="2563EB"/>
+            </a:solidFill>
+          </a:ln>
+        </p:spPr>
+        <p:style>
+          <a:lnRef idx="1">
+            <a:schemeClr val="accent1"/>
+          </a:lnRef>
+          <a:fillRef idx="3">
+            <a:schemeClr val="accent1"/>
+          </a:fillRef>
+          <a:effectRef idx="2">
+            <a:schemeClr val="accent1"/>
+          </a:effectRef>
+          <a:fontRef idx="minor">
+            <a:schemeClr val="lt1"/>
+          </a:fontRef>
+        </p:style>
+        <p:txBody>
+          <a:bodyPr rtlCol="0" anchor="ctr" wrap="square" lIns="137160" rIns="137160" tIns="91440" bIns="91440"/>
+          <a:lstStyle/>
+          <a:p>
+            <a:pPr algn="l">
+              <a:defRPr sz="1600">
+                <a:solidFill>
+                  <a:srgbClr val="111827"/>
+                </a:solidFill>
+              </a:defRPr>
+            </a:pPr>
+            <a:r>
+              <a:t>3️⃣ '불 꺼줘' → 스마트 조명 제어</a:t>
+            </a:r>
+          </a:p>
+        </p:txBody>
+      </p:sp>
+      <p:sp>
+        <p:nvSpPr>
+          <p:cNvPr id="8" name="Rounded Rectangle 7"/>
+          <p:cNvSpPr/>
+          <p:nvPr/>
+        </p:nvSpPr>
+        <p:spPr>
+          <a:xfrm>
+            <a:off x="4846320" y="2880360"/>
+            <a:ext cx="3931920" cy="548640"/>
+          </a:xfrm>
+          <a:prstGeom prst="roundRect">
+            <a:avLst/>
+          </a:prstGeom>
+          <a:solidFill>
+            <a:srgbClr val="F0F5FF"/>
+          </a:solidFill>
+          <a:ln w="25400">
+            <a:solidFill>
+              <a:srgbClr val="2563EB"/>
+            </a:solidFill>
+          </a:ln>
+        </p:spPr>
+        <p:style>
+          <a:lnRef idx="1">
+            <a:schemeClr val="accent1"/>
+          </a:lnRef>
+          <a:fillRef idx="3">
+            <a:schemeClr val="accent1"/>
+          </a:fillRef>
+          <a:effectRef idx="2">
+            <a:schemeClr val="accent1"/>
+          </a:effectRef>
+          <a:fontRef idx="minor">
+            <a:schemeClr val="lt1"/>
+          </a:fontRef>
+        </p:style>
+        <p:txBody>
+          <a:bodyPr rtlCol="0" anchor="ctr" wrap="square" lIns="137160" rIns="137160" tIns="91440" bIns="91440"/>
+          <a:lstStyle/>
+          <a:p>
+            <a:pPr algn="l">
+              <a:defRPr sz="1600">
+                <a:solidFill>
+                  <a:srgbClr val="111827"/>
+                </a:solidFill>
+              </a:defRPr>
+            </a:pPr>
+            <a:r>
+              <a:t>💻 실행 명령: python main.py</a:t>
+            </a:r>
+          </a:p>
+        </p:txBody>
+      </p:sp>
+      <p:sp>
+        <p:nvSpPr>
+          <p:cNvPr id="9" name="Rounded Rectangle 8"/>
+          <p:cNvSpPr/>
+          <p:nvPr/>
+        </p:nvSpPr>
+        <p:spPr>
+          <a:xfrm>
+            <a:off x="457200" y="3520440"/>
+            <a:ext cx="3931920" cy="548640"/>
+          </a:xfrm>
+          <a:prstGeom prst="roundRect">
+            <a:avLst/>
+          </a:prstGeom>
+          <a:solidFill>
+            <a:srgbClr val="F0F5FF"/>
+          </a:solidFill>
+          <a:ln w="25400">
+            <a:solidFill>
+              <a:srgbClr val="2563EB"/>
+            </a:solidFill>
+          </a:ln>
+        </p:spPr>
+        <p:style>
+          <a:lnRef idx="1">
+            <a:schemeClr val="accent1"/>
+          </a:lnRef>
+          <a:fillRef idx="3">
+            <a:schemeClr val="accent1"/>
+          </a:fillRef>
+          <a:effectRef idx="2">
+            <a:schemeClr val="accent1"/>
+          </a:effectRef>
+          <a:fontRef idx="minor">
+            <a:schemeClr val="lt1"/>
+          </a:fontRef>
+        </p:style>
+        <p:txBody>
+          <a:bodyPr rtlCol="0" anchor="ctr" wrap="square" lIns="137160" rIns="137160" tIns="91440" bIns="91440"/>
+          <a:lstStyle/>
+          <a:p>
+            <a:pPr algn="l">
+              <a:defRPr sz="1600">
+                <a:solidFill>
+                  <a:srgbClr val="111827"/>
+                </a:solidFill>
+              </a:defRPr>
+            </a:pPr>
+            <a:r>
+              <a:t>🎤 음성 인식 대기 중...</a:t>
             </a:r>
           </a:p>
         </p:txBody>
@@ -6071,13 +7275,118 @@
       </p:sp>
       <p:sp>
         <p:nvSpPr>
-          <p:cNvPr id="3" name="Rounded Rectangle 2"/>
+          <p:cNvPr id="3" name="TextBox 2"/>
+          <p:cNvSpPr txBox="1"/>
+          <p:nvPr/>
+        </p:nvSpPr>
+        <p:spPr>
+          <a:xfrm>
+            <a:off x="457200" y="914400"/>
+            <a:ext cx="8229600" cy="457200"/>
+          </a:xfrm>
+          <a:prstGeom prst="rect">
+            <a:avLst/>
+          </a:prstGeom>
+          <a:noFill/>
+        </p:spPr>
+        <p:txBody>
+          <a:bodyPr wrap="none">
+            <a:spAutoFit/>
+          </a:bodyPr>
+          <a:lstStyle/>
+          <a:p>
+            <a:pPr algn="ctr">
+              <a:defRPr sz="2800">
+                <a:solidFill>
+                  <a:srgbClr val="6B7280"/>
+                </a:solidFill>
+              </a:defRPr>
+            </a:pPr>
+            <a:r>
+              <a:t>60배 빨라졌습니다</a:t>
+            </a:r>
+          </a:p>
+        </p:txBody>
+      </p:sp>
+      <p:sp>
+        <p:nvSpPr>
+          <p:cNvPr id="4" name="TextBox 3"/>
+          <p:cNvSpPr txBox="1"/>
+          <p:nvPr/>
+        </p:nvSpPr>
+        <p:spPr>
+          <a:xfrm>
+            <a:off x="914400" y="1463040"/>
+            <a:ext cx="7315200" cy="365760"/>
+          </a:xfrm>
+          <a:prstGeom prst="rect">
+            <a:avLst/>
+          </a:prstGeom>
+          <a:noFill/>
+        </p:spPr>
+        <p:txBody>
+          <a:bodyPr wrap="none">
+            <a:spAutoFit/>
+          </a:bodyPr>
+          <a:lstStyle/>
+          <a:p>
+            <a:pPr algn="ctr">
+              <a:defRPr sz="2400">
+                <a:solidFill>
+                  <a:srgbClr val="111827"/>
+                </a:solidFill>
+              </a:defRPr>
+            </a:pPr>
+            <a:r>
+              <a:t>2분 → 2초</a:t>
+            </a:r>
+          </a:p>
+        </p:txBody>
+      </p:sp>
+      <p:sp>
+        <p:nvSpPr>
+          <p:cNvPr id="5" name="TextBox 4"/>
+          <p:cNvSpPr txBox="1"/>
+          <p:nvPr/>
+        </p:nvSpPr>
+        <p:spPr>
+          <a:xfrm>
+            <a:off x="914400" y="1874520"/>
+            <a:ext cx="7315200" cy="365760"/>
+          </a:xfrm>
+          <a:prstGeom prst="rect">
+            <a:avLst/>
+          </a:prstGeom>
+          <a:noFill/>
+        </p:spPr>
+        <p:txBody>
+          <a:bodyPr wrap="none">
+            <a:spAutoFit/>
+          </a:bodyPr>
+          <a:lstStyle/>
+          <a:p>
+            <a:pPr algn="ctr">
+              <a:defRPr sz="2400">
+                <a:solidFill>
+                  <a:srgbClr val="111827"/>
+                </a:solidFill>
+              </a:defRPr>
+            </a:pPr>
+            <a:r>
+              <a:t>하루 30분 절약</a:t>
+            </a:r>
+          </a:p>
+        </p:txBody>
+      </p:sp>
+      <p:sp>
+        <p:nvSpPr>
+          <p:cNvPr id="6" name="Rounded Rectangle 5"/>
           <p:cNvSpPr/>
           <p:nvPr/>
         </p:nvSpPr>
         <p:spPr>
           <a:xfrm>
-            <a:off x="457200" y="914400"/>
+            <a:off x="457200" y="2560320"/>
             <a:ext cx="3931920" cy="548640"/>
           </a:xfrm>
           <a:prstGeom prst="roundRect">
@@ -6118,20 +7427,20 @@
               </a:defRPr>
             </a:pPr>
             <a:r>
-              <a:t>Before: 복잡한 과정 (2분)</a:t>
-            </a:r>
-          </a:p>
-        </p:txBody>
-      </p:sp>
-      <p:sp>
-        <p:nvSpPr>
-          <p:cNvPr id="4" name="Rounded Rectangle 3"/>
+              <a:t>[Before: 전통적 방식]</a:t>
+            </a:r>
+          </a:p>
+        </p:txBody>
+      </p:sp>
+      <p:sp>
+        <p:nvSpPr>
+          <p:cNvPr id="7" name="Rounded Rectangle 6"/>
           <p:cNvSpPr/>
           <p:nvPr/>
         </p:nvSpPr>
         <p:spPr>
           <a:xfrm>
-            <a:off x="4846320" y="914400"/>
+            <a:off x="4846320" y="2560320"/>
             <a:ext cx="3931920" cy="548640"/>
           </a:xfrm>
           <a:prstGeom prst="roundRect">
@@ -6172,20 +7481,20 @@
               </a:defRPr>
             </a:pPr>
             <a:r>
-              <a:t>After: 말 한마디 (2초)</a:t>
-            </a:r>
-          </a:p>
-        </p:txBody>
-      </p:sp>
-      <p:sp>
-        <p:nvSpPr>
-          <p:cNvPr id="5" name="Rounded Rectangle 4"/>
+              <a:t>• 기기 조작 필요</a:t>
+            </a:r>
+          </a:p>
+        </p:txBody>
+      </p:sp>
+      <p:sp>
+        <p:nvSpPr>
+          <p:cNvPr id="8" name="Rounded Rectangle 7"/>
           <p:cNvSpPr/>
           <p:nvPr/>
         </p:nvSpPr>
         <p:spPr>
           <a:xfrm>
-            <a:off x="457200" y="1554480"/>
+            <a:off x="457200" y="3200400"/>
             <a:ext cx="3931920" cy="548640"/>
           </a:xfrm>
           <a:prstGeom prst="roundRect">
@@ -6226,20 +7535,20 @@
               </a:defRPr>
             </a:pPr>
             <a:r>
-              <a:t>숫자 강조: 60배 빨라짐</a:t>
-            </a:r>
-          </a:p>
-        </p:txBody>
-      </p:sp>
-      <p:sp>
-        <p:nvSpPr>
-          <p:cNvPr id="6" name="Rounded Rectangle 5"/>
+              <a:t>• UI 네비게이션 필수</a:t>
+            </a:r>
+          </a:p>
+        </p:txBody>
+      </p:sp>
+      <p:sp>
+        <p:nvSpPr>
+          <p:cNvPr id="9" name="Rounded Rectangle 8"/>
           <p:cNvSpPr/>
           <p:nvPr/>
         </p:nvSpPr>
         <p:spPr>
           <a:xfrm>
-            <a:off x="4846320" y="1554480"/>
+            <a:off x="4846320" y="3200400"/>
             <a:ext cx="3931920" cy="548640"/>
           </a:xfrm>
           <a:prstGeom prst="roundRect">
@@ -6280,7 +7589,439 @@
               </a:defRPr>
             </a:pPr>
             <a:r>
-              <a:t>하루 30분 절약</a:t>
+              <a:t>• 5단계 프로세스</a:t>
+            </a:r>
+          </a:p>
+        </p:txBody>
+      </p:sp>
+      <p:sp>
+        <p:nvSpPr>
+          <p:cNvPr id="10" name="Rounded Rectangle 9"/>
+          <p:cNvSpPr/>
+          <p:nvPr/>
+        </p:nvSpPr>
+        <p:spPr>
+          <a:xfrm>
+            <a:off x="457200" y="3840480"/>
+            <a:ext cx="3931920" cy="548640"/>
+          </a:xfrm>
+          <a:prstGeom prst="roundRect">
+            <a:avLst/>
+          </a:prstGeom>
+          <a:solidFill>
+            <a:srgbClr val="F0F5FF"/>
+          </a:solidFill>
+          <a:ln w="25400">
+            <a:solidFill>
+              <a:srgbClr val="2563EB"/>
+            </a:solidFill>
+          </a:ln>
+        </p:spPr>
+        <p:style>
+          <a:lnRef idx="1">
+            <a:schemeClr val="accent1"/>
+          </a:lnRef>
+          <a:fillRef idx="3">
+            <a:schemeClr val="accent1"/>
+          </a:fillRef>
+          <a:effectRef idx="2">
+            <a:schemeClr val="accent1"/>
+          </a:effectRef>
+          <a:fontRef idx="minor">
+            <a:schemeClr val="lt1"/>
+          </a:fontRef>
+        </p:style>
+        <p:txBody>
+          <a:bodyPr rtlCol="0" anchor="ctr" wrap="square" lIns="137160" rIns="137160" tIns="91440" bIns="91440"/>
+          <a:lstStyle/>
+          <a:p>
+            <a:pPr algn="l">
+              <a:defRPr sz="1600">
+                <a:solidFill>
+                  <a:srgbClr val="111827"/>
+                </a:solidFill>
+              </a:defRPr>
+            </a:pPr>
+            <a:r>
+              <a:t>• 평균 소요: 2분</a:t>
+            </a:r>
+          </a:p>
+        </p:txBody>
+      </p:sp>
+      <p:sp>
+        <p:nvSpPr>
+          <p:cNvPr id="11" name="Rounded Rectangle 10"/>
+          <p:cNvSpPr/>
+          <p:nvPr/>
+        </p:nvSpPr>
+        <p:spPr>
+          <a:xfrm>
+            <a:off x="457200" y="4480560"/>
+            <a:ext cx="3931920" cy="548640"/>
+          </a:xfrm>
+          <a:prstGeom prst="roundRect">
+            <a:avLst/>
+          </a:prstGeom>
+          <a:solidFill>
+            <a:srgbClr val="F0F5FF"/>
+          </a:solidFill>
+          <a:ln w="25400">
+            <a:solidFill>
+              <a:srgbClr val="2563EB"/>
+            </a:solidFill>
+          </a:ln>
+        </p:spPr>
+        <p:style>
+          <a:lnRef idx="1">
+            <a:schemeClr val="accent1"/>
+          </a:lnRef>
+          <a:fillRef idx="3">
+            <a:schemeClr val="accent1"/>
+          </a:fillRef>
+          <a:effectRef idx="2">
+            <a:schemeClr val="accent1"/>
+          </a:effectRef>
+          <a:fontRef idx="minor">
+            <a:schemeClr val="lt1"/>
+          </a:fontRef>
+        </p:style>
+        <p:txBody>
+          <a:bodyPr rtlCol="0" anchor="ctr" wrap="square" lIns="137160" rIns="137160" tIns="91440" bIns="91440"/>
+          <a:lstStyle/>
+          <a:p>
+            <a:pPr algn="l">
+              <a:defRPr sz="1600">
+                <a:solidFill>
+                  <a:srgbClr val="111827"/>
+                </a:solidFill>
+              </a:defRPr>
+            </a:pPr>
+            <a:r>
+              <a:t>[After: SoundToAct]</a:t>
+            </a:r>
+          </a:p>
+        </p:txBody>
+      </p:sp>
+      <p:sp>
+        <p:nvSpPr>
+          <p:cNvPr id="12" name="Rounded Rectangle 11"/>
+          <p:cNvSpPr/>
+          <p:nvPr/>
+        </p:nvSpPr>
+        <p:spPr>
+          <a:xfrm>
+            <a:off x="4846320" y="4480560"/>
+            <a:ext cx="3931920" cy="548640"/>
+          </a:xfrm>
+          <a:prstGeom prst="roundRect">
+            <a:avLst/>
+          </a:prstGeom>
+          <a:solidFill>
+            <a:srgbClr val="F0F5FF"/>
+          </a:solidFill>
+          <a:ln w="25400">
+            <a:solidFill>
+              <a:srgbClr val="2563EB"/>
+            </a:solidFill>
+          </a:ln>
+        </p:spPr>
+        <p:style>
+          <a:lnRef idx="1">
+            <a:schemeClr val="accent1"/>
+          </a:lnRef>
+          <a:fillRef idx="3">
+            <a:schemeClr val="accent1"/>
+          </a:fillRef>
+          <a:effectRef idx="2">
+            <a:schemeClr val="accent1"/>
+          </a:effectRef>
+          <a:fontRef idx="minor">
+            <a:schemeClr val="lt1"/>
+          </a:fontRef>
+        </p:style>
+        <p:txBody>
+          <a:bodyPr rtlCol="0" anchor="ctr" wrap="square" lIns="137160" rIns="137160" tIns="91440" bIns="91440"/>
+          <a:lstStyle/>
+          <a:p>
+            <a:pPr algn="l">
+              <a:defRPr sz="1600">
+                <a:solidFill>
+                  <a:srgbClr val="111827"/>
+                </a:solidFill>
+              </a:defRPr>
+            </a:pPr>
+            <a:r>
+              <a:t>• 음성만으로 완료</a:t>
+            </a:r>
+          </a:p>
+        </p:txBody>
+      </p:sp>
+      <p:sp>
+        <p:nvSpPr>
+          <p:cNvPr id="13" name="Rounded Rectangle 12"/>
+          <p:cNvSpPr/>
+          <p:nvPr/>
+        </p:nvSpPr>
+        <p:spPr>
+          <a:xfrm>
+            <a:off x="457200" y="5120640"/>
+            <a:ext cx="3931920" cy="548640"/>
+          </a:xfrm>
+          <a:prstGeom prst="roundRect">
+            <a:avLst/>
+          </a:prstGeom>
+          <a:solidFill>
+            <a:srgbClr val="F0F5FF"/>
+          </a:solidFill>
+          <a:ln w="25400">
+            <a:solidFill>
+              <a:srgbClr val="2563EB"/>
+            </a:solidFill>
+          </a:ln>
+        </p:spPr>
+        <p:style>
+          <a:lnRef idx="1">
+            <a:schemeClr val="accent1"/>
+          </a:lnRef>
+          <a:fillRef idx="3">
+            <a:schemeClr val="accent1"/>
+          </a:fillRef>
+          <a:effectRef idx="2">
+            <a:schemeClr val="accent1"/>
+          </a:effectRef>
+          <a:fontRef idx="minor">
+            <a:schemeClr val="lt1"/>
+          </a:fontRef>
+        </p:style>
+        <p:txBody>
+          <a:bodyPr rtlCol="0" anchor="ctr" wrap="square" lIns="137160" rIns="137160" tIns="91440" bIns="91440"/>
+          <a:lstStyle/>
+          <a:p>
+            <a:pPr algn="l">
+              <a:defRPr sz="1600">
+                <a:solidFill>
+                  <a:srgbClr val="111827"/>
+                </a:solidFill>
+              </a:defRPr>
+            </a:pPr>
+            <a:r>
+              <a:t>• UI 터치 불필요</a:t>
+            </a:r>
+          </a:p>
+        </p:txBody>
+      </p:sp>
+      <p:sp>
+        <p:nvSpPr>
+          <p:cNvPr id="14" name="Rounded Rectangle 13"/>
+          <p:cNvSpPr/>
+          <p:nvPr/>
+        </p:nvSpPr>
+        <p:spPr>
+          <a:xfrm>
+            <a:off x="4846320" y="5120640"/>
+            <a:ext cx="3931920" cy="548640"/>
+          </a:xfrm>
+          <a:prstGeom prst="roundRect">
+            <a:avLst/>
+          </a:prstGeom>
+          <a:solidFill>
+            <a:srgbClr val="F0F5FF"/>
+          </a:solidFill>
+          <a:ln w="25400">
+            <a:solidFill>
+              <a:srgbClr val="2563EB"/>
+            </a:solidFill>
+          </a:ln>
+        </p:spPr>
+        <p:style>
+          <a:lnRef idx="1">
+            <a:schemeClr val="accent1"/>
+          </a:lnRef>
+          <a:fillRef idx="3">
+            <a:schemeClr val="accent1"/>
+          </a:fillRef>
+          <a:effectRef idx="2">
+            <a:schemeClr val="accent1"/>
+          </a:effectRef>
+          <a:fontRef idx="minor">
+            <a:schemeClr val="lt1"/>
+          </a:fontRef>
+        </p:style>
+        <p:txBody>
+          <a:bodyPr rtlCol="0" anchor="ctr" wrap="square" lIns="137160" rIns="137160" tIns="91440" bIns="91440"/>
+          <a:lstStyle/>
+          <a:p>
+            <a:pPr algn="l">
+              <a:defRPr sz="1600">
+                <a:solidFill>
+                  <a:srgbClr val="111827"/>
+                </a:solidFill>
+              </a:defRPr>
+            </a:pPr>
+            <a:r>
+              <a:t>• 1단계 (말하기)</a:t>
+            </a:r>
+          </a:p>
+        </p:txBody>
+      </p:sp>
+      <p:sp>
+        <p:nvSpPr>
+          <p:cNvPr id="15" name="Rounded Rectangle 14"/>
+          <p:cNvSpPr/>
+          <p:nvPr/>
+        </p:nvSpPr>
+        <p:spPr>
+          <a:xfrm>
+            <a:off x="457200" y="5760720"/>
+            <a:ext cx="3931920" cy="548640"/>
+          </a:xfrm>
+          <a:prstGeom prst="roundRect">
+            <a:avLst/>
+          </a:prstGeom>
+          <a:solidFill>
+            <a:srgbClr val="F0F5FF"/>
+          </a:solidFill>
+          <a:ln w="25400">
+            <a:solidFill>
+              <a:srgbClr val="2563EB"/>
+            </a:solidFill>
+          </a:ln>
+        </p:spPr>
+        <p:style>
+          <a:lnRef idx="1">
+            <a:schemeClr val="accent1"/>
+          </a:lnRef>
+          <a:fillRef idx="3">
+            <a:schemeClr val="accent1"/>
+          </a:fillRef>
+          <a:effectRef idx="2">
+            <a:schemeClr val="accent1"/>
+          </a:effectRef>
+          <a:fontRef idx="minor">
+            <a:schemeClr val="lt1"/>
+          </a:fontRef>
+        </p:style>
+        <p:txBody>
+          <a:bodyPr rtlCol="0" anchor="ctr" wrap="square" lIns="137160" rIns="137160" tIns="91440" bIns="91440"/>
+          <a:lstStyle/>
+          <a:p>
+            <a:pPr algn="l">
+              <a:defRPr sz="1600">
+                <a:solidFill>
+                  <a:srgbClr val="111827"/>
+                </a:solidFill>
+              </a:defRPr>
+            </a:pPr>
+            <a:r>
+              <a:t>• 평균 소요: 2초</a:t>
+            </a:r>
+          </a:p>
+        </p:txBody>
+      </p:sp>
+      <p:sp>
+        <p:nvSpPr>
+          <p:cNvPr id="16" name="Rounded Rectangle 15"/>
+          <p:cNvSpPr/>
+          <p:nvPr/>
+        </p:nvSpPr>
+        <p:spPr>
+          <a:xfrm>
+            <a:off x="457200" y="6400800"/>
+            <a:ext cx="3931920" cy="548640"/>
+          </a:xfrm>
+          <a:prstGeom prst="roundRect">
+            <a:avLst/>
+          </a:prstGeom>
+          <a:solidFill>
+            <a:srgbClr val="F0F5FF"/>
+          </a:solidFill>
+          <a:ln w="25400">
+            <a:solidFill>
+              <a:srgbClr val="2563EB"/>
+            </a:solidFill>
+          </a:ln>
+        </p:spPr>
+        <p:style>
+          <a:lnRef idx="1">
+            <a:schemeClr val="accent1"/>
+          </a:lnRef>
+          <a:fillRef idx="3">
+            <a:schemeClr val="accent1"/>
+          </a:fillRef>
+          <a:effectRef idx="2">
+            <a:schemeClr val="accent1"/>
+          </a:effectRef>
+          <a:fontRef idx="minor">
+            <a:schemeClr val="lt1"/>
+          </a:fontRef>
+        </p:style>
+        <p:txBody>
+          <a:bodyPr rtlCol="0" anchor="ctr" wrap="square" lIns="137160" rIns="137160" tIns="91440" bIns="91440"/>
+          <a:lstStyle/>
+          <a:p>
+            <a:pPr algn="l">
+              <a:defRPr sz="1600">
+                <a:solidFill>
+                  <a:srgbClr val="111827"/>
+                </a:solidFill>
+              </a:defRPr>
+            </a:pPr>
+            <a:r>
+              <a:t>⚡ 속도 개선: 60배 ⚡</a:t>
+            </a:r>
+          </a:p>
+        </p:txBody>
+      </p:sp>
+      <p:sp>
+        <p:nvSpPr>
+          <p:cNvPr id="17" name="Rounded Rectangle 16"/>
+          <p:cNvSpPr/>
+          <p:nvPr/>
+        </p:nvSpPr>
+        <p:spPr>
+          <a:xfrm>
+            <a:off x="4846320" y="6400800"/>
+            <a:ext cx="3931920" cy="548640"/>
+          </a:xfrm>
+          <a:prstGeom prst="roundRect">
+            <a:avLst/>
+          </a:prstGeom>
+          <a:solidFill>
+            <a:srgbClr val="F0F5FF"/>
+          </a:solidFill>
+          <a:ln w="25400">
+            <a:solidFill>
+              <a:srgbClr val="2563EB"/>
+            </a:solidFill>
+          </a:ln>
+        </p:spPr>
+        <p:style>
+          <a:lnRef idx="1">
+            <a:schemeClr val="accent1"/>
+          </a:lnRef>
+          <a:fillRef idx="3">
+            <a:schemeClr val="accent1"/>
+          </a:fillRef>
+          <a:effectRef idx="2">
+            <a:schemeClr val="accent1"/>
+          </a:effectRef>
+          <a:fontRef idx="minor">
+            <a:schemeClr val="lt1"/>
+          </a:fontRef>
+        </p:style>
+        <p:txBody>
+          <a:bodyPr rtlCol="0" anchor="ctr" wrap="square" lIns="137160" rIns="137160" tIns="91440" bIns="91440"/>
+          <a:lstStyle/>
+          <a:p>
+            <a:pPr algn="l">
+              <a:defRPr sz="1600">
+                <a:solidFill>
+                  <a:srgbClr val="111827"/>
+                </a:solidFill>
+              </a:defRPr>
+            </a:pPr>
+            <a:r>
+              <a:t>💰 하루 약 30분 절약 (15회 사용 시)</a:t>
             </a:r>
           </a:p>
         </p:txBody>
@@ -6340,13 +8081,118 @@
       </p:sp>
       <p:sp>
         <p:nvSpPr>
-          <p:cNvPr id="3" name="Rounded Rectangle 2"/>
+          <p:cNvPr id="3" name="TextBox 2"/>
+          <p:cNvSpPr txBox="1"/>
+          <p:nvPr/>
+        </p:nvSpPr>
+        <p:spPr>
+          <a:xfrm>
+            <a:off x="457200" y="914400"/>
+            <a:ext cx="8229600" cy="457200"/>
+          </a:xfrm>
+          <a:prstGeom prst="rect">
+            <a:avLst/>
+          </a:prstGeom>
+          <a:noFill/>
+        </p:spPr>
+        <p:txBody>
+          <a:bodyPr wrap="none">
+            <a:spAutoFit/>
+          </a:bodyPr>
+          <a:lstStyle/>
+          <a:p>
+            <a:pPr algn="ctr">
+              <a:defRPr sz="2800">
+                <a:solidFill>
+                  <a:srgbClr val="6B7280"/>
+                </a:solidFill>
+              </a:defRPr>
+            </a:pPr>
+            <a:r>
+              <a:t>모두를 위한 기술</a:t>
+            </a:r>
+          </a:p>
+        </p:txBody>
+      </p:sp>
+      <p:sp>
+        <p:nvSpPr>
+          <p:cNvPr id="4" name="TextBox 3"/>
+          <p:cNvSpPr txBox="1"/>
+          <p:nvPr/>
+        </p:nvSpPr>
+        <p:spPr>
+          <a:xfrm>
+            <a:off x="914400" y="1463040"/>
+            <a:ext cx="7315200" cy="365760"/>
+          </a:xfrm>
+          <a:prstGeom prst="rect">
+            <a:avLst/>
+          </a:prstGeom>
+          <a:noFill/>
+        </p:spPr>
+        <p:txBody>
+          <a:bodyPr wrap="none">
+            <a:spAutoFit/>
+          </a:bodyPr>
+          <a:lstStyle/>
+          <a:p>
+            <a:pPr algn="ctr">
+              <a:defRPr sz="2400">
+                <a:solidFill>
+                  <a:srgbClr val="111827"/>
+                </a:solidFill>
+              </a:defRPr>
+            </a:pPr>
+            <a:r>
+              <a:t>어르신, 직장인, 장애인</a:t>
+            </a:r>
+          </a:p>
+        </p:txBody>
+      </p:sp>
+      <p:sp>
+        <p:nvSpPr>
+          <p:cNvPr id="5" name="TextBox 4"/>
+          <p:cNvSpPr txBox="1"/>
+          <p:nvPr/>
+        </p:nvSpPr>
+        <p:spPr>
+          <a:xfrm>
+            <a:off x="914400" y="1874520"/>
+            <a:ext cx="7315200" cy="365760"/>
+          </a:xfrm>
+          <a:prstGeom prst="rect">
+            <a:avLst/>
+          </a:prstGeom>
+          <a:noFill/>
+        </p:spPr>
+        <p:txBody>
+          <a:bodyPr wrap="none">
+            <a:spAutoFit/>
+          </a:bodyPr>
+          <a:lstStyle/>
+          <a:p>
+            <a:pPr algn="ctr">
+              <a:defRPr sz="2400">
+                <a:solidFill>
+                  <a:srgbClr val="111827"/>
+                </a:solidFill>
+              </a:defRPr>
+            </a:pPr>
+            <a:r>
+              <a:t>누구나 쉽게</a:t>
+            </a:r>
+          </a:p>
+        </p:txBody>
+      </p:sp>
+      <p:sp>
+        <p:nvSpPr>
+          <p:cNvPr id="6" name="Rounded Rectangle 5"/>
           <p:cNvSpPr/>
           <p:nvPr/>
         </p:nvSpPr>
         <p:spPr>
           <a:xfrm>
-            <a:off x="457200" y="914400"/>
+            <a:off x="457200" y="2560320"/>
             <a:ext cx="3931920" cy="548640"/>
           </a:xfrm>
           <a:prstGeom prst="roundRect">
@@ -6387,20 +8233,20 @@
               </a:defRPr>
             </a:pPr>
             <a:r>
-              <a:t>시나리오 1: 어르신 - 큰 글씨 필요없이</a:t>
-            </a:r>
-          </a:p>
-        </p:txBody>
-      </p:sp>
-      <p:sp>
-        <p:nvSpPr>
-          <p:cNvPr id="4" name="Rounded Rectangle 3"/>
+              <a:t>[어르신 👴]</a:t>
+            </a:r>
+          </a:p>
+        </p:txBody>
+      </p:sp>
+      <p:sp>
+        <p:nvSpPr>
+          <p:cNvPr id="7" name="Rounded Rectangle 6"/>
           <p:cNvSpPr/>
           <p:nvPr/>
         </p:nvSpPr>
         <p:spPr>
           <a:xfrm>
-            <a:off x="4846320" y="914400"/>
+            <a:off x="4846320" y="2560320"/>
             <a:ext cx="3931920" cy="548640"/>
           </a:xfrm>
           <a:prstGeom prst="roundRect">
@@ -6441,20 +8287,20 @@
               </a:defRPr>
             </a:pPr>
             <a:r>
-              <a:t>시나리오 2: 바쁜 직장인 - 운전 중에도</a:t>
-            </a:r>
-          </a:p>
-        </p:txBody>
-      </p:sp>
-      <p:sp>
-        <p:nvSpPr>
-          <p:cNvPr id="5" name="Rounded Rectangle 4"/>
+              <a:t>• 작은 글씨 안 보여도 OK</a:t>
+            </a:r>
+          </a:p>
+        </p:txBody>
+      </p:sp>
+      <p:sp>
+        <p:nvSpPr>
+          <p:cNvPr id="8" name="Rounded Rectangle 7"/>
           <p:cNvSpPr/>
           <p:nvPr/>
         </p:nvSpPr>
         <p:spPr>
           <a:xfrm>
-            <a:off x="457200" y="1554480"/>
+            <a:off x="457200" y="3200400"/>
             <a:ext cx="3931920" cy="548640"/>
           </a:xfrm>
           <a:prstGeom prst="roundRect">
@@ -6495,20 +8341,20 @@
               </a:defRPr>
             </a:pPr>
             <a:r>
-              <a:t>시나리오 3: 장애인 - 손 사용 불편해도</a:t>
-            </a:r>
-          </a:p>
-        </p:txBody>
-      </p:sp>
-      <p:sp>
-        <p:nvSpPr>
-          <p:cNvPr id="6" name="Rounded Rectangle 5"/>
+              <a:t>• 복잡한 UI 몰라도 OK</a:t>
+            </a:r>
+          </a:p>
+        </p:txBody>
+      </p:sp>
+      <p:sp>
+        <p:nvSpPr>
+          <p:cNvPr id="9" name="Rounded Rectangle 8"/>
           <p:cNvSpPr/>
           <p:nvPr/>
         </p:nvSpPr>
         <p:spPr>
           <a:xfrm>
-            <a:off x="4846320" y="1554480"/>
+            <a:off x="4846320" y="3200400"/>
             <a:ext cx="3931920" cy="548640"/>
           </a:xfrm>
           <a:prstGeom prst="roundRect">
@@ -6549,7 +8395,439 @@
               </a:defRPr>
             </a:pPr>
             <a:r>
-              <a:t>모두를 위한 기술</a:t>
+              <a:t>• 말만 하면 작동</a:t>
+            </a:r>
+          </a:p>
+        </p:txBody>
+      </p:sp>
+      <p:sp>
+        <p:nvSpPr>
+          <p:cNvPr id="10" name="Rounded Rectangle 9"/>
+          <p:cNvSpPr/>
+          <p:nvPr/>
+        </p:nvSpPr>
+        <p:spPr>
+          <a:xfrm>
+            <a:off x="4846320" y="3840480"/>
+            <a:ext cx="3931920" cy="548640"/>
+          </a:xfrm>
+          <a:prstGeom prst="roundRect">
+            <a:avLst/>
+          </a:prstGeom>
+          <a:solidFill>
+            <a:srgbClr val="F0F5FF"/>
+          </a:solidFill>
+          <a:ln w="25400">
+            <a:solidFill>
+              <a:srgbClr val="2563EB"/>
+            </a:solidFill>
+          </a:ln>
+        </p:spPr>
+        <p:style>
+          <a:lnRef idx="1">
+            <a:schemeClr val="accent1"/>
+          </a:lnRef>
+          <a:fillRef idx="3">
+            <a:schemeClr val="accent1"/>
+          </a:fillRef>
+          <a:effectRef idx="2">
+            <a:schemeClr val="accent1"/>
+          </a:effectRef>
+          <a:fontRef idx="minor">
+            <a:schemeClr val="lt1"/>
+          </a:fontRef>
+        </p:style>
+        <p:txBody>
+          <a:bodyPr rtlCol="0" anchor="ctr" wrap="square" lIns="137160" rIns="137160" tIns="91440" bIns="91440"/>
+          <a:lstStyle/>
+          <a:p>
+            <a:pPr algn="l">
+              <a:defRPr sz="1600">
+                <a:solidFill>
+                  <a:srgbClr val="111827"/>
+                </a:solidFill>
+              </a:defRPr>
+            </a:pPr>
+            <a:r>
+              <a:t>[바쁜 직장인 💼]</a:t>
+            </a:r>
+          </a:p>
+        </p:txBody>
+      </p:sp>
+      <p:sp>
+        <p:nvSpPr>
+          <p:cNvPr id="11" name="Rounded Rectangle 10"/>
+          <p:cNvSpPr/>
+          <p:nvPr/>
+        </p:nvSpPr>
+        <p:spPr>
+          <a:xfrm>
+            <a:off x="457200" y="4480560"/>
+            <a:ext cx="3931920" cy="548640"/>
+          </a:xfrm>
+          <a:prstGeom prst="roundRect">
+            <a:avLst/>
+          </a:prstGeom>
+          <a:solidFill>
+            <a:srgbClr val="F0F5FF"/>
+          </a:solidFill>
+          <a:ln w="25400">
+            <a:solidFill>
+              <a:srgbClr val="2563EB"/>
+            </a:solidFill>
+          </a:ln>
+        </p:spPr>
+        <p:style>
+          <a:lnRef idx="1">
+            <a:schemeClr val="accent1"/>
+          </a:lnRef>
+          <a:fillRef idx="3">
+            <a:schemeClr val="accent1"/>
+          </a:fillRef>
+          <a:effectRef idx="2">
+            <a:schemeClr val="accent1"/>
+          </a:effectRef>
+          <a:fontRef idx="minor">
+            <a:schemeClr val="lt1"/>
+          </a:fontRef>
+        </p:style>
+        <p:txBody>
+          <a:bodyPr rtlCol="0" anchor="ctr" wrap="square" lIns="137160" rIns="137160" tIns="91440" bIns="91440"/>
+          <a:lstStyle/>
+          <a:p>
+            <a:pPr algn="l">
+              <a:defRPr sz="1600">
+                <a:solidFill>
+                  <a:srgbClr val="111827"/>
+                </a:solidFill>
+              </a:defRPr>
+            </a:pPr>
+            <a:r>
+              <a:t>• 운전 중 안전하게</a:t>
+            </a:r>
+          </a:p>
+        </p:txBody>
+      </p:sp>
+      <p:sp>
+        <p:nvSpPr>
+          <p:cNvPr id="12" name="Rounded Rectangle 11"/>
+          <p:cNvSpPr/>
+          <p:nvPr/>
+        </p:nvSpPr>
+        <p:spPr>
+          <a:xfrm>
+            <a:off x="4846320" y="4480560"/>
+            <a:ext cx="3931920" cy="548640"/>
+          </a:xfrm>
+          <a:prstGeom prst="roundRect">
+            <a:avLst/>
+          </a:prstGeom>
+          <a:solidFill>
+            <a:srgbClr val="F0F5FF"/>
+          </a:solidFill>
+          <a:ln w="25400">
+            <a:solidFill>
+              <a:srgbClr val="2563EB"/>
+            </a:solidFill>
+          </a:ln>
+        </p:spPr>
+        <p:style>
+          <a:lnRef idx="1">
+            <a:schemeClr val="accent1"/>
+          </a:lnRef>
+          <a:fillRef idx="3">
+            <a:schemeClr val="accent1"/>
+          </a:fillRef>
+          <a:effectRef idx="2">
+            <a:schemeClr val="accent1"/>
+          </a:effectRef>
+          <a:fontRef idx="minor">
+            <a:schemeClr val="lt1"/>
+          </a:fontRef>
+        </p:style>
+        <p:txBody>
+          <a:bodyPr rtlCol="0" anchor="ctr" wrap="square" lIns="137160" rIns="137160" tIns="91440" bIns="91440"/>
+          <a:lstStyle/>
+          <a:p>
+            <a:pPr algn="l">
+              <a:defRPr sz="1600">
+                <a:solidFill>
+                  <a:srgbClr val="111827"/>
+                </a:solidFill>
+              </a:defRPr>
+            </a:pPr>
+            <a:r>
+              <a:t>• 멀티태스킹 가능</a:t>
+            </a:r>
+          </a:p>
+        </p:txBody>
+      </p:sp>
+      <p:sp>
+        <p:nvSpPr>
+          <p:cNvPr id="13" name="Rounded Rectangle 12"/>
+          <p:cNvSpPr/>
+          <p:nvPr/>
+        </p:nvSpPr>
+        <p:spPr>
+          <a:xfrm>
+            <a:off x="457200" y="5120640"/>
+            <a:ext cx="3931920" cy="548640"/>
+          </a:xfrm>
+          <a:prstGeom prst="roundRect">
+            <a:avLst/>
+          </a:prstGeom>
+          <a:solidFill>
+            <a:srgbClr val="F0F5FF"/>
+          </a:solidFill>
+          <a:ln w="25400">
+            <a:solidFill>
+              <a:srgbClr val="2563EB"/>
+            </a:solidFill>
+          </a:ln>
+        </p:spPr>
+        <p:style>
+          <a:lnRef idx="1">
+            <a:schemeClr val="accent1"/>
+          </a:lnRef>
+          <a:fillRef idx="3">
+            <a:schemeClr val="accent1"/>
+          </a:fillRef>
+          <a:effectRef idx="2">
+            <a:schemeClr val="accent1"/>
+          </a:effectRef>
+          <a:fontRef idx="minor">
+            <a:schemeClr val="lt1"/>
+          </a:fontRef>
+        </p:style>
+        <p:txBody>
+          <a:bodyPr rtlCol="0" anchor="ctr" wrap="square" lIns="137160" rIns="137160" tIns="91440" bIns="91440"/>
+          <a:lstStyle/>
+          <a:p>
+            <a:pPr algn="l">
+              <a:defRPr sz="1600">
+                <a:solidFill>
+                  <a:srgbClr val="111827"/>
+                </a:solidFill>
+              </a:defRPr>
+            </a:pPr>
+            <a:r>
+              <a:t>• 손 쓸 필요 없음</a:t>
+            </a:r>
+          </a:p>
+        </p:txBody>
+      </p:sp>
+      <p:sp>
+        <p:nvSpPr>
+          <p:cNvPr id="14" name="Rounded Rectangle 13"/>
+          <p:cNvSpPr/>
+          <p:nvPr/>
+        </p:nvSpPr>
+        <p:spPr>
+          <a:xfrm>
+            <a:off x="457200" y="5760720"/>
+            <a:ext cx="3931920" cy="548640"/>
+          </a:xfrm>
+          <a:prstGeom prst="roundRect">
+            <a:avLst/>
+          </a:prstGeom>
+          <a:solidFill>
+            <a:srgbClr val="F0F5FF"/>
+          </a:solidFill>
+          <a:ln w="25400">
+            <a:solidFill>
+              <a:srgbClr val="2563EB"/>
+            </a:solidFill>
+          </a:ln>
+        </p:spPr>
+        <p:style>
+          <a:lnRef idx="1">
+            <a:schemeClr val="accent1"/>
+          </a:lnRef>
+          <a:fillRef idx="3">
+            <a:schemeClr val="accent1"/>
+          </a:fillRef>
+          <a:effectRef idx="2">
+            <a:schemeClr val="accent1"/>
+          </a:effectRef>
+          <a:fontRef idx="minor">
+            <a:schemeClr val="lt1"/>
+          </a:fontRef>
+        </p:style>
+        <p:txBody>
+          <a:bodyPr rtlCol="0" anchor="ctr" wrap="square" lIns="137160" rIns="137160" tIns="91440" bIns="91440"/>
+          <a:lstStyle/>
+          <a:p>
+            <a:pPr algn="l">
+              <a:defRPr sz="1600">
+                <a:solidFill>
+                  <a:srgbClr val="111827"/>
+                </a:solidFill>
+              </a:defRPr>
+            </a:pPr>
+            <a:r>
+              <a:t>[장애인 ♿]</a:t>
+            </a:r>
+          </a:p>
+        </p:txBody>
+      </p:sp>
+      <p:sp>
+        <p:nvSpPr>
+          <p:cNvPr id="15" name="Rounded Rectangle 14"/>
+          <p:cNvSpPr/>
+          <p:nvPr/>
+        </p:nvSpPr>
+        <p:spPr>
+          <a:xfrm>
+            <a:off x="4846320" y="5760720"/>
+            <a:ext cx="3931920" cy="548640"/>
+          </a:xfrm>
+          <a:prstGeom prst="roundRect">
+            <a:avLst/>
+          </a:prstGeom>
+          <a:solidFill>
+            <a:srgbClr val="F0F5FF"/>
+          </a:solidFill>
+          <a:ln w="25400">
+            <a:solidFill>
+              <a:srgbClr val="2563EB"/>
+            </a:solidFill>
+          </a:ln>
+        </p:spPr>
+        <p:style>
+          <a:lnRef idx="1">
+            <a:schemeClr val="accent1"/>
+          </a:lnRef>
+          <a:fillRef idx="3">
+            <a:schemeClr val="accent1"/>
+          </a:fillRef>
+          <a:effectRef idx="2">
+            <a:schemeClr val="accent1"/>
+          </a:effectRef>
+          <a:fontRef idx="minor">
+            <a:schemeClr val="lt1"/>
+          </a:fontRef>
+        </p:style>
+        <p:txBody>
+          <a:bodyPr rtlCol="0" anchor="ctr" wrap="square" lIns="137160" rIns="137160" tIns="91440" bIns="91440"/>
+          <a:lstStyle/>
+          <a:p>
+            <a:pPr algn="l">
+              <a:defRPr sz="1600">
+                <a:solidFill>
+                  <a:srgbClr val="111827"/>
+                </a:solidFill>
+              </a:defRPr>
+            </a:pPr>
+            <a:r>
+              <a:t>• 시각 장애: 화면 안 봐도 OK</a:t>
+            </a:r>
+          </a:p>
+        </p:txBody>
+      </p:sp>
+      <p:sp>
+        <p:nvSpPr>
+          <p:cNvPr id="16" name="Rounded Rectangle 15"/>
+          <p:cNvSpPr/>
+          <p:nvPr/>
+        </p:nvSpPr>
+        <p:spPr>
+          <a:xfrm>
+            <a:off x="457200" y="6400800"/>
+            <a:ext cx="3931920" cy="548640"/>
+          </a:xfrm>
+          <a:prstGeom prst="roundRect">
+            <a:avLst/>
+          </a:prstGeom>
+          <a:solidFill>
+            <a:srgbClr val="F0F5FF"/>
+          </a:solidFill>
+          <a:ln w="25400">
+            <a:solidFill>
+              <a:srgbClr val="2563EB"/>
+            </a:solidFill>
+          </a:ln>
+        </p:spPr>
+        <p:style>
+          <a:lnRef idx="1">
+            <a:schemeClr val="accent1"/>
+          </a:lnRef>
+          <a:fillRef idx="3">
+            <a:schemeClr val="accent1"/>
+          </a:fillRef>
+          <a:effectRef idx="2">
+            <a:schemeClr val="accent1"/>
+          </a:effectRef>
+          <a:fontRef idx="minor">
+            <a:schemeClr val="lt1"/>
+          </a:fontRef>
+        </p:style>
+        <p:txBody>
+          <a:bodyPr rtlCol="0" anchor="ctr" wrap="square" lIns="137160" rIns="137160" tIns="91440" bIns="91440"/>
+          <a:lstStyle/>
+          <a:p>
+            <a:pPr algn="l">
+              <a:defRPr sz="1600">
+                <a:solidFill>
+                  <a:srgbClr val="111827"/>
+                </a:solidFill>
+              </a:defRPr>
+            </a:pPr>
+            <a:r>
+              <a:t>• 지체 장애: 터치 불필요</a:t>
+            </a:r>
+          </a:p>
+        </p:txBody>
+      </p:sp>
+      <p:sp>
+        <p:nvSpPr>
+          <p:cNvPr id="17" name="Rounded Rectangle 16"/>
+          <p:cNvSpPr/>
+          <p:nvPr/>
+        </p:nvSpPr>
+        <p:spPr>
+          <a:xfrm>
+            <a:off x="4846320" y="6400800"/>
+            <a:ext cx="3931920" cy="548640"/>
+          </a:xfrm>
+          <a:prstGeom prst="roundRect">
+            <a:avLst/>
+          </a:prstGeom>
+          <a:solidFill>
+            <a:srgbClr val="F0F5FF"/>
+          </a:solidFill>
+          <a:ln w="25400">
+            <a:solidFill>
+              <a:srgbClr val="2563EB"/>
+            </a:solidFill>
+          </a:ln>
+        </p:spPr>
+        <p:style>
+          <a:lnRef idx="1">
+            <a:schemeClr val="accent1"/>
+          </a:lnRef>
+          <a:fillRef idx="3">
+            <a:schemeClr val="accent1"/>
+          </a:fillRef>
+          <a:effectRef idx="2">
+            <a:schemeClr val="accent1"/>
+          </a:effectRef>
+          <a:fontRef idx="minor">
+            <a:schemeClr val="lt1"/>
+          </a:fontRef>
+        </p:style>
+        <p:txBody>
+          <a:bodyPr rtlCol="0" anchor="ctr" wrap="square" lIns="137160" rIns="137160" tIns="91440" bIns="91440"/>
+          <a:lstStyle/>
+          <a:p>
+            <a:pPr algn="l">
+              <a:defRPr sz="1600">
+                <a:solidFill>
+                  <a:srgbClr val="111827"/>
+                </a:solidFill>
+              </a:defRPr>
+            </a:pPr>
+            <a:r>
+              <a:t>• 음성만으로 완전 제어</a:t>
             </a:r>
           </a:p>
         </p:txBody>
@@ -6720,8 +8998,8 @@
         </p:nvSpPr>
         <p:spPr>
           <a:xfrm>
-            <a:off x="914400" y="2560320"/>
-            <a:ext cx="7315200" cy="548640"/>
+            <a:off x="457200" y="2560320"/>
+            <a:ext cx="3931920" cy="548640"/>
           </a:xfrm>
           <a:prstGeom prst="roundRect">
             <a:avLst/>
@@ -6761,7 +9039,7 @@
               </a:defRPr>
             </a:pPr>
             <a:r>
-              <a:t>지구 아이콘 + 연결된 사람들</a:t>
+              <a:t>[향후 개선 계획]</a:t>
             </a:r>
           </a:p>
         </p:txBody>
@@ -6774,8 +9052,8 @@
         </p:nvSpPr>
         <p:spPr>
           <a:xfrm>
-            <a:off x="914400" y="3200400"/>
-            <a:ext cx="7315200" cy="548640"/>
+            <a:off x="4846320" y="2560320"/>
+            <a:ext cx="3931920" cy="548640"/>
           </a:xfrm>
           <a:prstGeom prst="roundRect">
             <a:avLst/>
@@ -6815,7 +9093,7 @@
               </a:defRPr>
             </a:pPr>
             <a:r>
-              <a:t>밝은 미래 이미지</a:t>
+              <a:t>• 다국어 지원 (영어, 중국어...)</a:t>
             </a:r>
           </a:p>
         </p:txBody>
@@ -6828,8 +9106,8 @@
         </p:nvSpPr>
         <p:spPr>
           <a:xfrm>
-            <a:off x="914400" y="3840480"/>
-            <a:ext cx="7315200" cy="548640"/>
+            <a:off x="457200" y="3200400"/>
+            <a:ext cx="3931920" cy="548640"/>
           </a:xfrm>
           <a:prstGeom prst="roundRect">
             <a:avLst/>
@@ -6869,7 +9147,385 @@
               </a:defRPr>
             </a:pPr>
             <a:r>
-              <a:t>확장 가능성: 스마트홈, 자동차, 가전제품...</a:t>
+              <a:t>• 오프라인 모드 (로컬 STT)</a:t>
+            </a:r>
+          </a:p>
+        </p:txBody>
+      </p:sp>
+      <p:sp>
+        <p:nvSpPr>
+          <p:cNvPr id="9" name="Rounded Rectangle 8"/>
+          <p:cNvSpPr/>
+          <p:nvPr/>
+        </p:nvSpPr>
+        <p:spPr>
+          <a:xfrm>
+            <a:off x="4846320" y="3200400"/>
+            <a:ext cx="3931920" cy="548640"/>
+          </a:xfrm>
+          <a:prstGeom prst="roundRect">
+            <a:avLst/>
+          </a:prstGeom>
+          <a:solidFill>
+            <a:srgbClr val="F0F5FF"/>
+          </a:solidFill>
+          <a:ln w="25400">
+            <a:solidFill>
+              <a:srgbClr val="2563EB"/>
+            </a:solidFill>
+          </a:ln>
+        </p:spPr>
+        <p:style>
+          <a:lnRef idx="1">
+            <a:schemeClr val="accent1"/>
+          </a:lnRef>
+          <a:fillRef idx="3">
+            <a:schemeClr val="accent1"/>
+          </a:fillRef>
+          <a:effectRef idx="2">
+            <a:schemeClr val="accent1"/>
+          </a:effectRef>
+          <a:fontRef idx="minor">
+            <a:schemeClr val="lt1"/>
+          </a:fontRef>
+        </p:style>
+        <p:txBody>
+          <a:bodyPr rtlCol="0" anchor="ctr" wrap="square" lIns="137160" rIns="137160" tIns="91440" bIns="91440"/>
+          <a:lstStyle/>
+          <a:p>
+            <a:pPr algn="l">
+              <a:defRPr sz="1600">
+                <a:solidFill>
+                  <a:srgbClr val="111827"/>
+                </a:solidFill>
+              </a:defRPr>
+            </a:pPr>
+            <a:r>
+              <a:t>• 더 많은 명령어 추가</a:t>
+            </a:r>
+          </a:p>
+        </p:txBody>
+      </p:sp>
+      <p:sp>
+        <p:nvSpPr>
+          <p:cNvPr id="10" name="Rounded Rectangle 9"/>
+          <p:cNvSpPr/>
+          <p:nvPr/>
+        </p:nvSpPr>
+        <p:spPr>
+          <a:xfrm>
+            <a:off x="457200" y="3840480"/>
+            <a:ext cx="3931920" cy="548640"/>
+          </a:xfrm>
+          <a:prstGeom prst="roundRect">
+            <a:avLst/>
+          </a:prstGeom>
+          <a:solidFill>
+            <a:srgbClr val="F0F5FF"/>
+          </a:solidFill>
+          <a:ln w="25400">
+            <a:solidFill>
+              <a:srgbClr val="2563EB"/>
+            </a:solidFill>
+          </a:ln>
+        </p:spPr>
+        <p:style>
+          <a:lnRef idx="1">
+            <a:schemeClr val="accent1"/>
+          </a:lnRef>
+          <a:fillRef idx="3">
+            <a:schemeClr val="accent1"/>
+          </a:fillRef>
+          <a:effectRef idx="2">
+            <a:schemeClr val="accent1"/>
+          </a:effectRef>
+          <a:fontRef idx="minor">
+            <a:schemeClr val="lt1"/>
+          </a:fontRef>
+        </p:style>
+        <p:txBody>
+          <a:bodyPr rtlCol="0" anchor="ctr" wrap="square" lIns="137160" rIns="137160" tIns="91440" bIns="91440"/>
+          <a:lstStyle/>
+          <a:p>
+            <a:pPr algn="l">
+              <a:defRPr sz="1600">
+                <a:solidFill>
+                  <a:srgbClr val="111827"/>
+                </a:solidFill>
+              </a:defRPr>
+            </a:pPr>
+            <a:r>
+              <a:t>• 커스터마이징 기능</a:t>
+            </a:r>
+          </a:p>
+        </p:txBody>
+      </p:sp>
+      <p:sp>
+        <p:nvSpPr>
+          <p:cNvPr id="11" name="Rounded Rectangle 10"/>
+          <p:cNvSpPr/>
+          <p:nvPr/>
+        </p:nvSpPr>
+        <p:spPr>
+          <a:xfrm>
+            <a:off x="457200" y="4480560"/>
+            <a:ext cx="3931920" cy="548640"/>
+          </a:xfrm>
+          <a:prstGeom prst="roundRect">
+            <a:avLst/>
+          </a:prstGeom>
+          <a:solidFill>
+            <a:srgbClr val="F0F5FF"/>
+          </a:solidFill>
+          <a:ln w="25400">
+            <a:solidFill>
+              <a:srgbClr val="2563EB"/>
+            </a:solidFill>
+          </a:ln>
+        </p:spPr>
+        <p:style>
+          <a:lnRef idx="1">
+            <a:schemeClr val="accent1"/>
+          </a:lnRef>
+          <a:fillRef idx="3">
+            <a:schemeClr val="accent1"/>
+          </a:fillRef>
+          <a:effectRef idx="2">
+            <a:schemeClr val="accent1"/>
+          </a:effectRef>
+          <a:fontRef idx="minor">
+            <a:schemeClr val="lt1"/>
+          </a:fontRef>
+        </p:style>
+        <p:txBody>
+          <a:bodyPr rtlCol="0" anchor="ctr" wrap="square" lIns="137160" rIns="137160" tIns="91440" bIns="91440"/>
+          <a:lstStyle/>
+          <a:p>
+            <a:pPr algn="l">
+              <a:defRPr sz="1600">
+                <a:solidFill>
+                  <a:srgbClr val="111827"/>
+                </a:solidFill>
+              </a:defRPr>
+            </a:pPr>
+            <a:r>
+              <a:t>[확장 가능성]</a:t>
+            </a:r>
+          </a:p>
+        </p:txBody>
+      </p:sp>
+      <p:sp>
+        <p:nvSpPr>
+          <p:cNvPr id="12" name="Rounded Rectangle 11"/>
+          <p:cNvSpPr/>
+          <p:nvPr/>
+        </p:nvSpPr>
+        <p:spPr>
+          <a:xfrm>
+            <a:off x="4846320" y="4480560"/>
+            <a:ext cx="3931920" cy="548640"/>
+          </a:xfrm>
+          <a:prstGeom prst="roundRect">
+            <a:avLst/>
+          </a:prstGeom>
+          <a:solidFill>
+            <a:srgbClr val="F0F5FF"/>
+          </a:solidFill>
+          <a:ln w="25400">
+            <a:solidFill>
+              <a:srgbClr val="2563EB"/>
+            </a:solidFill>
+          </a:ln>
+        </p:spPr>
+        <p:style>
+          <a:lnRef idx="1">
+            <a:schemeClr val="accent1"/>
+          </a:lnRef>
+          <a:fillRef idx="3">
+            <a:schemeClr val="accent1"/>
+          </a:fillRef>
+          <a:effectRef idx="2">
+            <a:schemeClr val="accent1"/>
+          </a:effectRef>
+          <a:fontRef idx="minor">
+            <a:schemeClr val="lt1"/>
+          </a:fontRef>
+        </p:style>
+        <p:txBody>
+          <a:bodyPr rtlCol="0" anchor="ctr" wrap="square" lIns="137160" rIns="137160" tIns="91440" bIns="91440"/>
+          <a:lstStyle/>
+          <a:p>
+            <a:pPr algn="l">
+              <a:defRPr sz="1600">
+                <a:solidFill>
+                  <a:srgbClr val="111827"/>
+                </a:solidFill>
+              </a:defRPr>
+            </a:pPr>
+            <a:r>
+              <a:t>🏠 스마트홈: IoT 기기 제어</a:t>
+            </a:r>
+          </a:p>
+        </p:txBody>
+      </p:sp>
+      <p:sp>
+        <p:nvSpPr>
+          <p:cNvPr id="13" name="Rounded Rectangle 12"/>
+          <p:cNvSpPr/>
+          <p:nvPr/>
+        </p:nvSpPr>
+        <p:spPr>
+          <a:xfrm>
+            <a:off x="457200" y="5120640"/>
+            <a:ext cx="3931920" cy="548640"/>
+          </a:xfrm>
+          <a:prstGeom prst="roundRect">
+            <a:avLst/>
+          </a:prstGeom>
+          <a:solidFill>
+            <a:srgbClr val="F0F5FF"/>
+          </a:solidFill>
+          <a:ln w="25400">
+            <a:solidFill>
+              <a:srgbClr val="2563EB"/>
+            </a:solidFill>
+          </a:ln>
+        </p:spPr>
+        <p:style>
+          <a:lnRef idx="1">
+            <a:schemeClr val="accent1"/>
+          </a:lnRef>
+          <a:fillRef idx="3">
+            <a:schemeClr val="accent1"/>
+          </a:fillRef>
+          <a:effectRef idx="2">
+            <a:schemeClr val="accent1"/>
+          </a:effectRef>
+          <a:fontRef idx="minor">
+            <a:schemeClr val="lt1"/>
+          </a:fontRef>
+        </p:style>
+        <p:txBody>
+          <a:bodyPr rtlCol="0" anchor="ctr" wrap="square" lIns="137160" rIns="137160" tIns="91440" bIns="91440"/>
+          <a:lstStyle/>
+          <a:p>
+            <a:pPr algn="l">
+              <a:defRPr sz="1600">
+                <a:solidFill>
+                  <a:srgbClr val="111827"/>
+                </a:solidFill>
+              </a:defRPr>
+            </a:pPr>
+            <a:r>
+              <a:t>🚗 자동차: 핸즈프리 운전</a:t>
+            </a:r>
+          </a:p>
+        </p:txBody>
+      </p:sp>
+      <p:sp>
+        <p:nvSpPr>
+          <p:cNvPr id="14" name="Rounded Rectangle 13"/>
+          <p:cNvSpPr/>
+          <p:nvPr/>
+        </p:nvSpPr>
+        <p:spPr>
+          <a:xfrm>
+            <a:off x="4846320" y="5120640"/>
+            <a:ext cx="3931920" cy="548640"/>
+          </a:xfrm>
+          <a:prstGeom prst="roundRect">
+            <a:avLst/>
+          </a:prstGeom>
+          <a:solidFill>
+            <a:srgbClr val="F0F5FF"/>
+          </a:solidFill>
+          <a:ln w="25400">
+            <a:solidFill>
+              <a:srgbClr val="2563EB"/>
+            </a:solidFill>
+          </a:ln>
+        </p:spPr>
+        <p:style>
+          <a:lnRef idx="1">
+            <a:schemeClr val="accent1"/>
+          </a:lnRef>
+          <a:fillRef idx="3">
+            <a:schemeClr val="accent1"/>
+          </a:fillRef>
+          <a:effectRef idx="2">
+            <a:schemeClr val="accent1"/>
+          </a:effectRef>
+          <a:fontRef idx="minor">
+            <a:schemeClr val="lt1"/>
+          </a:fontRef>
+        </p:style>
+        <p:txBody>
+          <a:bodyPr rtlCol="0" anchor="ctr" wrap="square" lIns="137160" rIns="137160" tIns="91440" bIns="91440"/>
+          <a:lstStyle/>
+          <a:p>
+            <a:pPr algn="l">
+              <a:defRPr sz="1600">
+                <a:solidFill>
+                  <a:srgbClr val="111827"/>
+                </a:solidFill>
+              </a:defRPr>
+            </a:pPr>
+            <a:r>
+              <a:t>🏥 의료: 환자 모니터링</a:t>
+            </a:r>
+          </a:p>
+        </p:txBody>
+      </p:sp>
+      <p:sp>
+        <p:nvSpPr>
+          <p:cNvPr id="15" name="Rounded Rectangle 14"/>
+          <p:cNvSpPr/>
+          <p:nvPr/>
+        </p:nvSpPr>
+        <p:spPr>
+          <a:xfrm>
+            <a:off x="457200" y="5760720"/>
+            <a:ext cx="3931920" cy="548640"/>
+          </a:xfrm>
+          <a:prstGeom prst="roundRect">
+            <a:avLst/>
+          </a:prstGeom>
+          <a:solidFill>
+            <a:srgbClr val="F0F5FF"/>
+          </a:solidFill>
+          <a:ln w="25400">
+            <a:solidFill>
+              <a:srgbClr val="2563EB"/>
+            </a:solidFill>
+          </a:ln>
+        </p:spPr>
+        <p:style>
+          <a:lnRef idx="1">
+            <a:schemeClr val="accent1"/>
+          </a:lnRef>
+          <a:fillRef idx="3">
+            <a:schemeClr val="accent1"/>
+          </a:fillRef>
+          <a:effectRef idx="2">
+            <a:schemeClr val="accent1"/>
+          </a:effectRef>
+          <a:fontRef idx="minor">
+            <a:schemeClr val="lt1"/>
+          </a:fontRef>
+        </p:style>
+        <p:txBody>
+          <a:bodyPr rtlCol="0" anchor="ctr" wrap="square" lIns="137160" rIns="137160" tIns="91440" bIns="91440"/>
+          <a:lstStyle/>
+          <a:p>
+            <a:pPr algn="l">
+              <a:defRPr sz="1600">
+                <a:solidFill>
+                  <a:srgbClr val="111827"/>
+                </a:solidFill>
+              </a:defRPr>
+            </a:pPr>
+            <a:r>
+              <a:t>🏭 산업: 작업장 안전</a:t>
             </a:r>
           </a:p>
         </p:txBody>

--- a/presentations/output/SoundToAct_TextBased_Presentation.pptx
+++ b/presentations/output/SoundToAct_TextBased_Presentation.pptx
@@ -4289,8 +4289,8 @@
       </p:sp>
       <p:sp>
         <p:nvSpPr>
-          <p:cNvPr id="6" name="Rounded Rectangle 5"/>
-          <p:cNvSpPr/>
+          <p:cNvPr id="6" name="TextBox 5"/>
+          <p:cNvSpPr txBox="1"/>
           <p:nvPr/>
         </p:nvSpPr>
         <p:spPr>
@@ -4298,40 +4298,21 @@
             <a:off x="1371600" y="5029200"/>
             <a:ext cx="6400800" cy="457200"/>
           </a:xfrm>
-          <a:prstGeom prst="roundRect">
-            <a:avLst/>
-          </a:prstGeom>
-          <a:solidFill>
-            <a:srgbClr val="F0F5FF"/>
-          </a:solidFill>
-          <a:ln w="25400">
-            <a:solidFill>
-              <a:srgbClr val="2563EB"/>
-            </a:solidFill>
-          </a:ln>
-        </p:spPr>
-        <p:style>
-          <a:lnRef idx="1">
-            <a:schemeClr val="accent1"/>
-          </a:lnRef>
-          <a:fillRef idx="3">
-            <a:schemeClr val="accent1"/>
-          </a:fillRef>
-          <a:effectRef idx="2">
-            <a:schemeClr val="accent1"/>
-          </a:effectRef>
-          <a:fontRef idx="minor">
-            <a:schemeClr val="lt1"/>
-          </a:fontRef>
-        </p:style>
-        <p:txBody>
-          <a:bodyPr rtlCol="0" anchor="ctr" wrap="square" lIns="137160" rIns="137160" tIns="91440" bIns="91440"/>
+          <a:prstGeom prst="rect">
+            <a:avLst/>
+          </a:prstGeom>
+          <a:noFill/>
+        </p:spPr>
+        <p:txBody>
+          <a:bodyPr wrap="square" lIns="137160" rIns="137160" tIns="91440" bIns="91440">
+            <a:spAutoFit/>
+          </a:bodyPr>
           <a:lstStyle/>
           <a:p>
             <a:pPr algn="l">
-              <a:defRPr sz="1600">
-                <a:solidFill>
-                  <a:srgbClr val="111827"/>
+              <a:defRPr sz="1800" b="1">
+                <a:solidFill>
+                  <a:srgbClr val="2563EB"/>
                 </a:solidFill>
               </a:defRPr>
             </a:pPr>
@@ -4343,8 +4324,8 @@
       </p:sp>
       <p:sp>
         <p:nvSpPr>
-          <p:cNvPr id="7" name="Rounded Rectangle 6"/>
-          <p:cNvSpPr/>
+          <p:cNvPr id="7" name="TextBox 6"/>
+          <p:cNvSpPr txBox="1"/>
           <p:nvPr/>
         </p:nvSpPr>
         <p:spPr>
@@ -4352,40 +4333,21 @@
             <a:off x="1371600" y="5577840"/>
             <a:ext cx="6400800" cy="457200"/>
           </a:xfrm>
-          <a:prstGeom prst="roundRect">
-            <a:avLst/>
-          </a:prstGeom>
-          <a:solidFill>
-            <a:srgbClr val="F0F5FF"/>
-          </a:solidFill>
-          <a:ln w="25400">
-            <a:solidFill>
-              <a:srgbClr val="2563EB"/>
-            </a:solidFill>
-          </a:ln>
-        </p:spPr>
-        <p:style>
-          <a:lnRef idx="1">
-            <a:schemeClr val="accent1"/>
-          </a:lnRef>
-          <a:fillRef idx="3">
-            <a:schemeClr val="accent1"/>
-          </a:fillRef>
-          <a:effectRef idx="2">
-            <a:schemeClr val="accent1"/>
-          </a:effectRef>
-          <a:fontRef idx="minor">
-            <a:schemeClr val="lt1"/>
-          </a:fontRef>
-        </p:style>
-        <p:txBody>
-          <a:bodyPr rtlCol="0" anchor="ctr" wrap="square" lIns="137160" rIns="137160" tIns="91440" bIns="91440"/>
+          <a:prstGeom prst="rect">
+            <a:avLst/>
+          </a:prstGeom>
+          <a:noFill/>
+        </p:spPr>
+        <p:txBody>
+          <a:bodyPr wrap="square" lIns="137160" rIns="137160" tIns="91440" bIns="91440">
+            <a:spAutoFit/>
+          </a:bodyPr>
           <a:lstStyle/>
           <a:p>
             <a:pPr algn="l">
-              <a:defRPr sz="1600">
-                <a:solidFill>
-                  <a:srgbClr val="111827"/>
+              <a:defRPr sz="1800" b="1">
+                <a:solidFill>
+                  <a:srgbClr val="2563EB"/>
                 </a:solidFill>
               </a:defRPr>
             </a:pPr>
@@ -4555,8 +4517,8 @@
       </p:sp>
       <p:sp>
         <p:nvSpPr>
-          <p:cNvPr id="6" name="Rounded Rectangle 5"/>
-          <p:cNvSpPr/>
+          <p:cNvPr id="6" name="TextBox 5"/>
+          <p:cNvSpPr txBox="1"/>
           <p:nvPr/>
         </p:nvSpPr>
         <p:spPr>
@@ -4564,40 +4526,21 @@
             <a:off x="1371600" y="5029200"/>
             <a:ext cx="6400800" cy="457200"/>
           </a:xfrm>
-          <a:prstGeom prst="roundRect">
-            <a:avLst/>
-          </a:prstGeom>
-          <a:solidFill>
-            <a:srgbClr val="F0F5FF"/>
-          </a:solidFill>
-          <a:ln w="25400">
-            <a:solidFill>
-              <a:srgbClr val="2563EB"/>
-            </a:solidFill>
-          </a:ln>
-        </p:spPr>
-        <p:style>
-          <a:lnRef idx="1">
-            <a:schemeClr val="accent1"/>
-          </a:lnRef>
-          <a:fillRef idx="3">
-            <a:schemeClr val="accent1"/>
-          </a:fillRef>
-          <a:effectRef idx="2">
-            <a:schemeClr val="accent1"/>
-          </a:effectRef>
-          <a:fontRef idx="minor">
-            <a:schemeClr val="lt1"/>
-          </a:fontRef>
-        </p:style>
-        <p:txBody>
-          <a:bodyPr rtlCol="0" anchor="ctr" wrap="square" lIns="137160" rIns="137160" tIns="91440" bIns="91440"/>
+          <a:prstGeom prst="rect">
+            <a:avLst/>
+          </a:prstGeom>
+          <a:noFill/>
+        </p:spPr>
+        <p:txBody>
+          <a:bodyPr wrap="square" lIns="137160" rIns="137160" tIns="91440" bIns="91440">
+            <a:spAutoFit/>
+          </a:bodyPr>
           <a:lstStyle/>
           <a:p>
             <a:pPr algn="l">
-              <a:defRPr sz="1600">
-                <a:solidFill>
-                  <a:srgbClr val="111827"/>
+              <a:defRPr sz="1800" b="1">
+                <a:solidFill>
+                  <a:srgbClr val="2563EB"/>
                 </a:solidFill>
               </a:defRPr>
             </a:pPr>
@@ -4609,8 +4552,8 @@
       </p:sp>
       <p:sp>
         <p:nvSpPr>
-          <p:cNvPr id="7" name="Rounded Rectangle 6"/>
-          <p:cNvSpPr/>
+          <p:cNvPr id="7" name="TextBox 6"/>
+          <p:cNvSpPr txBox="1"/>
           <p:nvPr/>
         </p:nvSpPr>
         <p:spPr>
@@ -4618,40 +4561,21 @@
             <a:off x="1371600" y="5577840"/>
             <a:ext cx="6400800" cy="457200"/>
           </a:xfrm>
-          <a:prstGeom prst="roundRect">
-            <a:avLst/>
-          </a:prstGeom>
-          <a:solidFill>
-            <a:srgbClr val="F0F5FF"/>
-          </a:solidFill>
-          <a:ln w="25400">
-            <a:solidFill>
-              <a:srgbClr val="2563EB"/>
-            </a:solidFill>
-          </a:ln>
-        </p:spPr>
-        <p:style>
-          <a:lnRef idx="1">
-            <a:schemeClr val="accent1"/>
-          </a:lnRef>
-          <a:fillRef idx="3">
-            <a:schemeClr val="accent1"/>
-          </a:fillRef>
-          <a:effectRef idx="2">
-            <a:schemeClr val="accent1"/>
-          </a:effectRef>
-          <a:fontRef idx="minor">
-            <a:schemeClr val="lt1"/>
-          </a:fontRef>
-        </p:style>
-        <p:txBody>
-          <a:bodyPr rtlCol="0" anchor="ctr" wrap="square" lIns="137160" rIns="137160" tIns="91440" bIns="91440"/>
+          <a:prstGeom prst="rect">
+            <a:avLst/>
+          </a:prstGeom>
+          <a:noFill/>
+        </p:spPr>
+        <p:txBody>
+          <a:bodyPr wrap="square" lIns="137160" rIns="137160" tIns="91440" bIns="91440">
+            <a:spAutoFit/>
+          </a:bodyPr>
           <a:lstStyle/>
           <a:p>
             <a:pPr algn="l">
-              <a:defRPr sz="1600">
-                <a:solidFill>
-                  <a:srgbClr val="111827"/>
+              <a:defRPr sz="1800" b="1">
+                <a:solidFill>
+                  <a:srgbClr val="2563EB"/>
                 </a:solidFill>
               </a:defRPr>
             </a:pPr>
@@ -4663,8 +4587,8 @@
       </p:sp>
       <p:sp>
         <p:nvSpPr>
-          <p:cNvPr id="8" name="Rounded Rectangle 7"/>
-          <p:cNvSpPr/>
+          <p:cNvPr id="8" name="TextBox 7"/>
+          <p:cNvSpPr txBox="1"/>
           <p:nvPr/>
         </p:nvSpPr>
         <p:spPr>
@@ -4672,40 +4596,21 @@
             <a:off x="1371600" y="6126480"/>
             <a:ext cx="6400800" cy="457200"/>
           </a:xfrm>
-          <a:prstGeom prst="roundRect">
-            <a:avLst/>
-          </a:prstGeom>
-          <a:solidFill>
-            <a:srgbClr val="F0F5FF"/>
-          </a:solidFill>
-          <a:ln w="25400">
-            <a:solidFill>
-              <a:srgbClr val="2563EB"/>
-            </a:solidFill>
-          </a:ln>
-        </p:spPr>
-        <p:style>
-          <a:lnRef idx="1">
-            <a:schemeClr val="accent1"/>
-          </a:lnRef>
-          <a:fillRef idx="3">
-            <a:schemeClr val="accent1"/>
-          </a:fillRef>
-          <a:effectRef idx="2">
-            <a:schemeClr val="accent1"/>
-          </a:effectRef>
-          <a:fontRef idx="minor">
-            <a:schemeClr val="lt1"/>
-          </a:fontRef>
-        </p:style>
-        <p:txBody>
-          <a:bodyPr rtlCol="0" anchor="ctr" wrap="square" lIns="137160" rIns="137160" tIns="91440" bIns="91440"/>
+          <a:prstGeom prst="rect">
+            <a:avLst/>
+          </a:prstGeom>
+          <a:noFill/>
+        </p:spPr>
+        <p:txBody>
+          <a:bodyPr wrap="square" lIns="137160" rIns="137160" tIns="91440" bIns="91440">
+            <a:spAutoFit/>
+          </a:bodyPr>
           <a:lstStyle/>
           <a:p>
             <a:pPr algn="l">
-              <a:defRPr sz="1600">
-                <a:solidFill>
-                  <a:srgbClr val="111827"/>
+              <a:defRPr sz="1800" b="1">
+                <a:solidFill>
+                  <a:srgbClr val="2563EB"/>
                 </a:solidFill>
               </a:defRPr>
             </a:pPr>
@@ -4840,8 +4745,8 @@
       </p:sp>
       <p:sp>
         <p:nvSpPr>
-          <p:cNvPr id="5" name="Rounded Rectangle 4"/>
-          <p:cNvSpPr/>
+          <p:cNvPr id="5" name="TextBox 4"/>
+          <p:cNvSpPr txBox="1"/>
           <p:nvPr/>
         </p:nvSpPr>
         <p:spPr>
@@ -4849,40 +4754,21 @@
             <a:off x="457200" y="2011680"/>
             <a:ext cx="3931920" cy="548640"/>
           </a:xfrm>
-          <a:prstGeom prst="roundRect">
-            <a:avLst/>
-          </a:prstGeom>
-          <a:solidFill>
-            <a:srgbClr val="F0F5FF"/>
-          </a:solidFill>
-          <a:ln w="25400">
-            <a:solidFill>
-              <a:srgbClr val="2563EB"/>
-            </a:solidFill>
-          </a:ln>
-        </p:spPr>
-        <p:style>
-          <a:lnRef idx="1">
-            <a:schemeClr val="accent1"/>
-          </a:lnRef>
-          <a:fillRef idx="3">
-            <a:schemeClr val="accent1"/>
-          </a:fillRef>
-          <a:effectRef idx="2">
-            <a:schemeClr val="accent1"/>
-          </a:effectRef>
-          <a:fontRef idx="minor">
-            <a:schemeClr val="lt1"/>
-          </a:fontRef>
-        </p:style>
-        <p:txBody>
-          <a:bodyPr rtlCol="0" anchor="ctr" wrap="square" lIns="137160" rIns="137160" tIns="91440" bIns="91440"/>
+          <a:prstGeom prst="rect">
+            <a:avLst/>
+          </a:prstGeom>
+          <a:noFill/>
+        </p:spPr>
+        <p:txBody>
+          <a:bodyPr wrap="square" lIns="137160" rIns="137160" tIns="91440" bIns="91440">
+            <a:spAutoFit/>
+          </a:bodyPr>
           <a:lstStyle/>
           <a:p>
             <a:pPr algn="l">
-              <a:defRPr sz="1600">
-                <a:solidFill>
-                  <a:srgbClr val="111827"/>
+              <a:defRPr sz="1800" b="1">
+                <a:solidFill>
+                  <a:srgbClr val="2563EB"/>
                 </a:solidFill>
               </a:defRPr>
             </a:pPr>
@@ -4894,8 +4780,8 @@
       </p:sp>
       <p:sp>
         <p:nvSpPr>
-          <p:cNvPr id="6" name="Rounded Rectangle 5"/>
-          <p:cNvSpPr/>
+          <p:cNvPr id="6" name="TextBox 5"/>
+          <p:cNvSpPr txBox="1"/>
           <p:nvPr/>
         </p:nvSpPr>
         <p:spPr>
@@ -4903,40 +4789,21 @@
             <a:off x="4846320" y="2011680"/>
             <a:ext cx="3931920" cy="548640"/>
           </a:xfrm>
-          <a:prstGeom prst="roundRect">
-            <a:avLst/>
-          </a:prstGeom>
-          <a:solidFill>
-            <a:srgbClr val="F0F5FF"/>
-          </a:solidFill>
-          <a:ln w="25400">
-            <a:solidFill>
-              <a:srgbClr val="2563EB"/>
-            </a:solidFill>
-          </a:ln>
-        </p:spPr>
-        <p:style>
-          <a:lnRef idx="1">
-            <a:schemeClr val="accent1"/>
-          </a:lnRef>
-          <a:fillRef idx="3">
-            <a:schemeClr val="accent1"/>
-          </a:fillRef>
-          <a:effectRef idx="2">
-            <a:schemeClr val="accent1"/>
-          </a:effectRef>
-          <a:fontRef idx="minor">
-            <a:schemeClr val="lt1"/>
-          </a:fontRef>
-        </p:style>
-        <p:txBody>
-          <a:bodyPr rtlCol="0" anchor="ctr" wrap="square" lIns="137160" rIns="137160" tIns="91440" bIns="91440"/>
+          <a:prstGeom prst="rect">
+            <a:avLst/>
+          </a:prstGeom>
+          <a:noFill/>
+        </p:spPr>
+        <p:txBody>
+          <a:bodyPr wrap="square" lIns="137160" rIns="137160" tIns="91440" bIns="91440">
+            <a:spAutoFit/>
+          </a:bodyPr>
           <a:lstStyle/>
           <a:p>
             <a:pPr algn="l">
-              <a:defRPr sz="1600">
-                <a:solidFill>
-                  <a:srgbClr val="111827"/>
+              <a:defRPr sz="1800" b="1">
+                <a:solidFill>
+                  <a:srgbClr val="2563EB"/>
                 </a:solidFill>
               </a:defRPr>
             </a:pPr>
@@ -4948,8 +4815,8 @@
       </p:sp>
       <p:sp>
         <p:nvSpPr>
-          <p:cNvPr id="7" name="Rounded Rectangle 6"/>
-          <p:cNvSpPr/>
+          <p:cNvPr id="7" name="TextBox 6"/>
+          <p:cNvSpPr txBox="1"/>
           <p:nvPr/>
         </p:nvSpPr>
         <p:spPr>
@@ -4957,40 +4824,21 @@
             <a:off x="457200" y="2651760"/>
             <a:ext cx="3931920" cy="548640"/>
           </a:xfrm>
-          <a:prstGeom prst="roundRect">
-            <a:avLst/>
-          </a:prstGeom>
-          <a:solidFill>
-            <a:srgbClr val="F0F5FF"/>
-          </a:solidFill>
-          <a:ln w="25400">
-            <a:solidFill>
-              <a:srgbClr val="2563EB"/>
-            </a:solidFill>
-          </a:ln>
-        </p:spPr>
-        <p:style>
-          <a:lnRef idx="1">
-            <a:schemeClr val="accent1"/>
-          </a:lnRef>
-          <a:fillRef idx="3">
-            <a:schemeClr val="accent1"/>
-          </a:fillRef>
-          <a:effectRef idx="2">
-            <a:schemeClr val="accent1"/>
-          </a:effectRef>
-          <a:fontRef idx="minor">
-            <a:schemeClr val="lt1"/>
-          </a:fontRef>
-        </p:style>
-        <p:txBody>
-          <a:bodyPr rtlCol="0" anchor="ctr" wrap="square" lIns="137160" rIns="137160" tIns="91440" bIns="91440"/>
+          <a:prstGeom prst="rect">
+            <a:avLst/>
+          </a:prstGeom>
+          <a:noFill/>
+        </p:spPr>
+        <p:txBody>
+          <a:bodyPr wrap="square" lIns="137160" rIns="137160" tIns="91440" bIns="91440">
+            <a:spAutoFit/>
+          </a:bodyPr>
           <a:lstStyle/>
           <a:p>
             <a:pPr algn="l">
-              <a:defRPr sz="1600">
-                <a:solidFill>
-                  <a:srgbClr val="111827"/>
+              <a:defRPr sz="1800" b="1">
+                <a:solidFill>
+                  <a:srgbClr val="2563EB"/>
                 </a:solidFill>
               </a:defRPr>
             </a:pPr>
@@ -5002,8 +4850,8 @@
       </p:sp>
       <p:sp>
         <p:nvSpPr>
-          <p:cNvPr id="8" name="Rounded Rectangle 7"/>
-          <p:cNvSpPr/>
+          <p:cNvPr id="8" name="TextBox 7"/>
+          <p:cNvSpPr txBox="1"/>
           <p:nvPr/>
         </p:nvSpPr>
         <p:spPr>
@@ -5011,40 +4859,21 @@
             <a:off x="4846320" y="2651760"/>
             <a:ext cx="3931920" cy="548640"/>
           </a:xfrm>
-          <a:prstGeom prst="roundRect">
-            <a:avLst/>
-          </a:prstGeom>
-          <a:solidFill>
-            <a:srgbClr val="F0F5FF"/>
-          </a:solidFill>
-          <a:ln w="25400">
-            <a:solidFill>
-              <a:srgbClr val="2563EB"/>
-            </a:solidFill>
-          </a:ln>
-        </p:spPr>
-        <p:style>
-          <a:lnRef idx="1">
-            <a:schemeClr val="accent1"/>
-          </a:lnRef>
-          <a:fillRef idx="3">
-            <a:schemeClr val="accent1"/>
-          </a:fillRef>
-          <a:effectRef idx="2">
-            <a:schemeClr val="accent1"/>
-          </a:effectRef>
-          <a:fontRef idx="minor">
-            <a:schemeClr val="lt1"/>
-          </a:fontRef>
-        </p:style>
-        <p:txBody>
-          <a:bodyPr rtlCol="0" anchor="ctr" wrap="square" lIns="137160" rIns="137160" tIns="91440" bIns="91440"/>
+          <a:prstGeom prst="rect">
+            <a:avLst/>
+          </a:prstGeom>
+          <a:noFill/>
+        </p:spPr>
+        <p:txBody>
+          <a:bodyPr wrap="square" lIns="137160" rIns="137160" tIns="91440" bIns="91440">
+            <a:spAutoFit/>
+          </a:bodyPr>
           <a:lstStyle/>
           <a:p>
             <a:pPr algn="l">
-              <a:defRPr sz="1600">
-                <a:solidFill>
-                  <a:srgbClr val="111827"/>
+              <a:defRPr sz="1800" b="1">
+                <a:solidFill>
+                  <a:srgbClr val="2563EB"/>
                 </a:solidFill>
               </a:defRPr>
             </a:pPr>
@@ -5056,8 +4885,8 @@
       </p:sp>
       <p:sp>
         <p:nvSpPr>
-          <p:cNvPr id="9" name="Rounded Rectangle 8"/>
-          <p:cNvSpPr/>
+          <p:cNvPr id="9" name="TextBox 8"/>
+          <p:cNvSpPr txBox="1"/>
           <p:nvPr/>
         </p:nvSpPr>
         <p:spPr>
@@ -5065,40 +4894,21 @@
             <a:off x="457200" y="3291840"/>
             <a:ext cx="3931920" cy="548640"/>
           </a:xfrm>
-          <a:prstGeom prst="roundRect">
-            <a:avLst/>
-          </a:prstGeom>
-          <a:solidFill>
-            <a:srgbClr val="F0F5FF"/>
-          </a:solidFill>
-          <a:ln w="25400">
-            <a:solidFill>
-              <a:srgbClr val="2563EB"/>
-            </a:solidFill>
-          </a:ln>
-        </p:spPr>
-        <p:style>
-          <a:lnRef idx="1">
-            <a:schemeClr val="accent1"/>
-          </a:lnRef>
-          <a:fillRef idx="3">
-            <a:schemeClr val="accent1"/>
-          </a:fillRef>
-          <a:effectRef idx="2">
-            <a:schemeClr val="accent1"/>
-          </a:effectRef>
-          <a:fontRef idx="minor">
-            <a:schemeClr val="lt1"/>
-          </a:fontRef>
-        </p:style>
-        <p:txBody>
-          <a:bodyPr rtlCol="0" anchor="ctr" wrap="square" lIns="137160" rIns="137160" tIns="91440" bIns="91440"/>
+          <a:prstGeom prst="rect">
+            <a:avLst/>
+          </a:prstGeom>
+          <a:noFill/>
+        </p:spPr>
+        <p:txBody>
+          <a:bodyPr wrap="square" lIns="137160" rIns="137160" tIns="91440" bIns="91440">
+            <a:spAutoFit/>
+          </a:bodyPr>
           <a:lstStyle/>
           <a:p>
             <a:pPr algn="l">
-              <a:defRPr sz="1600">
-                <a:solidFill>
-                  <a:srgbClr val="111827"/>
+              <a:defRPr sz="1800" b="1">
+                <a:solidFill>
+                  <a:srgbClr val="2563EB"/>
                 </a:solidFill>
               </a:defRPr>
             </a:pPr>
@@ -5110,8 +4920,8 @@
       </p:sp>
       <p:sp>
         <p:nvSpPr>
-          <p:cNvPr id="10" name="Rounded Rectangle 9"/>
-          <p:cNvSpPr/>
+          <p:cNvPr id="10" name="TextBox 9"/>
+          <p:cNvSpPr txBox="1"/>
           <p:nvPr/>
         </p:nvSpPr>
         <p:spPr>
@@ -5119,40 +4929,21 @@
             <a:off x="4846320" y="3291840"/>
             <a:ext cx="3931920" cy="548640"/>
           </a:xfrm>
-          <a:prstGeom prst="roundRect">
-            <a:avLst/>
-          </a:prstGeom>
-          <a:solidFill>
-            <a:srgbClr val="F0F5FF"/>
-          </a:solidFill>
-          <a:ln w="25400">
-            <a:solidFill>
-              <a:srgbClr val="2563EB"/>
-            </a:solidFill>
-          </a:ln>
-        </p:spPr>
-        <p:style>
-          <a:lnRef idx="1">
-            <a:schemeClr val="accent1"/>
-          </a:lnRef>
-          <a:fillRef idx="3">
-            <a:schemeClr val="accent1"/>
-          </a:fillRef>
-          <a:effectRef idx="2">
-            <a:schemeClr val="accent1"/>
-          </a:effectRef>
-          <a:fontRef idx="minor">
-            <a:schemeClr val="lt1"/>
-          </a:fontRef>
-        </p:style>
-        <p:txBody>
-          <a:bodyPr rtlCol="0" anchor="ctr" wrap="square" lIns="137160" rIns="137160" tIns="91440" bIns="91440"/>
+          <a:prstGeom prst="rect">
+            <a:avLst/>
+          </a:prstGeom>
+          <a:noFill/>
+        </p:spPr>
+        <p:txBody>
+          <a:bodyPr wrap="square" lIns="137160" rIns="137160" tIns="91440" bIns="91440">
+            <a:spAutoFit/>
+          </a:bodyPr>
           <a:lstStyle/>
           <a:p>
             <a:pPr algn="l">
-              <a:defRPr sz="1600">
-                <a:solidFill>
-                  <a:srgbClr val="111827"/>
+              <a:defRPr sz="1800" b="1">
+                <a:solidFill>
+                  <a:srgbClr val="2563EB"/>
                 </a:solidFill>
               </a:defRPr>
             </a:pPr>
@@ -5164,8 +4955,8 @@
       </p:sp>
       <p:sp>
         <p:nvSpPr>
-          <p:cNvPr id="11" name="Rounded Rectangle 10"/>
-          <p:cNvSpPr/>
+          <p:cNvPr id="11" name="TextBox 10"/>
+          <p:cNvSpPr txBox="1"/>
           <p:nvPr/>
         </p:nvSpPr>
         <p:spPr>
@@ -5173,40 +4964,21 @@
             <a:off x="457200" y="3931920"/>
             <a:ext cx="3931920" cy="548640"/>
           </a:xfrm>
-          <a:prstGeom prst="roundRect">
-            <a:avLst/>
-          </a:prstGeom>
-          <a:solidFill>
-            <a:srgbClr val="F0F5FF"/>
-          </a:solidFill>
-          <a:ln w="25400">
-            <a:solidFill>
-              <a:srgbClr val="2563EB"/>
-            </a:solidFill>
-          </a:ln>
-        </p:spPr>
-        <p:style>
-          <a:lnRef idx="1">
-            <a:schemeClr val="accent1"/>
-          </a:lnRef>
-          <a:fillRef idx="3">
-            <a:schemeClr val="accent1"/>
-          </a:fillRef>
-          <a:effectRef idx="2">
-            <a:schemeClr val="accent1"/>
-          </a:effectRef>
-          <a:fontRef idx="minor">
-            <a:schemeClr val="lt1"/>
-          </a:fontRef>
-        </p:style>
-        <p:txBody>
-          <a:bodyPr rtlCol="0" anchor="ctr" wrap="square" lIns="137160" rIns="137160" tIns="91440" bIns="91440"/>
+          <a:prstGeom prst="rect">
+            <a:avLst/>
+          </a:prstGeom>
+          <a:noFill/>
+        </p:spPr>
+        <p:txBody>
+          <a:bodyPr wrap="square" lIns="137160" rIns="137160" tIns="91440" bIns="91440">
+            <a:spAutoFit/>
+          </a:bodyPr>
           <a:lstStyle/>
           <a:p>
             <a:pPr algn="l">
-              <a:defRPr sz="1600">
-                <a:solidFill>
-                  <a:srgbClr val="111827"/>
+              <a:defRPr sz="1800" b="1">
+                <a:solidFill>
+                  <a:srgbClr val="2563EB"/>
                 </a:solidFill>
               </a:defRPr>
             </a:pPr>
@@ -5376,8 +5148,8 @@
       </p:sp>
       <p:sp>
         <p:nvSpPr>
-          <p:cNvPr id="6" name="Rounded Rectangle 5"/>
-          <p:cNvSpPr/>
+          <p:cNvPr id="6" name="TextBox 5"/>
+          <p:cNvSpPr txBox="1"/>
           <p:nvPr/>
         </p:nvSpPr>
         <p:spPr>
@@ -5385,40 +5157,21 @@
             <a:off x="1371600" y="5029200"/>
             <a:ext cx="6400800" cy="457200"/>
           </a:xfrm>
-          <a:prstGeom prst="roundRect">
-            <a:avLst/>
-          </a:prstGeom>
-          <a:solidFill>
-            <a:srgbClr val="F0F5FF"/>
-          </a:solidFill>
-          <a:ln w="25400">
-            <a:solidFill>
-              <a:srgbClr val="2563EB"/>
-            </a:solidFill>
-          </a:ln>
-        </p:spPr>
-        <p:style>
-          <a:lnRef idx="1">
-            <a:schemeClr val="accent1"/>
-          </a:lnRef>
-          <a:fillRef idx="3">
-            <a:schemeClr val="accent1"/>
-          </a:fillRef>
-          <a:effectRef idx="2">
-            <a:schemeClr val="accent1"/>
-          </a:effectRef>
-          <a:fontRef idx="minor">
-            <a:schemeClr val="lt1"/>
-          </a:fontRef>
-        </p:style>
-        <p:txBody>
-          <a:bodyPr rtlCol="0" anchor="ctr" wrap="square" lIns="137160" rIns="137160" tIns="91440" bIns="91440"/>
+          <a:prstGeom prst="rect">
+            <a:avLst/>
+          </a:prstGeom>
+          <a:noFill/>
+        </p:spPr>
+        <p:txBody>
+          <a:bodyPr wrap="square" lIns="137160" rIns="137160" tIns="91440" bIns="91440">
+            <a:spAutoFit/>
+          </a:bodyPr>
           <a:lstStyle/>
           <a:p>
             <a:pPr algn="l">
-              <a:defRPr sz="1600">
-                <a:solidFill>
-                  <a:srgbClr val="111827"/>
+              <a:defRPr sz="1800" b="1">
+                <a:solidFill>
+                  <a:srgbClr val="2563EB"/>
                 </a:solidFill>
               </a:defRPr>
             </a:pPr>
@@ -5430,8 +5183,8 @@
       </p:sp>
       <p:sp>
         <p:nvSpPr>
-          <p:cNvPr id="7" name="Rounded Rectangle 6"/>
-          <p:cNvSpPr/>
+          <p:cNvPr id="7" name="TextBox 6"/>
+          <p:cNvSpPr txBox="1"/>
           <p:nvPr/>
         </p:nvSpPr>
         <p:spPr>
@@ -5439,40 +5192,21 @@
             <a:off x="1371600" y="5577840"/>
             <a:ext cx="6400800" cy="457200"/>
           </a:xfrm>
-          <a:prstGeom prst="roundRect">
-            <a:avLst/>
-          </a:prstGeom>
-          <a:solidFill>
-            <a:srgbClr val="F0F5FF"/>
-          </a:solidFill>
-          <a:ln w="25400">
-            <a:solidFill>
-              <a:srgbClr val="2563EB"/>
-            </a:solidFill>
-          </a:ln>
-        </p:spPr>
-        <p:style>
-          <a:lnRef idx="1">
-            <a:schemeClr val="accent1"/>
-          </a:lnRef>
-          <a:fillRef idx="3">
-            <a:schemeClr val="accent1"/>
-          </a:fillRef>
-          <a:effectRef idx="2">
-            <a:schemeClr val="accent1"/>
-          </a:effectRef>
-          <a:fontRef idx="minor">
-            <a:schemeClr val="lt1"/>
-          </a:fontRef>
-        </p:style>
-        <p:txBody>
-          <a:bodyPr rtlCol="0" anchor="ctr" wrap="square" lIns="137160" rIns="137160" tIns="91440" bIns="91440"/>
+          <a:prstGeom prst="rect">
+            <a:avLst/>
+          </a:prstGeom>
+          <a:noFill/>
+        </p:spPr>
+        <p:txBody>
+          <a:bodyPr wrap="square" lIns="137160" rIns="137160" tIns="91440" bIns="91440">
+            <a:spAutoFit/>
+          </a:bodyPr>
           <a:lstStyle/>
           <a:p>
             <a:pPr algn="l">
-              <a:defRPr sz="1600">
-                <a:solidFill>
-                  <a:srgbClr val="111827"/>
+              <a:defRPr sz="1800" b="1">
+                <a:solidFill>
+                  <a:srgbClr val="2563EB"/>
                 </a:solidFill>
               </a:defRPr>
             </a:pPr>
@@ -5484,8 +5218,8 @@
       </p:sp>
       <p:sp>
         <p:nvSpPr>
-          <p:cNvPr id="8" name="Rounded Rectangle 7"/>
-          <p:cNvSpPr/>
+          <p:cNvPr id="8" name="TextBox 7"/>
+          <p:cNvSpPr txBox="1"/>
           <p:nvPr/>
         </p:nvSpPr>
         <p:spPr>
@@ -5493,40 +5227,21 @@
             <a:off x="1371600" y="6126480"/>
             <a:ext cx="6400800" cy="457200"/>
           </a:xfrm>
-          <a:prstGeom prst="roundRect">
-            <a:avLst/>
-          </a:prstGeom>
-          <a:solidFill>
-            <a:srgbClr val="F0F5FF"/>
-          </a:solidFill>
-          <a:ln w="25400">
-            <a:solidFill>
-              <a:srgbClr val="2563EB"/>
-            </a:solidFill>
-          </a:ln>
-        </p:spPr>
-        <p:style>
-          <a:lnRef idx="1">
-            <a:schemeClr val="accent1"/>
-          </a:lnRef>
-          <a:fillRef idx="3">
-            <a:schemeClr val="accent1"/>
-          </a:fillRef>
-          <a:effectRef idx="2">
-            <a:schemeClr val="accent1"/>
-          </a:effectRef>
-          <a:fontRef idx="minor">
-            <a:schemeClr val="lt1"/>
-          </a:fontRef>
-        </p:style>
-        <p:txBody>
-          <a:bodyPr rtlCol="0" anchor="ctr" wrap="square" lIns="137160" rIns="137160" tIns="91440" bIns="91440"/>
+          <a:prstGeom prst="rect">
+            <a:avLst/>
+          </a:prstGeom>
+          <a:noFill/>
+        </p:spPr>
+        <p:txBody>
+          <a:bodyPr wrap="square" lIns="137160" rIns="137160" tIns="91440" bIns="91440">
+            <a:spAutoFit/>
+          </a:bodyPr>
           <a:lstStyle/>
           <a:p>
             <a:pPr algn="l">
-              <a:defRPr sz="1600">
-                <a:solidFill>
-                  <a:srgbClr val="111827"/>
+              <a:defRPr sz="1800" b="1">
+                <a:solidFill>
+                  <a:srgbClr val="2563EB"/>
                 </a:solidFill>
               </a:defRPr>
             </a:pPr>
@@ -5661,8 +5376,8 @@
       </p:sp>
       <p:sp>
         <p:nvSpPr>
-          <p:cNvPr id="5" name="Rounded Rectangle 4"/>
-          <p:cNvSpPr/>
+          <p:cNvPr id="5" name="TextBox 4"/>
+          <p:cNvSpPr txBox="1"/>
           <p:nvPr/>
         </p:nvSpPr>
         <p:spPr>
@@ -5670,40 +5385,21 @@
             <a:off x="457200" y="2148840"/>
             <a:ext cx="3931920" cy="548640"/>
           </a:xfrm>
-          <a:prstGeom prst="roundRect">
-            <a:avLst/>
-          </a:prstGeom>
-          <a:solidFill>
-            <a:srgbClr val="F0F5FF"/>
-          </a:solidFill>
-          <a:ln w="25400">
-            <a:solidFill>
-              <a:srgbClr val="2563EB"/>
-            </a:solidFill>
-          </a:ln>
-        </p:spPr>
-        <p:style>
-          <a:lnRef idx="1">
-            <a:schemeClr val="accent1"/>
-          </a:lnRef>
-          <a:fillRef idx="3">
-            <a:schemeClr val="accent1"/>
-          </a:fillRef>
-          <a:effectRef idx="2">
-            <a:schemeClr val="accent1"/>
-          </a:effectRef>
-          <a:fontRef idx="minor">
-            <a:schemeClr val="lt1"/>
-          </a:fontRef>
-        </p:style>
-        <p:txBody>
-          <a:bodyPr rtlCol="0" anchor="ctr" wrap="square" lIns="137160" rIns="137160" tIns="91440" bIns="91440"/>
+          <a:prstGeom prst="rect">
+            <a:avLst/>
+          </a:prstGeom>
+          <a:noFill/>
+        </p:spPr>
+        <p:txBody>
+          <a:bodyPr wrap="square" lIns="137160" rIns="137160" tIns="91440" bIns="91440">
+            <a:spAutoFit/>
+          </a:bodyPr>
           <a:lstStyle/>
           <a:p>
             <a:pPr algn="l">
-              <a:defRPr sz="1600">
-                <a:solidFill>
-                  <a:srgbClr val="111827"/>
+              <a:defRPr sz="1800" b="1">
+                <a:solidFill>
+                  <a:srgbClr val="2563EB"/>
                 </a:solidFill>
               </a:defRPr>
             </a:pPr>
@@ -5715,8 +5411,8 @@
       </p:sp>
       <p:sp>
         <p:nvSpPr>
-          <p:cNvPr id="6" name="Rounded Rectangle 5"/>
-          <p:cNvSpPr/>
+          <p:cNvPr id="6" name="TextBox 5"/>
+          <p:cNvSpPr txBox="1"/>
           <p:nvPr/>
         </p:nvSpPr>
         <p:spPr>
@@ -5724,40 +5420,21 @@
             <a:off x="4846320" y="2148840"/>
             <a:ext cx="3931920" cy="548640"/>
           </a:xfrm>
-          <a:prstGeom prst="roundRect">
-            <a:avLst/>
-          </a:prstGeom>
-          <a:solidFill>
-            <a:srgbClr val="F0F5FF"/>
-          </a:solidFill>
-          <a:ln w="25400">
-            <a:solidFill>
-              <a:srgbClr val="2563EB"/>
-            </a:solidFill>
-          </a:ln>
-        </p:spPr>
-        <p:style>
-          <a:lnRef idx="1">
-            <a:schemeClr val="accent1"/>
-          </a:lnRef>
-          <a:fillRef idx="3">
-            <a:schemeClr val="accent1"/>
-          </a:fillRef>
-          <a:effectRef idx="2">
-            <a:schemeClr val="accent1"/>
-          </a:effectRef>
-          <a:fontRef idx="minor">
-            <a:schemeClr val="lt1"/>
-          </a:fontRef>
-        </p:style>
-        <p:txBody>
-          <a:bodyPr rtlCol="0" anchor="ctr" wrap="square" lIns="137160" rIns="137160" tIns="91440" bIns="91440"/>
+          <a:prstGeom prst="rect">
+            <a:avLst/>
+          </a:prstGeom>
+          <a:noFill/>
+        </p:spPr>
+        <p:txBody>
+          <a:bodyPr wrap="square" lIns="137160" rIns="137160" tIns="91440" bIns="91440">
+            <a:spAutoFit/>
+          </a:bodyPr>
           <a:lstStyle/>
           <a:p>
             <a:pPr algn="l">
-              <a:defRPr sz="1600">
-                <a:solidFill>
-                  <a:srgbClr val="111827"/>
+              <a:defRPr sz="1800" b="1">
+                <a:solidFill>
+                  <a:srgbClr val="2563EB"/>
                 </a:solidFill>
               </a:defRPr>
             </a:pPr>
@@ -5769,8 +5446,8 @@
       </p:sp>
       <p:sp>
         <p:nvSpPr>
-          <p:cNvPr id="7" name="Rounded Rectangle 6"/>
-          <p:cNvSpPr/>
+          <p:cNvPr id="7" name="TextBox 6"/>
+          <p:cNvSpPr txBox="1"/>
           <p:nvPr/>
         </p:nvSpPr>
         <p:spPr>
@@ -5778,40 +5455,21 @@
             <a:off x="457200" y="2788920"/>
             <a:ext cx="3931920" cy="548640"/>
           </a:xfrm>
-          <a:prstGeom prst="roundRect">
-            <a:avLst/>
-          </a:prstGeom>
-          <a:solidFill>
-            <a:srgbClr val="F0F5FF"/>
-          </a:solidFill>
-          <a:ln w="25400">
-            <a:solidFill>
-              <a:srgbClr val="2563EB"/>
-            </a:solidFill>
-          </a:ln>
-        </p:spPr>
-        <p:style>
-          <a:lnRef idx="1">
-            <a:schemeClr val="accent1"/>
-          </a:lnRef>
-          <a:fillRef idx="3">
-            <a:schemeClr val="accent1"/>
-          </a:fillRef>
-          <a:effectRef idx="2">
-            <a:schemeClr val="accent1"/>
-          </a:effectRef>
-          <a:fontRef idx="minor">
-            <a:schemeClr val="lt1"/>
-          </a:fontRef>
-        </p:style>
-        <p:txBody>
-          <a:bodyPr rtlCol="0" anchor="ctr" wrap="square" lIns="137160" rIns="137160" tIns="91440" bIns="91440"/>
+          <a:prstGeom prst="rect">
+            <a:avLst/>
+          </a:prstGeom>
+          <a:noFill/>
+        </p:spPr>
+        <p:txBody>
+          <a:bodyPr wrap="square" lIns="137160" rIns="137160" tIns="91440" bIns="91440">
+            <a:spAutoFit/>
+          </a:bodyPr>
           <a:lstStyle/>
           <a:p>
             <a:pPr algn="l">
-              <a:defRPr sz="1600">
-                <a:solidFill>
-                  <a:srgbClr val="111827"/>
+              <a:defRPr sz="1800" b="1">
+                <a:solidFill>
+                  <a:srgbClr val="2563EB"/>
                 </a:solidFill>
               </a:defRPr>
             </a:pPr>
@@ -5823,8 +5481,8 @@
       </p:sp>
       <p:sp>
         <p:nvSpPr>
-          <p:cNvPr id="8" name="Rounded Rectangle 7"/>
-          <p:cNvSpPr/>
+          <p:cNvPr id="8" name="TextBox 7"/>
+          <p:cNvSpPr txBox="1"/>
           <p:nvPr/>
         </p:nvSpPr>
         <p:spPr>
@@ -5832,40 +5490,21 @@
             <a:off x="4846320" y="2788920"/>
             <a:ext cx="3931920" cy="548640"/>
           </a:xfrm>
-          <a:prstGeom prst="roundRect">
-            <a:avLst/>
-          </a:prstGeom>
-          <a:solidFill>
-            <a:srgbClr val="F0F5FF"/>
-          </a:solidFill>
-          <a:ln w="25400">
-            <a:solidFill>
-              <a:srgbClr val="2563EB"/>
-            </a:solidFill>
-          </a:ln>
-        </p:spPr>
-        <p:style>
-          <a:lnRef idx="1">
-            <a:schemeClr val="accent1"/>
-          </a:lnRef>
-          <a:fillRef idx="3">
-            <a:schemeClr val="accent1"/>
-          </a:fillRef>
-          <a:effectRef idx="2">
-            <a:schemeClr val="accent1"/>
-          </a:effectRef>
-          <a:fontRef idx="minor">
-            <a:schemeClr val="lt1"/>
-          </a:fontRef>
-        </p:style>
-        <p:txBody>
-          <a:bodyPr rtlCol="0" anchor="ctr" wrap="square" lIns="137160" rIns="137160" tIns="91440" bIns="91440"/>
+          <a:prstGeom prst="rect">
+            <a:avLst/>
+          </a:prstGeom>
+          <a:noFill/>
+        </p:spPr>
+        <p:txBody>
+          <a:bodyPr wrap="square" lIns="137160" rIns="137160" tIns="91440" bIns="91440">
+            <a:spAutoFit/>
+          </a:bodyPr>
           <a:lstStyle/>
           <a:p>
             <a:pPr algn="l">
-              <a:defRPr sz="1600">
-                <a:solidFill>
-                  <a:srgbClr val="111827"/>
+              <a:defRPr sz="1800" b="1">
+                <a:solidFill>
+                  <a:srgbClr val="2563EB"/>
                 </a:solidFill>
               </a:defRPr>
             </a:pPr>
@@ -5877,8 +5516,8 @@
       </p:sp>
       <p:sp>
         <p:nvSpPr>
-          <p:cNvPr id="9" name="Rounded Rectangle 8"/>
-          <p:cNvSpPr/>
+          <p:cNvPr id="9" name="TextBox 8"/>
+          <p:cNvSpPr txBox="1"/>
           <p:nvPr/>
         </p:nvSpPr>
         <p:spPr>
@@ -5886,40 +5525,21 @@
             <a:off x="457200" y="3429000"/>
             <a:ext cx="3931920" cy="548640"/>
           </a:xfrm>
-          <a:prstGeom prst="roundRect">
-            <a:avLst/>
-          </a:prstGeom>
-          <a:solidFill>
-            <a:srgbClr val="F0F5FF"/>
-          </a:solidFill>
-          <a:ln w="25400">
-            <a:solidFill>
-              <a:srgbClr val="2563EB"/>
-            </a:solidFill>
-          </a:ln>
-        </p:spPr>
-        <p:style>
-          <a:lnRef idx="1">
-            <a:schemeClr val="accent1"/>
-          </a:lnRef>
-          <a:fillRef idx="3">
-            <a:schemeClr val="accent1"/>
-          </a:fillRef>
-          <a:effectRef idx="2">
-            <a:schemeClr val="accent1"/>
-          </a:effectRef>
-          <a:fontRef idx="minor">
-            <a:schemeClr val="lt1"/>
-          </a:fontRef>
-        </p:style>
-        <p:txBody>
-          <a:bodyPr rtlCol="0" anchor="ctr" wrap="square" lIns="137160" rIns="137160" tIns="91440" bIns="91440"/>
+          <a:prstGeom prst="rect">
+            <a:avLst/>
+          </a:prstGeom>
+          <a:noFill/>
+        </p:spPr>
+        <p:txBody>
+          <a:bodyPr wrap="square" lIns="137160" rIns="137160" tIns="91440" bIns="91440">
+            <a:spAutoFit/>
+          </a:bodyPr>
           <a:lstStyle/>
           <a:p>
             <a:pPr algn="l">
-              <a:defRPr sz="1600">
-                <a:solidFill>
-                  <a:srgbClr val="111827"/>
+              <a:defRPr sz="1800" b="1">
+                <a:solidFill>
+                  <a:srgbClr val="2563EB"/>
                 </a:solidFill>
               </a:defRPr>
             </a:pPr>
@@ -5931,8 +5551,8 @@
       </p:sp>
       <p:sp>
         <p:nvSpPr>
-          <p:cNvPr id="10" name="Rounded Rectangle 9"/>
-          <p:cNvSpPr/>
+          <p:cNvPr id="10" name="TextBox 9"/>
+          <p:cNvSpPr txBox="1"/>
           <p:nvPr/>
         </p:nvSpPr>
         <p:spPr>
@@ -5940,40 +5560,21 @@
             <a:off x="457200" y="4069080"/>
             <a:ext cx="3931920" cy="548640"/>
           </a:xfrm>
-          <a:prstGeom prst="roundRect">
-            <a:avLst/>
-          </a:prstGeom>
-          <a:solidFill>
-            <a:srgbClr val="F0F5FF"/>
-          </a:solidFill>
-          <a:ln w="25400">
-            <a:solidFill>
-              <a:srgbClr val="2563EB"/>
-            </a:solidFill>
-          </a:ln>
-        </p:spPr>
-        <p:style>
-          <a:lnRef idx="1">
-            <a:schemeClr val="accent1"/>
-          </a:lnRef>
-          <a:fillRef idx="3">
-            <a:schemeClr val="accent1"/>
-          </a:fillRef>
-          <a:effectRef idx="2">
-            <a:schemeClr val="accent1"/>
-          </a:effectRef>
-          <a:fontRef idx="minor">
-            <a:schemeClr val="lt1"/>
-          </a:fontRef>
-        </p:style>
-        <p:txBody>
-          <a:bodyPr rtlCol="0" anchor="ctr" wrap="square" lIns="137160" rIns="137160" tIns="91440" bIns="91440"/>
+          <a:prstGeom prst="rect">
+            <a:avLst/>
+          </a:prstGeom>
+          <a:noFill/>
+        </p:spPr>
+        <p:txBody>
+          <a:bodyPr wrap="square" lIns="137160" rIns="137160" tIns="91440" bIns="91440">
+            <a:spAutoFit/>
+          </a:bodyPr>
           <a:lstStyle/>
           <a:p>
             <a:pPr algn="l">
-              <a:defRPr sz="1600">
-                <a:solidFill>
-                  <a:srgbClr val="111827"/>
+              <a:defRPr sz="1800" b="1">
+                <a:solidFill>
+                  <a:srgbClr val="2563EB"/>
                 </a:solidFill>
               </a:defRPr>
             </a:pPr>
@@ -5985,8 +5586,8 @@
       </p:sp>
       <p:sp>
         <p:nvSpPr>
-          <p:cNvPr id="11" name="Rounded Rectangle 10"/>
-          <p:cNvSpPr/>
+          <p:cNvPr id="11" name="TextBox 10"/>
+          <p:cNvSpPr txBox="1"/>
           <p:nvPr/>
         </p:nvSpPr>
         <p:spPr>
@@ -5994,40 +5595,21 @@
             <a:off x="4846320" y="4069080"/>
             <a:ext cx="3931920" cy="548640"/>
           </a:xfrm>
-          <a:prstGeom prst="roundRect">
-            <a:avLst/>
-          </a:prstGeom>
-          <a:solidFill>
-            <a:srgbClr val="F0F5FF"/>
-          </a:solidFill>
-          <a:ln w="25400">
-            <a:solidFill>
-              <a:srgbClr val="2563EB"/>
-            </a:solidFill>
-          </a:ln>
-        </p:spPr>
-        <p:style>
-          <a:lnRef idx="1">
-            <a:schemeClr val="accent1"/>
-          </a:lnRef>
-          <a:fillRef idx="3">
-            <a:schemeClr val="accent1"/>
-          </a:fillRef>
-          <a:effectRef idx="2">
-            <a:schemeClr val="accent1"/>
-          </a:effectRef>
-          <a:fontRef idx="minor">
-            <a:schemeClr val="lt1"/>
-          </a:fontRef>
-        </p:style>
-        <p:txBody>
-          <a:bodyPr rtlCol="0" anchor="ctr" wrap="square" lIns="137160" rIns="137160" tIns="91440" bIns="91440"/>
+          <a:prstGeom prst="rect">
+            <a:avLst/>
+          </a:prstGeom>
+          <a:noFill/>
+        </p:spPr>
+        <p:txBody>
+          <a:bodyPr wrap="square" lIns="137160" rIns="137160" tIns="91440" bIns="91440">
+            <a:spAutoFit/>
+          </a:bodyPr>
           <a:lstStyle/>
           <a:p>
             <a:pPr algn="l">
-              <a:defRPr sz="1600">
-                <a:solidFill>
-                  <a:srgbClr val="111827"/>
+              <a:defRPr sz="1800" b="1">
+                <a:solidFill>
+                  <a:srgbClr val="2563EB"/>
                 </a:solidFill>
               </a:defRPr>
             </a:pPr>
@@ -6162,8 +5744,8 @@
       </p:sp>
       <p:sp>
         <p:nvSpPr>
-          <p:cNvPr id="5" name="Rounded Rectangle 4"/>
-          <p:cNvSpPr/>
+          <p:cNvPr id="5" name="TextBox 4"/>
+          <p:cNvSpPr txBox="1"/>
           <p:nvPr/>
         </p:nvSpPr>
         <p:spPr>
@@ -6171,40 +5753,21 @@
             <a:off x="457200" y="2148840"/>
             <a:ext cx="3931920" cy="548640"/>
           </a:xfrm>
-          <a:prstGeom prst="roundRect">
-            <a:avLst/>
-          </a:prstGeom>
-          <a:solidFill>
-            <a:srgbClr val="F0F5FF"/>
-          </a:solidFill>
-          <a:ln w="25400">
-            <a:solidFill>
-              <a:srgbClr val="2563EB"/>
-            </a:solidFill>
-          </a:ln>
-        </p:spPr>
-        <p:style>
-          <a:lnRef idx="1">
-            <a:schemeClr val="accent1"/>
-          </a:lnRef>
-          <a:fillRef idx="3">
-            <a:schemeClr val="accent1"/>
-          </a:fillRef>
-          <a:effectRef idx="2">
-            <a:schemeClr val="accent1"/>
-          </a:effectRef>
-          <a:fontRef idx="minor">
-            <a:schemeClr val="lt1"/>
-          </a:fontRef>
-        </p:style>
-        <p:txBody>
-          <a:bodyPr rtlCol="0" anchor="ctr" wrap="square" lIns="137160" rIns="137160" tIns="91440" bIns="91440"/>
+          <a:prstGeom prst="rect">
+            <a:avLst/>
+          </a:prstGeom>
+          <a:noFill/>
+        </p:spPr>
+        <p:txBody>
+          <a:bodyPr wrap="square" lIns="137160" rIns="137160" tIns="91440" bIns="91440">
+            <a:spAutoFit/>
+          </a:bodyPr>
           <a:lstStyle/>
           <a:p>
             <a:pPr algn="l">
-              <a:defRPr sz="1600">
-                <a:solidFill>
-                  <a:srgbClr val="111827"/>
+              <a:defRPr sz="1800" b="1">
+                <a:solidFill>
+                  <a:srgbClr val="2563EB"/>
                 </a:solidFill>
               </a:defRPr>
             </a:pPr>
@@ -6216,8 +5779,8 @@
       </p:sp>
       <p:sp>
         <p:nvSpPr>
-          <p:cNvPr id="6" name="Rounded Rectangle 5"/>
-          <p:cNvSpPr/>
+          <p:cNvPr id="6" name="TextBox 5"/>
+          <p:cNvSpPr txBox="1"/>
           <p:nvPr/>
         </p:nvSpPr>
         <p:spPr>
@@ -6225,40 +5788,21 @@
             <a:off x="4846320" y="2148840"/>
             <a:ext cx="3931920" cy="548640"/>
           </a:xfrm>
-          <a:prstGeom prst="roundRect">
-            <a:avLst/>
-          </a:prstGeom>
-          <a:solidFill>
-            <a:srgbClr val="F0F5FF"/>
-          </a:solidFill>
-          <a:ln w="25400">
-            <a:solidFill>
-              <a:srgbClr val="2563EB"/>
-            </a:solidFill>
-          </a:ln>
-        </p:spPr>
-        <p:style>
-          <a:lnRef idx="1">
-            <a:schemeClr val="accent1"/>
-          </a:lnRef>
-          <a:fillRef idx="3">
-            <a:schemeClr val="accent1"/>
-          </a:fillRef>
-          <a:effectRef idx="2">
-            <a:schemeClr val="accent1"/>
-          </a:effectRef>
-          <a:fontRef idx="minor">
-            <a:schemeClr val="lt1"/>
-          </a:fontRef>
-        </p:style>
-        <p:txBody>
-          <a:bodyPr rtlCol="0" anchor="ctr" wrap="square" lIns="137160" rIns="137160" tIns="91440" bIns="91440"/>
+          <a:prstGeom prst="rect">
+            <a:avLst/>
+          </a:prstGeom>
+          <a:noFill/>
+        </p:spPr>
+        <p:txBody>
+          <a:bodyPr wrap="square" lIns="137160" rIns="137160" tIns="91440" bIns="91440">
+            <a:spAutoFit/>
+          </a:bodyPr>
           <a:lstStyle/>
           <a:p>
             <a:pPr algn="l">
-              <a:defRPr sz="1600">
-                <a:solidFill>
-                  <a:srgbClr val="111827"/>
+              <a:defRPr sz="1800" b="1">
+                <a:solidFill>
+                  <a:srgbClr val="2563EB"/>
                 </a:solidFill>
               </a:defRPr>
             </a:pPr>
@@ -6270,8 +5814,8 @@
       </p:sp>
       <p:sp>
         <p:nvSpPr>
-          <p:cNvPr id="7" name="Rounded Rectangle 6"/>
-          <p:cNvSpPr/>
+          <p:cNvPr id="7" name="TextBox 6"/>
+          <p:cNvSpPr txBox="1"/>
           <p:nvPr/>
         </p:nvSpPr>
         <p:spPr>
@@ -6279,40 +5823,21 @@
             <a:off x="457200" y="2788920"/>
             <a:ext cx="3931920" cy="548640"/>
           </a:xfrm>
-          <a:prstGeom prst="roundRect">
-            <a:avLst/>
-          </a:prstGeom>
-          <a:solidFill>
-            <a:srgbClr val="F0F5FF"/>
-          </a:solidFill>
-          <a:ln w="25400">
-            <a:solidFill>
-              <a:srgbClr val="2563EB"/>
-            </a:solidFill>
-          </a:ln>
-        </p:spPr>
-        <p:style>
-          <a:lnRef idx="1">
-            <a:schemeClr val="accent1"/>
-          </a:lnRef>
-          <a:fillRef idx="3">
-            <a:schemeClr val="accent1"/>
-          </a:fillRef>
-          <a:effectRef idx="2">
-            <a:schemeClr val="accent1"/>
-          </a:effectRef>
-          <a:fontRef idx="minor">
-            <a:schemeClr val="lt1"/>
-          </a:fontRef>
-        </p:style>
-        <p:txBody>
-          <a:bodyPr rtlCol="0" anchor="ctr" wrap="square" lIns="137160" rIns="137160" tIns="91440" bIns="91440"/>
+          <a:prstGeom prst="rect">
+            <a:avLst/>
+          </a:prstGeom>
+          <a:noFill/>
+        </p:spPr>
+        <p:txBody>
+          <a:bodyPr wrap="square" lIns="137160" rIns="137160" tIns="91440" bIns="91440">
+            <a:spAutoFit/>
+          </a:bodyPr>
           <a:lstStyle/>
           <a:p>
             <a:pPr algn="l">
-              <a:defRPr sz="1600">
-                <a:solidFill>
-                  <a:srgbClr val="111827"/>
+              <a:defRPr sz="1800" b="1">
+                <a:solidFill>
+                  <a:srgbClr val="2563EB"/>
                 </a:solidFill>
               </a:defRPr>
             </a:pPr>
@@ -6324,8 +5849,8 @@
       </p:sp>
       <p:sp>
         <p:nvSpPr>
-          <p:cNvPr id="8" name="Rounded Rectangle 7"/>
-          <p:cNvSpPr/>
+          <p:cNvPr id="8" name="TextBox 7"/>
+          <p:cNvSpPr txBox="1"/>
           <p:nvPr/>
         </p:nvSpPr>
         <p:spPr>
@@ -6333,40 +5858,21 @@
             <a:off x="4846320" y="2788920"/>
             <a:ext cx="3931920" cy="548640"/>
           </a:xfrm>
-          <a:prstGeom prst="roundRect">
-            <a:avLst/>
-          </a:prstGeom>
-          <a:solidFill>
-            <a:srgbClr val="F0F5FF"/>
-          </a:solidFill>
-          <a:ln w="25400">
-            <a:solidFill>
-              <a:srgbClr val="2563EB"/>
-            </a:solidFill>
-          </a:ln>
-        </p:spPr>
-        <p:style>
-          <a:lnRef idx="1">
-            <a:schemeClr val="accent1"/>
-          </a:lnRef>
-          <a:fillRef idx="3">
-            <a:schemeClr val="accent1"/>
-          </a:fillRef>
-          <a:effectRef idx="2">
-            <a:schemeClr val="accent1"/>
-          </a:effectRef>
-          <a:fontRef idx="minor">
-            <a:schemeClr val="lt1"/>
-          </a:fontRef>
-        </p:style>
-        <p:txBody>
-          <a:bodyPr rtlCol="0" anchor="ctr" wrap="square" lIns="137160" rIns="137160" tIns="91440" bIns="91440"/>
+          <a:prstGeom prst="rect">
+            <a:avLst/>
+          </a:prstGeom>
+          <a:noFill/>
+        </p:spPr>
+        <p:txBody>
+          <a:bodyPr wrap="square" lIns="137160" rIns="137160" tIns="91440" bIns="91440">
+            <a:spAutoFit/>
+          </a:bodyPr>
           <a:lstStyle/>
           <a:p>
             <a:pPr algn="l">
-              <a:defRPr sz="1600">
-                <a:solidFill>
-                  <a:srgbClr val="111827"/>
+              <a:defRPr sz="1800" b="1">
+                <a:solidFill>
+                  <a:srgbClr val="2563EB"/>
                 </a:solidFill>
               </a:defRPr>
             </a:pPr>
@@ -6378,8 +5884,8 @@
       </p:sp>
       <p:sp>
         <p:nvSpPr>
-          <p:cNvPr id="9" name="Rounded Rectangle 8"/>
-          <p:cNvSpPr/>
+          <p:cNvPr id="9" name="TextBox 8"/>
+          <p:cNvSpPr txBox="1"/>
           <p:nvPr/>
         </p:nvSpPr>
         <p:spPr>
@@ -6387,40 +5893,21 @@
             <a:off x="4846320" y="3429000"/>
             <a:ext cx="3931920" cy="548640"/>
           </a:xfrm>
-          <a:prstGeom prst="roundRect">
-            <a:avLst/>
-          </a:prstGeom>
-          <a:solidFill>
-            <a:srgbClr val="F0F5FF"/>
-          </a:solidFill>
-          <a:ln w="25400">
-            <a:solidFill>
-              <a:srgbClr val="2563EB"/>
-            </a:solidFill>
-          </a:ln>
-        </p:spPr>
-        <p:style>
-          <a:lnRef idx="1">
-            <a:schemeClr val="accent1"/>
-          </a:lnRef>
-          <a:fillRef idx="3">
-            <a:schemeClr val="accent1"/>
-          </a:fillRef>
-          <a:effectRef idx="2">
-            <a:schemeClr val="accent1"/>
-          </a:effectRef>
-          <a:fontRef idx="minor">
-            <a:schemeClr val="lt1"/>
-          </a:fontRef>
-        </p:style>
-        <p:txBody>
-          <a:bodyPr rtlCol="0" anchor="ctr" wrap="square" lIns="137160" rIns="137160" tIns="91440" bIns="91440"/>
+          <a:prstGeom prst="rect">
+            <a:avLst/>
+          </a:prstGeom>
+          <a:noFill/>
+        </p:spPr>
+        <p:txBody>
+          <a:bodyPr wrap="square" lIns="137160" rIns="137160" tIns="91440" bIns="91440">
+            <a:spAutoFit/>
+          </a:bodyPr>
           <a:lstStyle/>
           <a:p>
             <a:pPr algn="l">
-              <a:defRPr sz="1600">
-                <a:solidFill>
-                  <a:srgbClr val="111827"/>
+              <a:defRPr sz="1800" b="1">
+                <a:solidFill>
+                  <a:srgbClr val="2563EB"/>
                 </a:solidFill>
               </a:defRPr>
             </a:pPr>
@@ -6432,8 +5919,8 @@
       </p:sp>
       <p:sp>
         <p:nvSpPr>
-          <p:cNvPr id="10" name="Rounded Rectangle 9"/>
-          <p:cNvSpPr/>
+          <p:cNvPr id="10" name="TextBox 9"/>
+          <p:cNvSpPr txBox="1"/>
           <p:nvPr/>
         </p:nvSpPr>
         <p:spPr>
@@ -6441,40 +5928,21 @@
             <a:off x="457200" y="4069080"/>
             <a:ext cx="3931920" cy="548640"/>
           </a:xfrm>
-          <a:prstGeom prst="roundRect">
-            <a:avLst/>
-          </a:prstGeom>
-          <a:solidFill>
-            <a:srgbClr val="F0F5FF"/>
-          </a:solidFill>
-          <a:ln w="25400">
-            <a:solidFill>
-              <a:srgbClr val="2563EB"/>
-            </a:solidFill>
-          </a:ln>
-        </p:spPr>
-        <p:style>
-          <a:lnRef idx="1">
-            <a:schemeClr val="accent1"/>
-          </a:lnRef>
-          <a:fillRef idx="3">
-            <a:schemeClr val="accent1"/>
-          </a:fillRef>
-          <a:effectRef idx="2">
-            <a:schemeClr val="accent1"/>
-          </a:effectRef>
-          <a:fontRef idx="minor">
-            <a:schemeClr val="lt1"/>
-          </a:fontRef>
-        </p:style>
-        <p:txBody>
-          <a:bodyPr rtlCol="0" anchor="ctr" wrap="square" lIns="137160" rIns="137160" tIns="91440" bIns="91440"/>
+          <a:prstGeom prst="rect">
+            <a:avLst/>
+          </a:prstGeom>
+          <a:noFill/>
+        </p:spPr>
+        <p:txBody>
+          <a:bodyPr wrap="square" lIns="137160" rIns="137160" tIns="91440" bIns="91440">
+            <a:spAutoFit/>
+          </a:bodyPr>
           <a:lstStyle/>
           <a:p>
             <a:pPr algn="l">
-              <a:defRPr sz="1600">
-                <a:solidFill>
-                  <a:srgbClr val="111827"/>
+              <a:defRPr sz="1800" b="1">
+                <a:solidFill>
+                  <a:srgbClr val="2563EB"/>
                 </a:solidFill>
               </a:defRPr>
             </a:pPr>
@@ -6486,8 +5954,8 @@
       </p:sp>
       <p:sp>
         <p:nvSpPr>
-          <p:cNvPr id="11" name="Rounded Rectangle 10"/>
-          <p:cNvSpPr/>
+          <p:cNvPr id="11" name="TextBox 10"/>
+          <p:cNvSpPr txBox="1"/>
           <p:nvPr/>
         </p:nvSpPr>
         <p:spPr>
@@ -6495,40 +5963,21 @@
             <a:off x="4846320" y="4069080"/>
             <a:ext cx="3931920" cy="548640"/>
           </a:xfrm>
-          <a:prstGeom prst="roundRect">
-            <a:avLst/>
-          </a:prstGeom>
-          <a:solidFill>
-            <a:srgbClr val="F0F5FF"/>
-          </a:solidFill>
-          <a:ln w="25400">
-            <a:solidFill>
-              <a:srgbClr val="2563EB"/>
-            </a:solidFill>
-          </a:ln>
-        </p:spPr>
-        <p:style>
-          <a:lnRef idx="1">
-            <a:schemeClr val="accent1"/>
-          </a:lnRef>
-          <a:fillRef idx="3">
-            <a:schemeClr val="accent1"/>
-          </a:fillRef>
-          <a:effectRef idx="2">
-            <a:schemeClr val="accent1"/>
-          </a:effectRef>
-          <a:fontRef idx="minor">
-            <a:schemeClr val="lt1"/>
-          </a:fontRef>
-        </p:style>
-        <p:txBody>
-          <a:bodyPr rtlCol="0" anchor="ctr" wrap="square" lIns="137160" rIns="137160" tIns="91440" bIns="91440"/>
+          <a:prstGeom prst="rect">
+            <a:avLst/>
+          </a:prstGeom>
+          <a:noFill/>
+        </p:spPr>
+        <p:txBody>
+          <a:bodyPr wrap="square" lIns="137160" rIns="137160" tIns="91440" bIns="91440">
+            <a:spAutoFit/>
+          </a:bodyPr>
           <a:lstStyle/>
           <a:p>
             <a:pPr algn="l">
-              <a:defRPr sz="1600">
-                <a:solidFill>
-                  <a:srgbClr val="111827"/>
+              <a:defRPr sz="1800" b="1">
+                <a:solidFill>
+                  <a:srgbClr val="2563EB"/>
                 </a:solidFill>
               </a:defRPr>
             </a:pPr>
@@ -6540,8 +5989,8 @@
       </p:sp>
       <p:sp>
         <p:nvSpPr>
-          <p:cNvPr id="12" name="Rounded Rectangle 11"/>
-          <p:cNvSpPr/>
+          <p:cNvPr id="12" name="TextBox 11"/>
+          <p:cNvSpPr txBox="1"/>
           <p:nvPr/>
         </p:nvSpPr>
         <p:spPr>
@@ -6549,40 +5998,21 @@
             <a:off x="457200" y="4709160"/>
             <a:ext cx="3931920" cy="548640"/>
           </a:xfrm>
-          <a:prstGeom prst="roundRect">
-            <a:avLst/>
-          </a:prstGeom>
-          <a:solidFill>
-            <a:srgbClr val="F0F5FF"/>
-          </a:solidFill>
-          <a:ln w="25400">
-            <a:solidFill>
-              <a:srgbClr val="2563EB"/>
-            </a:solidFill>
-          </a:ln>
-        </p:spPr>
-        <p:style>
-          <a:lnRef idx="1">
-            <a:schemeClr val="accent1"/>
-          </a:lnRef>
-          <a:fillRef idx="3">
-            <a:schemeClr val="accent1"/>
-          </a:fillRef>
-          <a:effectRef idx="2">
-            <a:schemeClr val="accent1"/>
-          </a:effectRef>
-          <a:fontRef idx="minor">
-            <a:schemeClr val="lt1"/>
-          </a:fontRef>
-        </p:style>
-        <p:txBody>
-          <a:bodyPr rtlCol="0" anchor="ctr" wrap="square" lIns="137160" rIns="137160" tIns="91440" bIns="91440"/>
+          <a:prstGeom prst="rect">
+            <a:avLst/>
+          </a:prstGeom>
+          <a:noFill/>
+        </p:spPr>
+        <p:txBody>
+          <a:bodyPr wrap="square" lIns="137160" rIns="137160" tIns="91440" bIns="91440">
+            <a:spAutoFit/>
+          </a:bodyPr>
           <a:lstStyle/>
           <a:p>
             <a:pPr algn="l">
-              <a:defRPr sz="1600">
-                <a:solidFill>
-                  <a:srgbClr val="111827"/>
+              <a:defRPr sz="1800" b="1">
+                <a:solidFill>
+                  <a:srgbClr val="2563EB"/>
                 </a:solidFill>
               </a:defRPr>
             </a:pPr>
@@ -6594,8 +6024,8 @@
       </p:sp>
       <p:sp>
         <p:nvSpPr>
-          <p:cNvPr id="13" name="Rounded Rectangle 12"/>
-          <p:cNvSpPr/>
+          <p:cNvPr id="13" name="TextBox 12"/>
+          <p:cNvSpPr txBox="1"/>
           <p:nvPr/>
         </p:nvSpPr>
         <p:spPr>
@@ -6603,40 +6033,21 @@
             <a:off x="457200" y="5349240"/>
             <a:ext cx="3931920" cy="548640"/>
           </a:xfrm>
-          <a:prstGeom prst="roundRect">
-            <a:avLst/>
-          </a:prstGeom>
-          <a:solidFill>
-            <a:srgbClr val="F0F5FF"/>
-          </a:solidFill>
-          <a:ln w="25400">
-            <a:solidFill>
-              <a:srgbClr val="2563EB"/>
-            </a:solidFill>
-          </a:ln>
-        </p:spPr>
-        <p:style>
-          <a:lnRef idx="1">
-            <a:schemeClr val="accent1"/>
-          </a:lnRef>
-          <a:fillRef idx="3">
-            <a:schemeClr val="accent1"/>
-          </a:fillRef>
-          <a:effectRef idx="2">
-            <a:schemeClr val="accent1"/>
-          </a:effectRef>
-          <a:fontRef idx="minor">
-            <a:schemeClr val="lt1"/>
-          </a:fontRef>
-        </p:style>
-        <p:txBody>
-          <a:bodyPr rtlCol="0" anchor="ctr" wrap="square" lIns="137160" rIns="137160" tIns="91440" bIns="91440"/>
+          <a:prstGeom prst="rect">
+            <a:avLst/>
+          </a:prstGeom>
+          <a:noFill/>
+        </p:spPr>
+        <p:txBody>
+          <a:bodyPr wrap="square" lIns="137160" rIns="137160" tIns="91440" bIns="91440">
+            <a:spAutoFit/>
+          </a:bodyPr>
           <a:lstStyle/>
           <a:p>
             <a:pPr algn="l">
-              <a:defRPr sz="1600">
-                <a:solidFill>
-                  <a:srgbClr val="111827"/>
+              <a:defRPr sz="1800" b="1">
+                <a:solidFill>
+                  <a:srgbClr val="2563EB"/>
                 </a:solidFill>
               </a:defRPr>
             </a:pPr>
@@ -6648,8 +6059,8 @@
       </p:sp>
       <p:sp>
         <p:nvSpPr>
-          <p:cNvPr id="14" name="Rounded Rectangle 13"/>
-          <p:cNvSpPr/>
+          <p:cNvPr id="14" name="TextBox 13"/>
+          <p:cNvSpPr txBox="1"/>
           <p:nvPr/>
         </p:nvSpPr>
         <p:spPr>
@@ -6657,40 +6068,21 @@
             <a:off x="4846320" y="5349240"/>
             <a:ext cx="3931920" cy="548640"/>
           </a:xfrm>
-          <a:prstGeom prst="roundRect">
-            <a:avLst/>
-          </a:prstGeom>
-          <a:solidFill>
-            <a:srgbClr val="F0F5FF"/>
-          </a:solidFill>
-          <a:ln w="25400">
-            <a:solidFill>
-              <a:srgbClr val="2563EB"/>
-            </a:solidFill>
-          </a:ln>
-        </p:spPr>
-        <p:style>
-          <a:lnRef idx="1">
-            <a:schemeClr val="accent1"/>
-          </a:lnRef>
-          <a:fillRef idx="3">
-            <a:schemeClr val="accent1"/>
-          </a:fillRef>
-          <a:effectRef idx="2">
-            <a:schemeClr val="accent1"/>
-          </a:effectRef>
-          <a:fontRef idx="minor">
-            <a:schemeClr val="lt1"/>
-          </a:fontRef>
-        </p:style>
-        <p:txBody>
-          <a:bodyPr rtlCol="0" anchor="ctr" wrap="square" lIns="137160" rIns="137160" tIns="91440" bIns="91440"/>
+          <a:prstGeom prst="rect">
+            <a:avLst/>
+          </a:prstGeom>
+          <a:noFill/>
+        </p:spPr>
+        <p:txBody>
+          <a:bodyPr wrap="square" lIns="137160" rIns="137160" tIns="91440" bIns="91440">
+            <a:spAutoFit/>
+          </a:bodyPr>
           <a:lstStyle/>
           <a:p>
             <a:pPr algn="l">
-              <a:defRPr sz="1600">
-                <a:solidFill>
-                  <a:srgbClr val="111827"/>
+              <a:defRPr sz="1800" b="1">
+                <a:solidFill>
+                  <a:srgbClr val="2563EB"/>
                 </a:solidFill>
               </a:defRPr>
             </a:pPr>
@@ -6702,8 +6094,8 @@
       </p:sp>
       <p:sp>
         <p:nvSpPr>
-          <p:cNvPr id="15" name="Rounded Rectangle 14"/>
-          <p:cNvSpPr/>
+          <p:cNvPr id="15" name="TextBox 14"/>
+          <p:cNvSpPr txBox="1"/>
           <p:nvPr/>
         </p:nvSpPr>
         <p:spPr>
@@ -6711,40 +6103,21 @@
             <a:off x="457200" y="5989320"/>
             <a:ext cx="3931920" cy="548640"/>
           </a:xfrm>
-          <a:prstGeom prst="roundRect">
-            <a:avLst/>
-          </a:prstGeom>
-          <a:solidFill>
-            <a:srgbClr val="F0F5FF"/>
-          </a:solidFill>
-          <a:ln w="25400">
-            <a:solidFill>
-              <a:srgbClr val="2563EB"/>
-            </a:solidFill>
-          </a:ln>
-        </p:spPr>
-        <p:style>
-          <a:lnRef idx="1">
-            <a:schemeClr val="accent1"/>
-          </a:lnRef>
-          <a:fillRef idx="3">
-            <a:schemeClr val="accent1"/>
-          </a:fillRef>
-          <a:effectRef idx="2">
-            <a:schemeClr val="accent1"/>
-          </a:effectRef>
-          <a:fontRef idx="minor">
-            <a:schemeClr val="lt1"/>
-          </a:fontRef>
-        </p:style>
-        <p:txBody>
-          <a:bodyPr rtlCol="0" anchor="ctr" wrap="square" lIns="137160" rIns="137160" tIns="91440" bIns="91440"/>
+          <a:prstGeom prst="rect">
+            <a:avLst/>
+          </a:prstGeom>
+          <a:noFill/>
+        </p:spPr>
+        <p:txBody>
+          <a:bodyPr wrap="square" lIns="137160" rIns="137160" tIns="91440" bIns="91440">
+            <a:spAutoFit/>
+          </a:bodyPr>
           <a:lstStyle/>
           <a:p>
             <a:pPr algn="l">
-              <a:defRPr sz="1600">
-                <a:solidFill>
-                  <a:srgbClr val="111827"/>
+              <a:defRPr sz="1800" b="1">
+                <a:solidFill>
+                  <a:srgbClr val="2563EB"/>
                 </a:solidFill>
               </a:defRPr>
             </a:pPr>
@@ -6756,8 +6129,8 @@
       </p:sp>
       <p:sp>
         <p:nvSpPr>
-          <p:cNvPr id="16" name="Rounded Rectangle 15"/>
-          <p:cNvSpPr/>
+          <p:cNvPr id="16" name="TextBox 15"/>
+          <p:cNvSpPr txBox="1"/>
           <p:nvPr/>
         </p:nvSpPr>
         <p:spPr>
@@ -6765,40 +6138,21 @@
             <a:off x="4846320" y="5989320"/>
             <a:ext cx="3931920" cy="548640"/>
           </a:xfrm>
-          <a:prstGeom prst="roundRect">
-            <a:avLst/>
-          </a:prstGeom>
-          <a:solidFill>
-            <a:srgbClr val="F0F5FF"/>
-          </a:solidFill>
-          <a:ln w="25400">
-            <a:solidFill>
-              <a:srgbClr val="2563EB"/>
-            </a:solidFill>
-          </a:ln>
-        </p:spPr>
-        <p:style>
-          <a:lnRef idx="1">
-            <a:schemeClr val="accent1"/>
-          </a:lnRef>
-          <a:fillRef idx="3">
-            <a:schemeClr val="accent1"/>
-          </a:fillRef>
-          <a:effectRef idx="2">
-            <a:schemeClr val="accent1"/>
-          </a:effectRef>
-          <a:fontRef idx="minor">
-            <a:schemeClr val="lt1"/>
-          </a:fontRef>
-        </p:style>
-        <p:txBody>
-          <a:bodyPr rtlCol="0" anchor="ctr" wrap="square" lIns="137160" rIns="137160" tIns="91440" bIns="91440"/>
+          <a:prstGeom prst="rect">
+            <a:avLst/>
+          </a:prstGeom>
+          <a:noFill/>
+        </p:spPr>
+        <p:txBody>
+          <a:bodyPr wrap="square" lIns="137160" rIns="137160" tIns="91440" bIns="91440">
+            <a:spAutoFit/>
+          </a:bodyPr>
           <a:lstStyle/>
           <a:p>
             <a:pPr algn="l">
-              <a:defRPr sz="1600">
-                <a:solidFill>
-                  <a:srgbClr val="111827"/>
+              <a:defRPr sz="1800" b="1">
+                <a:solidFill>
+                  <a:srgbClr val="2563EB"/>
                 </a:solidFill>
               </a:defRPr>
             </a:pPr>
@@ -6898,8 +6252,8 @@
       </p:sp>
       <p:sp>
         <p:nvSpPr>
-          <p:cNvPr id="4" name="Rounded Rectangle 3"/>
-          <p:cNvSpPr/>
+          <p:cNvPr id="4" name="TextBox 3"/>
+          <p:cNvSpPr txBox="1"/>
           <p:nvPr/>
         </p:nvSpPr>
         <p:spPr>
@@ -6907,40 +6261,21 @@
             <a:off x="457200" y="1600200"/>
             <a:ext cx="3931920" cy="548640"/>
           </a:xfrm>
-          <a:prstGeom prst="roundRect">
-            <a:avLst/>
-          </a:prstGeom>
-          <a:solidFill>
-            <a:srgbClr val="F0F5FF"/>
-          </a:solidFill>
-          <a:ln w="25400">
-            <a:solidFill>
-              <a:srgbClr val="2563EB"/>
-            </a:solidFill>
-          </a:ln>
-        </p:spPr>
-        <p:style>
-          <a:lnRef idx="1">
-            <a:schemeClr val="accent1"/>
-          </a:lnRef>
-          <a:fillRef idx="3">
-            <a:schemeClr val="accent1"/>
-          </a:fillRef>
-          <a:effectRef idx="2">
-            <a:schemeClr val="accent1"/>
-          </a:effectRef>
-          <a:fontRef idx="minor">
-            <a:schemeClr val="lt1"/>
-          </a:fontRef>
-        </p:style>
-        <p:txBody>
-          <a:bodyPr rtlCol="0" anchor="ctr" wrap="square" lIns="137160" rIns="137160" tIns="91440" bIns="91440"/>
+          <a:prstGeom prst="rect">
+            <a:avLst/>
+          </a:prstGeom>
+          <a:noFill/>
+        </p:spPr>
+        <p:txBody>
+          <a:bodyPr wrap="square" lIns="137160" rIns="137160" tIns="91440" bIns="91440">
+            <a:spAutoFit/>
+          </a:bodyPr>
           <a:lstStyle/>
           <a:p>
             <a:pPr algn="l">
-              <a:defRPr sz="1600">
-                <a:solidFill>
-                  <a:srgbClr val="111827"/>
+              <a:defRPr sz="1800" b="1">
+                <a:solidFill>
+                  <a:srgbClr val="2563EB"/>
                 </a:solidFill>
               </a:defRPr>
             </a:pPr>
@@ -6952,8 +6287,8 @@
       </p:sp>
       <p:sp>
         <p:nvSpPr>
-          <p:cNvPr id="5" name="Rounded Rectangle 4"/>
-          <p:cNvSpPr/>
+          <p:cNvPr id="5" name="TextBox 4"/>
+          <p:cNvSpPr txBox="1"/>
           <p:nvPr/>
         </p:nvSpPr>
         <p:spPr>
@@ -6961,40 +6296,21 @@
             <a:off x="4846320" y="1600200"/>
             <a:ext cx="3931920" cy="548640"/>
           </a:xfrm>
-          <a:prstGeom prst="roundRect">
-            <a:avLst/>
-          </a:prstGeom>
-          <a:solidFill>
-            <a:srgbClr val="F0F5FF"/>
-          </a:solidFill>
-          <a:ln w="25400">
-            <a:solidFill>
-              <a:srgbClr val="2563EB"/>
-            </a:solidFill>
-          </a:ln>
-        </p:spPr>
-        <p:style>
-          <a:lnRef idx="1">
-            <a:schemeClr val="accent1"/>
-          </a:lnRef>
-          <a:fillRef idx="3">
-            <a:schemeClr val="accent1"/>
-          </a:fillRef>
-          <a:effectRef idx="2">
-            <a:schemeClr val="accent1"/>
-          </a:effectRef>
-          <a:fontRef idx="minor">
-            <a:schemeClr val="lt1"/>
-          </a:fontRef>
-        </p:style>
-        <p:txBody>
-          <a:bodyPr rtlCol="0" anchor="ctr" wrap="square" lIns="137160" rIns="137160" tIns="91440" bIns="91440"/>
+          <a:prstGeom prst="rect">
+            <a:avLst/>
+          </a:prstGeom>
+          <a:noFill/>
+        </p:spPr>
+        <p:txBody>
+          <a:bodyPr wrap="square" lIns="137160" rIns="137160" tIns="91440" bIns="91440">
+            <a:spAutoFit/>
+          </a:bodyPr>
           <a:lstStyle/>
           <a:p>
             <a:pPr algn="l">
-              <a:defRPr sz="1600">
-                <a:solidFill>
-                  <a:srgbClr val="111827"/>
+              <a:defRPr sz="1800" b="1">
+                <a:solidFill>
+                  <a:srgbClr val="2563EB"/>
                 </a:solidFill>
               </a:defRPr>
             </a:pPr>
@@ -7006,8 +6322,8 @@
       </p:sp>
       <p:sp>
         <p:nvSpPr>
-          <p:cNvPr id="6" name="Rounded Rectangle 5"/>
-          <p:cNvSpPr/>
+          <p:cNvPr id="6" name="TextBox 5"/>
+          <p:cNvSpPr txBox="1"/>
           <p:nvPr/>
         </p:nvSpPr>
         <p:spPr>
@@ -7015,40 +6331,21 @@
             <a:off x="457200" y="2240280"/>
             <a:ext cx="3931920" cy="548640"/>
           </a:xfrm>
-          <a:prstGeom prst="roundRect">
-            <a:avLst/>
-          </a:prstGeom>
-          <a:solidFill>
-            <a:srgbClr val="F0F5FF"/>
-          </a:solidFill>
-          <a:ln w="25400">
-            <a:solidFill>
-              <a:srgbClr val="2563EB"/>
-            </a:solidFill>
-          </a:ln>
-        </p:spPr>
-        <p:style>
-          <a:lnRef idx="1">
-            <a:schemeClr val="accent1"/>
-          </a:lnRef>
-          <a:fillRef idx="3">
-            <a:schemeClr val="accent1"/>
-          </a:fillRef>
-          <a:effectRef idx="2">
-            <a:schemeClr val="accent1"/>
-          </a:effectRef>
-          <a:fontRef idx="minor">
-            <a:schemeClr val="lt1"/>
-          </a:fontRef>
-        </p:style>
-        <p:txBody>
-          <a:bodyPr rtlCol="0" anchor="ctr" wrap="square" lIns="137160" rIns="137160" tIns="91440" bIns="91440"/>
+          <a:prstGeom prst="rect">
+            <a:avLst/>
+          </a:prstGeom>
+          <a:noFill/>
+        </p:spPr>
+        <p:txBody>
+          <a:bodyPr wrap="square" lIns="137160" rIns="137160" tIns="91440" bIns="91440">
+            <a:spAutoFit/>
+          </a:bodyPr>
           <a:lstStyle/>
           <a:p>
             <a:pPr algn="l">
-              <a:defRPr sz="1600">
-                <a:solidFill>
-                  <a:srgbClr val="111827"/>
+              <a:defRPr sz="1800" b="1">
+                <a:solidFill>
+                  <a:srgbClr val="2563EB"/>
                 </a:solidFill>
               </a:defRPr>
             </a:pPr>
@@ -7060,8 +6357,8 @@
       </p:sp>
       <p:sp>
         <p:nvSpPr>
-          <p:cNvPr id="7" name="Rounded Rectangle 6"/>
-          <p:cNvSpPr/>
+          <p:cNvPr id="7" name="TextBox 6"/>
+          <p:cNvSpPr txBox="1"/>
           <p:nvPr/>
         </p:nvSpPr>
         <p:spPr>
@@ -7069,40 +6366,21 @@
             <a:off x="4846320" y="2240280"/>
             <a:ext cx="3931920" cy="548640"/>
           </a:xfrm>
-          <a:prstGeom prst="roundRect">
-            <a:avLst/>
-          </a:prstGeom>
-          <a:solidFill>
-            <a:srgbClr val="F0F5FF"/>
-          </a:solidFill>
-          <a:ln w="25400">
-            <a:solidFill>
-              <a:srgbClr val="2563EB"/>
-            </a:solidFill>
-          </a:ln>
-        </p:spPr>
-        <p:style>
-          <a:lnRef idx="1">
-            <a:schemeClr val="accent1"/>
-          </a:lnRef>
-          <a:fillRef idx="3">
-            <a:schemeClr val="accent1"/>
-          </a:fillRef>
-          <a:effectRef idx="2">
-            <a:schemeClr val="accent1"/>
-          </a:effectRef>
-          <a:fontRef idx="minor">
-            <a:schemeClr val="lt1"/>
-          </a:fontRef>
-        </p:style>
-        <p:txBody>
-          <a:bodyPr rtlCol="0" anchor="ctr" wrap="square" lIns="137160" rIns="137160" tIns="91440" bIns="91440"/>
+          <a:prstGeom prst="rect">
+            <a:avLst/>
+          </a:prstGeom>
+          <a:noFill/>
+        </p:spPr>
+        <p:txBody>
+          <a:bodyPr wrap="square" lIns="137160" rIns="137160" tIns="91440" bIns="91440">
+            <a:spAutoFit/>
+          </a:bodyPr>
           <a:lstStyle/>
           <a:p>
             <a:pPr algn="l">
-              <a:defRPr sz="1600">
-                <a:solidFill>
-                  <a:srgbClr val="111827"/>
+              <a:defRPr sz="1800" b="1">
+                <a:solidFill>
+                  <a:srgbClr val="2563EB"/>
                 </a:solidFill>
               </a:defRPr>
             </a:pPr>
@@ -7114,8 +6392,8 @@
       </p:sp>
       <p:sp>
         <p:nvSpPr>
-          <p:cNvPr id="8" name="Rounded Rectangle 7"/>
-          <p:cNvSpPr/>
+          <p:cNvPr id="8" name="TextBox 7"/>
+          <p:cNvSpPr txBox="1"/>
           <p:nvPr/>
         </p:nvSpPr>
         <p:spPr>
@@ -7123,40 +6401,21 @@
             <a:off x="4846320" y="2880360"/>
             <a:ext cx="3931920" cy="548640"/>
           </a:xfrm>
-          <a:prstGeom prst="roundRect">
-            <a:avLst/>
-          </a:prstGeom>
-          <a:solidFill>
-            <a:srgbClr val="F0F5FF"/>
-          </a:solidFill>
-          <a:ln w="25400">
-            <a:solidFill>
-              <a:srgbClr val="2563EB"/>
-            </a:solidFill>
-          </a:ln>
-        </p:spPr>
-        <p:style>
-          <a:lnRef idx="1">
-            <a:schemeClr val="accent1"/>
-          </a:lnRef>
-          <a:fillRef idx="3">
-            <a:schemeClr val="accent1"/>
-          </a:fillRef>
-          <a:effectRef idx="2">
-            <a:schemeClr val="accent1"/>
-          </a:effectRef>
-          <a:fontRef idx="minor">
-            <a:schemeClr val="lt1"/>
-          </a:fontRef>
-        </p:style>
-        <p:txBody>
-          <a:bodyPr rtlCol="0" anchor="ctr" wrap="square" lIns="137160" rIns="137160" tIns="91440" bIns="91440"/>
+          <a:prstGeom prst="rect">
+            <a:avLst/>
+          </a:prstGeom>
+          <a:noFill/>
+        </p:spPr>
+        <p:txBody>
+          <a:bodyPr wrap="square" lIns="137160" rIns="137160" tIns="91440" bIns="91440">
+            <a:spAutoFit/>
+          </a:bodyPr>
           <a:lstStyle/>
           <a:p>
             <a:pPr algn="l">
-              <a:defRPr sz="1600">
-                <a:solidFill>
-                  <a:srgbClr val="111827"/>
+              <a:defRPr sz="1800" b="1">
+                <a:solidFill>
+                  <a:srgbClr val="2563EB"/>
                 </a:solidFill>
               </a:defRPr>
             </a:pPr>
@@ -7168,8 +6427,8 @@
       </p:sp>
       <p:sp>
         <p:nvSpPr>
-          <p:cNvPr id="9" name="Rounded Rectangle 8"/>
-          <p:cNvSpPr/>
+          <p:cNvPr id="9" name="TextBox 8"/>
+          <p:cNvSpPr txBox="1"/>
           <p:nvPr/>
         </p:nvSpPr>
         <p:spPr>
@@ -7177,40 +6436,21 @@
             <a:off x="457200" y="3520440"/>
             <a:ext cx="3931920" cy="548640"/>
           </a:xfrm>
-          <a:prstGeom prst="roundRect">
-            <a:avLst/>
-          </a:prstGeom>
-          <a:solidFill>
-            <a:srgbClr val="F0F5FF"/>
-          </a:solidFill>
-          <a:ln w="25400">
-            <a:solidFill>
-              <a:srgbClr val="2563EB"/>
-            </a:solidFill>
-          </a:ln>
-        </p:spPr>
-        <p:style>
-          <a:lnRef idx="1">
-            <a:schemeClr val="accent1"/>
-          </a:lnRef>
-          <a:fillRef idx="3">
-            <a:schemeClr val="accent1"/>
-          </a:fillRef>
-          <a:effectRef idx="2">
-            <a:schemeClr val="accent1"/>
-          </a:effectRef>
-          <a:fontRef idx="minor">
-            <a:schemeClr val="lt1"/>
-          </a:fontRef>
-        </p:style>
-        <p:txBody>
-          <a:bodyPr rtlCol="0" anchor="ctr" wrap="square" lIns="137160" rIns="137160" tIns="91440" bIns="91440"/>
+          <a:prstGeom prst="rect">
+            <a:avLst/>
+          </a:prstGeom>
+          <a:noFill/>
+        </p:spPr>
+        <p:txBody>
+          <a:bodyPr wrap="square" lIns="137160" rIns="137160" tIns="91440" bIns="91440">
+            <a:spAutoFit/>
+          </a:bodyPr>
           <a:lstStyle/>
           <a:p>
             <a:pPr algn="l">
-              <a:defRPr sz="1600">
-                <a:solidFill>
-                  <a:srgbClr val="111827"/>
+              <a:defRPr sz="1800" b="1">
+                <a:solidFill>
+                  <a:srgbClr val="2563EB"/>
                 </a:solidFill>
               </a:defRPr>
             </a:pPr>
@@ -7380,8 +6620,8 @@
       </p:sp>
       <p:sp>
         <p:nvSpPr>
-          <p:cNvPr id="6" name="Rounded Rectangle 5"/>
-          <p:cNvSpPr/>
+          <p:cNvPr id="6" name="TextBox 5"/>
+          <p:cNvSpPr txBox="1"/>
           <p:nvPr/>
         </p:nvSpPr>
         <p:spPr>
@@ -7389,40 +6629,21 @@
             <a:off x="457200" y="2560320"/>
             <a:ext cx="3931920" cy="548640"/>
           </a:xfrm>
-          <a:prstGeom prst="roundRect">
-            <a:avLst/>
-          </a:prstGeom>
-          <a:solidFill>
-            <a:srgbClr val="F0F5FF"/>
-          </a:solidFill>
-          <a:ln w="25400">
-            <a:solidFill>
-              <a:srgbClr val="2563EB"/>
-            </a:solidFill>
-          </a:ln>
-        </p:spPr>
-        <p:style>
-          <a:lnRef idx="1">
-            <a:schemeClr val="accent1"/>
-          </a:lnRef>
-          <a:fillRef idx="3">
-            <a:schemeClr val="accent1"/>
-          </a:fillRef>
-          <a:effectRef idx="2">
-            <a:schemeClr val="accent1"/>
-          </a:effectRef>
-          <a:fontRef idx="minor">
-            <a:schemeClr val="lt1"/>
-          </a:fontRef>
-        </p:style>
-        <p:txBody>
-          <a:bodyPr rtlCol="0" anchor="ctr" wrap="square" lIns="137160" rIns="137160" tIns="91440" bIns="91440"/>
+          <a:prstGeom prst="rect">
+            <a:avLst/>
+          </a:prstGeom>
+          <a:noFill/>
+        </p:spPr>
+        <p:txBody>
+          <a:bodyPr wrap="square" lIns="137160" rIns="137160" tIns="91440" bIns="91440">
+            <a:spAutoFit/>
+          </a:bodyPr>
           <a:lstStyle/>
           <a:p>
             <a:pPr algn="l">
-              <a:defRPr sz="1600">
-                <a:solidFill>
-                  <a:srgbClr val="111827"/>
+              <a:defRPr sz="1800" b="1">
+                <a:solidFill>
+                  <a:srgbClr val="2563EB"/>
                 </a:solidFill>
               </a:defRPr>
             </a:pPr>
@@ -7434,8 +6655,8 @@
       </p:sp>
       <p:sp>
         <p:nvSpPr>
-          <p:cNvPr id="7" name="Rounded Rectangle 6"/>
-          <p:cNvSpPr/>
+          <p:cNvPr id="7" name="TextBox 6"/>
+          <p:cNvSpPr txBox="1"/>
           <p:nvPr/>
         </p:nvSpPr>
         <p:spPr>
@@ -7443,40 +6664,21 @@
             <a:off x="4846320" y="2560320"/>
             <a:ext cx="3931920" cy="548640"/>
           </a:xfrm>
-          <a:prstGeom prst="roundRect">
-            <a:avLst/>
-          </a:prstGeom>
-          <a:solidFill>
-            <a:srgbClr val="F0F5FF"/>
-          </a:solidFill>
-          <a:ln w="25400">
-            <a:solidFill>
-              <a:srgbClr val="2563EB"/>
-            </a:solidFill>
-          </a:ln>
-        </p:spPr>
-        <p:style>
-          <a:lnRef idx="1">
-            <a:schemeClr val="accent1"/>
-          </a:lnRef>
-          <a:fillRef idx="3">
-            <a:schemeClr val="accent1"/>
-          </a:fillRef>
-          <a:effectRef idx="2">
-            <a:schemeClr val="accent1"/>
-          </a:effectRef>
-          <a:fontRef idx="minor">
-            <a:schemeClr val="lt1"/>
-          </a:fontRef>
-        </p:style>
-        <p:txBody>
-          <a:bodyPr rtlCol="0" anchor="ctr" wrap="square" lIns="137160" rIns="137160" tIns="91440" bIns="91440"/>
+          <a:prstGeom prst="rect">
+            <a:avLst/>
+          </a:prstGeom>
+          <a:noFill/>
+        </p:spPr>
+        <p:txBody>
+          <a:bodyPr wrap="square" lIns="137160" rIns="137160" tIns="91440" bIns="91440">
+            <a:spAutoFit/>
+          </a:bodyPr>
           <a:lstStyle/>
           <a:p>
             <a:pPr algn="l">
-              <a:defRPr sz="1600">
-                <a:solidFill>
-                  <a:srgbClr val="111827"/>
+              <a:defRPr sz="1800" b="1">
+                <a:solidFill>
+                  <a:srgbClr val="2563EB"/>
                 </a:solidFill>
               </a:defRPr>
             </a:pPr>
@@ -7488,8 +6690,8 @@
       </p:sp>
       <p:sp>
         <p:nvSpPr>
-          <p:cNvPr id="8" name="Rounded Rectangle 7"/>
-          <p:cNvSpPr/>
+          <p:cNvPr id="8" name="TextBox 7"/>
+          <p:cNvSpPr txBox="1"/>
           <p:nvPr/>
         </p:nvSpPr>
         <p:spPr>
@@ -7497,40 +6699,21 @@
             <a:off x="457200" y="3200400"/>
             <a:ext cx="3931920" cy="548640"/>
           </a:xfrm>
-          <a:prstGeom prst="roundRect">
-            <a:avLst/>
-          </a:prstGeom>
-          <a:solidFill>
-            <a:srgbClr val="F0F5FF"/>
-          </a:solidFill>
-          <a:ln w="25400">
-            <a:solidFill>
-              <a:srgbClr val="2563EB"/>
-            </a:solidFill>
-          </a:ln>
-        </p:spPr>
-        <p:style>
-          <a:lnRef idx="1">
-            <a:schemeClr val="accent1"/>
-          </a:lnRef>
-          <a:fillRef idx="3">
-            <a:schemeClr val="accent1"/>
-          </a:fillRef>
-          <a:effectRef idx="2">
-            <a:schemeClr val="accent1"/>
-          </a:effectRef>
-          <a:fontRef idx="minor">
-            <a:schemeClr val="lt1"/>
-          </a:fontRef>
-        </p:style>
-        <p:txBody>
-          <a:bodyPr rtlCol="0" anchor="ctr" wrap="square" lIns="137160" rIns="137160" tIns="91440" bIns="91440"/>
+          <a:prstGeom prst="rect">
+            <a:avLst/>
+          </a:prstGeom>
+          <a:noFill/>
+        </p:spPr>
+        <p:txBody>
+          <a:bodyPr wrap="square" lIns="137160" rIns="137160" tIns="91440" bIns="91440">
+            <a:spAutoFit/>
+          </a:bodyPr>
           <a:lstStyle/>
           <a:p>
             <a:pPr algn="l">
-              <a:defRPr sz="1600">
-                <a:solidFill>
-                  <a:srgbClr val="111827"/>
+              <a:defRPr sz="1800" b="1">
+                <a:solidFill>
+                  <a:srgbClr val="2563EB"/>
                 </a:solidFill>
               </a:defRPr>
             </a:pPr>
@@ -7542,8 +6725,8 @@
       </p:sp>
       <p:sp>
         <p:nvSpPr>
-          <p:cNvPr id="9" name="Rounded Rectangle 8"/>
-          <p:cNvSpPr/>
+          <p:cNvPr id="9" name="TextBox 8"/>
+          <p:cNvSpPr txBox="1"/>
           <p:nvPr/>
         </p:nvSpPr>
         <p:spPr>
@@ -7551,40 +6734,21 @@
             <a:off x="4846320" y="3200400"/>
             <a:ext cx="3931920" cy="548640"/>
           </a:xfrm>
-          <a:prstGeom prst="roundRect">
-            <a:avLst/>
-          </a:prstGeom>
-          <a:solidFill>
-            <a:srgbClr val="F0F5FF"/>
-          </a:solidFill>
-          <a:ln w="25400">
-            <a:solidFill>
-              <a:srgbClr val="2563EB"/>
-            </a:solidFill>
-          </a:ln>
-        </p:spPr>
-        <p:style>
-          <a:lnRef idx="1">
-            <a:schemeClr val="accent1"/>
-          </a:lnRef>
-          <a:fillRef idx="3">
-            <a:schemeClr val="accent1"/>
-          </a:fillRef>
-          <a:effectRef idx="2">
-            <a:schemeClr val="accent1"/>
-          </a:effectRef>
-          <a:fontRef idx="minor">
-            <a:schemeClr val="lt1"/>
-          </a:fontRef>
-        </p:style>
-        <p:txBody>
-          <a:bodyPr rtlCol="0" anchor="ctr" wrap="square" lIns="137160" rIns="137160" tIns="91440" bIns="91440"/>
+          <a:prstGeom prst="rect">
+            <a:avLst/>
+          </a:prstGeom>
+          <a:noFill/>
+        </p:spPr>
+        <p:txBody>
+          <a:bodyPr wrap="square" lIns="137160" rIns="137160" tIns="91440" bIns="91440">
+            <a:spAutoFit/>
+          </a:bodyPr>
           <a:lstStyle/>
           <a:p>
             <a:pPr algn="l">
-              <a:defRPr sz="1600">
-                <a:solidFill>
-                  <a:srgbClr val="111827"/>
+              <a:defRPr sz="1800" b="1">
+                <a:solidFill>
+                  <a:srgbClr val="2563EB"/>
                 </a:solidFill>
               </a:defRPr>
             </a:pPr>
@@ -7596,8 +6760,8 @@
       </p:sp>
       <p:sp>
         <p:nvSpPr>
-          <p:cNvPr id="10" name="Rounded Rectangle 9"/>
-          <p:cNvSpPr/>
+          <p:cNvPr id="10" name="TextBox 9"/>
+          <p:cNvSpPr txBox="1"/>
           <p:nvPr/>
         </p:nvSpPr>
         <p:spPr>
@@ -7605,40 +6769,21 @@
             <a:off x="457200" y="3840480"/>
             <a:ext cx="3931920" cy="548640"/>
           </a:xfrm>
-          <a:prstGeom prst="roundRect">
-            <a:avLst/>
-          </a:prstGeom>
-          <a:solidFill>
-            <a:srgbClr val="F0F5FF"/>
-          </a:solidFill>
-          <a:ln w="25400">
-            <a:solidFill>
-              <a:srgbClr val="2563EB"/>
-            </a:solidFill>
-          </a:ln>
-        </p:spPr>
-        <p:style>
-          <a:lnRef idx="1">
-            <a:schemeClr val="accent1"/>
-          </a:lnRef>
-          <a:fillRef idx="3">
-            <a:schemeClr val="accent1"/>
-          </a:fillRef>
-          <a:effectRef idx="2">
-            <a:schemeClr val="accent1"/>
-          </a:effectRef>
-          <a:fontRef idx="minor">
-            <a:schemeClr val="lt1"/>
-          </a:fontRef>
-        </p:style>
-        <p:txBody>
-          <a:bodyPr rtlCol="0" anchor="ctr" wrap="square" lIns="137160" rIns="137160" tIns="91440" bIns="91440"/>
+          <a:prstGeom prst="rect">
+            <a:avLst/>
+          </a:prstGeom>
+          <a:noFill/>
+        </p:spPr>
+        <p:txBody>
+          <a:bodyPr wrap="square" lIns="137160" rIns="137160" tIns="91440" bIns="91440">
+            <a:spAutoFit/>
+          </a:bodyPr>
           <a:lstStyle/>
           <a:p>
             <a:pPr algn="l">
-              <a:defRPr sz="1600">
-                <a:solidFill>
-                  <a:srgbClr val="111827"/>
+              <a:defRPr sz="1800" b="1">
+                <a:solidFill>
+                  <a:srgbClr val="2563EB"/>
                 </a:solidFill>
               </a:defRPr>
             </a:pPr>
@@ -7650,8 +6795,8 @@
       </p:sp>
       <p:sp>
         <p:nvSpPr>
-          <p:cNvPr id="11" name="Rounded Rectangle 10"/>
-          <p:cNvSpPr/>
+          <p:cNvPr id="11" name="TextBox 10"/>
+          <p:cNvSpPr txBox="1"/>
           <p:nvPr/>
         </p:nvSpPr>
         <p:spPr>
@@ -7659,40 +6804,21 @@
             <a:off x="457200" y="4480560"/>
             <a:ext cx="3931920" cy="548640"/>
           </a:xfrm>
-          <a:prstGeom prst="roundRect">
-            <a:avLst/>
-          </a:prstGeom>
-          <a:solidFill>
-            <a:srgbClr val="F0F5FF"/>
-          </a:solidFill>
-          <a:ln w="25400">
-            <a:solidFill>
-              <a:srgbClr val="2563EB"/>
-            </a:solidFill>
-          </a:ln>
-        </p:spPr>
-        <p:style>
-          <a:lnRef idx="1">
-            <a:schemeClr val="accent1"/>
-          </a:lnRef>
-          <a:fillRef idx="3">
-            <a:schemeClr val="accent1"/>
-          </a:fillRef>
-          <a:effectRef idx="2">
-            <a:schemeClr val="accent1"/>
-          </a:effectRef>
-          <a:fontRef idx="minor">
-            <a:schemeClr val="lt1"/>
-          </a:fontRef>
-        </p:style>
-        <p:txBody>
-          <a:bodyPr rtlCol="0" anchor="ctr" wrap="square" lIns="137160" rIns="137160" tIns="91440" bIns="91440"/>
+          <a:prstGeom prst="rect">
+            <a:avLst/>
+          </a:prstGeom>
+          <a:noFill/>
+        </p:spPr>
+        <p:txBody>
+          <a:bodyPr wrap="square" lIns="137160" rIns="137160" tIns="91440" bIns="91440">
+            <a:spAutoFit/>
+          </a:bodyPr>
           <a:lstStyle/>
           <a:p>
             <a:pPr algn="l">
-              <a:defRPr sz="1600">
-                <a:solidFill>
-                  <a:srgbClr val="111827"/>
+              <a:defRPr sz="1800" b="1">
+                <a:solidFill>
+                  <a:srgbClr val="2563EB"/>
                 </a:solidFill>
               </a:defRPr>
             </a:pPr>
@@ -7704,8 +6830,8 @@
       </p:sp>
       <p:sp>
         <p:nvSpPr>
-          <p:cNvPr id="12" name="Rounded Rectangle 11"/>
-          <p:cNvSpPr/>
+          <p:cNvPr id="12" name="TextBox 11"/>
+          <p:cNvSpPr txBox="1"/>
           <p:nvPr/>
         </p:nvSpPr>
         <p:spPr>
@@ -7713,40 +6839,21 @@
             <a:off x="4846320" y="4480560"/>
             <a:ext cx="3931920" cy="548640"/>
           </a:xfrm>
-          <a:prstGeom prst="roundRect">
-            <a:avLst/>
-          </a:prstGeom>
-          <a:solidFill>
-            <a:srgbClr val="F0F5FF"/>
-          </a:solidFill>
-          <a:ln w="25400">
-            <a:solidFill>
-              <a:srgbClr val="2563EB"/>
-            </a:solidFill>
-          </a:ln>
-        </p:spPr>
-        <p:style>
-          <a:lnRef idx="1">
-            <a:schemeClr val="accent1"/>
-          </a:lnRef>
-          <a:fillRef idx="3">
-            <a:schemeClr val="accent1"/>
-          </a:fillRef>
-          <a:effectRef idx="2">
-            <a:schemeClr val="accent1"/>
-          </a:effectRef>
-          <a:fontRef idx="minor">
-            <a:schemeClr val="lt1"/>
-          </a:fontRef>
-        </p:style>
-        <p:txBody>
-          <a:bodyPr rtlCol="0" anchor="ctr" wrap="square" lIns="137160" rIns="137160" tIns="91440" bIns="91440"/>
+          <a:prstGeom prst="rect">
+            <a:avLst/>
+          </a:prstGeom>
+          <a:noFill/>
+        </p:spPr>
+        <p:txBody>
+          <a:bodyPr wrap="square" lIns="137160" rIns="137160" tIns="91440" bIns="91440">
+            <a:spAutoFit/>
+          </a:bodyPr>
           <a:lstStyle/>
           <a:p>
             <a:pPr algn="l">
-              <a:defRPr sz="1600">
-                <a:solidFill>
-                  <a:srgbClr val="111827"/>
+              <a:defRPr sz="1800" b="1">
+                <a:solidFill>
+                  <a:srgbClr val="2563EB"/>
                 </a:solidFill>
               </a:defRPr>
             </a:pPr>
@@ -7758,8 +6865,8 @@
       </p:sp>
       <p:sp>
         <p:nvSpPr>
-          <p:cNvPr id="13" name="Rounded Rectangle 12"/>
-          <p:cNvSpPr/>
+          <p:cNvPr id="13" name="TextBox 12"/>
+          <p:cNvSpPr txBox="1"/>
           <p:nvPr/>
         </p:nvSpPr>
         <p:spPr>
@@ -7767,40 +6874,21 @@
             <a:off x="457200" y="5120640"/>
             <a:ext cx="3931920" cy="548640"/>
           </a:xfrm>
-          <a:prstGeom prst="roundRect">
-            <a:avLst/>
-          </a:prstGeom>
-          <a:solidFill>
-            <a:srgbClr val="F0F5FF"/>
-          </a:solidFill>
-          <a:ln w="25400">
-            <a:solidFill>
-              <a:srgbClr val="2563EB"/>
-            </a:solidFill>
-          </a:ln>
-        </p:spPr>
-        <p:style>
-          <a:lnRef idx="1">
-            <a:schemeClr val="accent1"/>
-          </a:lnRef>
-          <a:fillRef idx="3">
-            <a:schemeClr val="accent1"/>
-          </a:fillRef>
-          <a:effectRef idx="2">
-            <a:schemeClr val="accent1"/>
-          </a:effectRef>
-          <a:fontRef idx="minor">
-            <a:schemeClr val="lt1"/>
-          </a:fontRef>
-        </p:style>
-        <p:txBody>
-          <a:bodyPr rtlCol="0" anchor="ctr" wrap="square" lIns="137160" rIns="137160" tIns="91440" bIns="91440"/>
+          <a:prstGeom prst="rect">
+            <a:avLst/>
+          </a:prstGeom>
+          <a:noFill/>
+        </p:spPr>
+        <p:txBody>
+          <a:bodyPr wrap="square" lIns="137160" rIns="137160" tIns="91440" bIns="91440">
+            <a:spAutoFit/>
+          </a:bodyPr>
           <a:lstStyle/>
           <a:p>
             <a:pPr algn="l">
-              <a:defRPr sz="1600">
-                <a:solidFill>
-                  <a:srgbClr val="111827"/>
+              <a:defRPr sz="1800" b="1">
+                <a:solidFill>
+                  <a:srgbClr val="2563EB"/>
                 </a:solidFill>
               </a:defRPr>
             </a:pPr>
@@ -7812,8 +6900,8 @@
       </p:sp>
       <p:sp>
         <p:nvSpPr>
-          <p:cNvPr id="14" name="Rounded Rectangle 13"/>
-          <p:cNvSpPr/>
+          <p:cNvPr id="14" name="TextBox 13"/>
+          <p:cNvSpPr txBox="1"/>
           <p:nvPr/>
         </p:nvSpPr>
         <p:spPr>
@@ -7821,40 +6909,21 @@
             <a:off x="4846320" y="5120640"/>
             <a:ext cx="3931920" cy="548640"/>
           </a:xfrm>
-          <a:prstGeom prst="roundRect">
-            <a:avLst/>
-          </a:prstGeom>
-          <a:solidFill>
-            <a:srgbClr val="F0F5FF"/>
-          </a:solidFill>
-          <a:ln w="25400">
-            <a:solidFill>
-              <a:srgbClr val="2563EB"/>
-            </a:solidFill>
-          </a:ln>
-        </p:spPr>
-        <p:style>
-          <a:lnRef idx="1">
-            <a:schemeClr val="accent1"/>
-          </a:lnRef>
-          <a:fillRef idx="3">
-            <a:schemeClr val="accent1"/>
-          </a:fillRef>
-          <a:effectRef idx="2">
-            <a:schemeClr val="accent1"/>
-          </a:effectRef>
-          <a:fontRef idx="minor">
-            <a:schemeClr val="lt1"/>
-          </a:fontRef>
-        </p:style>
-        <p:txBody>
-          <a:bodyPr rtlCol="0" anchor="ctr" wrap="square" lIns="137160" rIns="137160" tIns="91440" bIns="91440"/>
+          <a:prstGeom prst="rect">
+            <a:avLst/>
+          </a:prstGeom>
+          <a:noFill/>
+        </p:spPr>
+        <p:txBody>
+          <a:bodyPr wrap="square" lIns="137160" rIns="137160" tIns="91440" bIns="91440">
+            <a:spAutoFit/>
+          </a:bodyPr>
           <a:lstStyle/>
           <a:p>
             <a:pPr algn="l">
-              <a:defRPr sz="1600">
-                <a:solidFill>
-                  <a:srgbClr val="111827"/>
+              <a:defRPr sz="1800" b="1">
+                <a:solidFill>
+                  <a:srgbClr val="2563EB"/>
                 </a:solidFill>
               </a:defRPr>
             </a:pPr>
@@ -7866,8 +6935,8 @@
       </p:sp>
       <p:sp>
         <p:nvSpPr>
-          <p:cNvPr id="15" name="Rounded Rectangle 14"/>
-          <p:cNvSpPr/>
+          <p:cNvPr id="15" name="TextBox 14"/>
+          <p:cNvSpPr txBox="1"/>
           <p:nvPr/>
         </p:nvSpPr>
         <p:spPr>
@@ -7875,40 +6944,21 @@
             <a:off x="457200" y="5760720"/>
             <a:ext cx="3931920" cy="548640"/>
           </a:xfrm>
-          <a:prstGeom prst="roundRect">
-            <a:avLst/>
-          </a:prstGeom>
-          <a:solidFill>
-            <a:srgbClr val="F0F5FF"/>
-          </a:solidFill>
-          <a:ln w="25400">
-            <a:solidFill>
-              <a:srgbClr val="2563EB"/>
-            </a:solidFill>
-          </a:ln>
-        </p:spPr>
-        <p:style>
-          <a:lnRef idx="1">
-            <a:schemeClr val="accent1"/>
-          </a:lnRef>
-          <a:fillRef idx="3">
-            <a:schemeClr val="accent1"/>
-          </a:fillRef>
-          <a:effectRef idx="2">
-            <a:schemeClr val="accent1"/>
-          </a:effectRef>
-          <a:fontRef idx="minor">
-            <a:schemeClr val="lt1"/>
-          </a:fontRef>
-        </p:style>
-        <p:txBody>
-          <a:bodyPr rtlCol="0" anchor="ctr" wrap="square" lIns="137160" rIns="137160" tIns="91440" bIns="91440"/>
+          <a:prstGeom prst="rect">
+            <a:avLst/>
+          </a:prstGeom>
+          <a:noFill/>
+        </p:spPr>
+        <p:txBody>
+          <a:bodyPr wrap="square" lIns="137160" rIns="137160" tIns="91440" bIns="91440">
+            <a:spAutoFit/>
+          </a:bodyPr>
           <a:lstStyle/>
           <a:p>
             <a:pPr algn="l">
-              <a:defRPr sz="1600">
-                <a:solidFill>
-                  <a:srgbClr val="111827"/>
+              <a:defRPr sz="1800" b="1">
+                <a:solidFill>
+                  <a:srgbClr val="2563EB"/>
                 </a:solidFill>
               </a:defRPr>
             </a:pPr>
@@ -7920,8 +6970,8 @@
       </p:sp>
       <p:sp>
         <p:nvSpPr>
-          <p:cNvPr id="16" name="Rounded Rectangle 15"/>
-          <p:cNvSpPr/>
+          <p:cNvPr id="16" name="TextBox 15"/>
+          <p:cNvSpPr txBox="1"/>
           <p:nvPr/>
         </p:nvSpPr>
         <p:spPr>
@@ -7929,40 +6979,21 @@
             <a:off x="457200" y="6400800"/>
             <a:ext cx="3931920" cy="548640"/>
           </a:xfrm>
-          <a:prstGeom prst="roundRect">
-            <a:avLst/>
-          </a:prstGeom>
-          <a:solidFill>
-            <a:srgbClr val="F0F5FF"/>
-          </a:solidFill>
-          <a:ln w="25400">
-            <a:solidFill>
-              <a:srgbClr val="2563EB"/>
-            </a:solidFill>
-          </a:ln>
-        </p:spPr>
-        <p:style>
-          <a:lnRef idx="1">
-            <a:schemeClr val="accent1"/>
-          </a:lnRef>
-          <a:fillRef idx="3">
-            <a:schemeClr val="accent1"/>
-          </a:fillRef>
-          <a:effectRef idx="2">
-            <a:schemeClr val="accent1"/>
-          </a:effectRef>
-          <a:fontRef idx="minor">
-            <a:schemeClr val="lt1"/>
-          </a:fontRef>
-        </p:style>
-        <p:txBody>
-          <a:bodyPr rtlCol="0" anchor="ctr" wrap="square" lIns="137160" rIns="137160" tIns="91440" bIns="91440"/>
+          <a:prstGeom prst="rect">
+            <a:avLst/>
+          </a:prstGeom>
+          <a:noFill/>
+        </p:spPr>
+        <p:txBody>
+          <a:bodyPr wrap="square" lIns="137160" rIns="137160" tIns="91440" bIns="91440">
+            <a:spAutoFit/>
+          </a:bodyPr>
           <a:lstStyle/>
           <a:p>
             <a:pPr algn="l">
-              <a:defRPr sz="1600">
-                <a:solidFill>
-                  <a:srgbClr val="111827"/>
+              <a:defRPr sz="1800" b="1">
+                <a:solidFill>
+                  <a:srgbClr val="2563EB"/>
                 </a:solidFill>
               </a:defRPr>
             </a:pPr>
@@ -7974,8 +7005,8 @@
       </p:sp>
       <p:sp>
         <p:nvSpPr>
-          <p:cNvPr id="17" name="Rounded Rectangle 16"/>
-          <p:cNvSpPr/>
+          <p:cNvPr id="17" name="TextBox 16"/>
+          <p:cNvSpPr txBox="1"/>
           <p:nvPr/>
         </p:nvSpPr>
         <p:spPr>
@@ -7983,40 +7014,21 @@
             <a:off x="4846320" y="6400800"/>
             <a:ext cx="3931920" cy="548640"/>
           </a:xfrm>
-          <a:prstGeom prst="roundRect">
-            <a:avLst/>
-          </a:prstGeom>
-          <a:solidFill>
-            <a:srgbClr val="F0F5FF"/>
-          </a:solidFill>
-          <a:ln w="25400">
-            <a:solidFill>
-              <a:srgbClr val="2563EB"/>
-            </a:solidFill>
-          </a:ln>
-        </p:spPr>
-        <p:style>
-          <a:lnRef idx="1">
-            <a:schemeClr val="accent1"/>
-          </a:lnRef>
-          <a:fillRef idx="3">
-            <a:schemeClr val="accent1"/>
-          </a:fillRef>
-          <a:effectRef idx="2">
-            <a:schemeClr val="accent1"/>
-          </a:effectRef>
-          <a:fontRef idx="minor">
-            <a:schemeClr val="lt1"/>
-          </a:fontRef>
-        </p:style>
-        <p:txBody>
-          <a:bodyPr rtlCol="0" anchor="ctr" wrap="square" lIns="137160" rIns="137160" tIns="91440" bIns="91440"/>
+          <a:prstGeom prst="rect">
+            <a:avLst/>
+          </a:prstGeom>
+          <a:noFill/>
+        </p:spPr>
+        <p:txBody>
+          <a:bodyPr wrap="square" lIns="137160" rIns="137160" tIns="91440" bIns="91440">
+            <a:spAutoFit/>
+          </a:bodyPr>
           <a:lstStyle/>
           <a:p>
             <a:pPr algn="l">
-              <a:defRPr sz="1600">
-                <a:solidFill>
-                  <a:srgbClr val="111827"/>
+              <a:defRPr sz="1800" b="1">
+                <a:solidFill>
+                  <a:srgbClr val="2563EB"/>
                 </a:solidFill>
               </a:defRPr>
             </a:pPr>
@@ -8186,8 +7198,8 @@
       </p:sp>
       <p:sp>
         <p:nvSpPr>
-          <p:cNvPr id="6" name="Rounded Rectangle 5"/>
-          <p:cNvSpPr/>
+          <p:cNvPr id="6" name="TextBox 5"/>
+          <p:cNvSpPr txBox="1"/>
           <p:nvPr/>
         </p:nvSpPr>
         <p:spPr>
@@ -8195,40 +7207,21 @@
             <a:off x="457200" y="2560320"/>
             <a:ext cx="3931920" cy="548640"/>
           </a:xfrm>
-          <a:prstGeom prst="roundRect">
-            <a:avLst/>
-          </a:prstGeom>
-          <a:solidFill>
-            <a:srgbClr val="F0F5FF"/>
-          </a:solidFill>
-          <a:ln w="25400">
-            <a:solidFill>
-              <a:srgbClr val="2563EB"/>
-            </a:solidFill>
-          </a:ln>
-        </p:spPr>
-        <p:style>
-          <a:lnRef idx="1">
-            <a:schemeClr val="accent1"/>
-          </a:lnRef>
-          <a:fillRef idx="3">
-            <a:schemeClr val="accent1"/>
-          </a:fillRef>
-          <a:effectRef idx="2">
-            <a:schemeClr val="accent1"/>
-          </a:effectRef>
-          <a:fontRef idx="minor">
-            <a:schemeClr val="lt1"/>
-          </a:fontRef>
-        </p:style>
-        <p:txBody>
-          <a:bodyPr rtlCol="0" anchor="ctr" wrap="square" lIns="137160" rIns="137160" tIns="91440" bIns="91440"/>
+          <a:prstGeom prst="rect">
+            <a:avLst/>
+          </a:prstGeom>
+          <a:noFill/>
+        </p:spPr>
+        <p:txBody>
+          <a:bodyPr wrap="square" lIns="137160" rIns="137160" tIns="91440" bIns="91440">
+            <a:spAutoFit/>
+          </a:bodyPr>
           <a:lstStyle/>
           <a:p>
             <a:pPr algn="l">
-              <a:defRPr sz="1600">
-                <a:solidFill>
-                  <a:srgbClr val="111827"/>
+              <a:defRPr sz="1800" b="1">
+                <a:solidFill>
+                  <a:srgbClr val="2563EB"/>
                 </a:solidFill>
               </a:defRPr>
             </a:pPr>
@@ -8240,8 +7233,8 @@
       </p:sp>
       <p:sp>
         <p:nvSpPr>
-          <p:cNvPr id="7" name="Rounded Rectangle 6"/>
-          <p:cNvSpPr/>
+          <p:cNvPr id="7" name="TextBox 6"/>
+          <p:cNvSpPr txBox="1"/>
           <p:nvPr/>
         </p:nvSpPr>
         <p:spPr>
@@ -8249,40 +7242,21 @@
             <a:off x="4846320" y="2560320"/>
             <a:ext cx="3931920" cy="548640"/>
           </a:xfrm>
-          <a:prstGeom prst="roundRect">
-            <a:avLst/>
-          </a:prstGeom>
-          <a:solidFill>
-            <a:srgbClr val="F0F5FF"/>
-          </a:solidFill>
-          <a:ln w="25400">
-            <a:solidFill>
-              <a:srgbClr val="2563EB"/>
-            </a:solidFill>
-          </a:ln>
-        </p:spPr>
-        <p:style>
-          <a:lnRef idx="1">
-            <a:schemeClr val="accent1"/>
-          </a:lnRef>
-          <a:fillRef idx="3">
-            <a:schemeClr val="accent1"/>
-          </a:fillRef>
-          <a:effectRef idx="2">
-            <a:schemeClr val="accent1"/>
-          </a:effectRef>
-          <a:fontRef idx="minor">
-            <a:schemeClr val="lt1"/>
-          </a:fontRef>
-        </p:style>
-        <p:txBody>
-          <a:bodyPr rtlCol="0" anchor="ctr" wrap="square" lIns="137160" rIns="137160" tIns="91440" bIns="91440"/>
+          <a:prstGeom prst="rect">
+            <a:avLst/>
+          </a:prstGeom>
+          <a:noFill/>
+        </p:spPr>
+        <p:txBody>
+          <a:bodyPr wrap="square" lIns="137160" rIns="137160" tIns="91440" bIns="91440">
+            <a:spAutoFit/>
+          </a:bodyPr>
           <a:lstStyle/>
           <a:p>
             <a:pPr algn="l">
-              <a:defRPr sz="1600">
-                <a:solidFill>
-                  <a:srgbClr val="111827"/>
+              <a:defRPr sz="1800" b="1">
+                <a:solidFill>
+                  <a:srgbClr val="2563EB"/>
                 </a:solidFill>
               </a:defRPr>
             </a:pPr>
@@ -8294,8 +7268,8 @@
       </p:sp>
       <p:sp>
         <p:nvSpPr>
-          <p:cNvPr id="8" name="Rounded Rectangle 7"/>
-          <p:cNvSpPr/>
+          <p:cNvPr id="8" name="TextBox 7"/>
+          <p:cNvSpPr txBox="1"/>
           <p:nvPr/>
         </p:nvSpPr>
         <p:spPr>
@@ -8303,40 +7277,21 @@
             <a:off x="457200" y="3200400"/>
             <a:ext cx="3931920" cy="548640"/>
           </a:xfrm>
-          <a:prstGeom prst="roundRect">
-            <a:avLst/>
-          </a:prstGeom>
-          <a:solidFill>
-            <a:srgbClr val="F0F5FF"/>
-          </a:solidFill>
-          <a:ln w="25400">
-            <a:solidFill>
-              <a:srgbClr val="2563EB"/>
-            </a:solidFill>
-          </a:ln>
-        </p:spPr>
-        <p:style>
-          <a:lnRef idx="1">
-            <a:schemeClr val="accent1"/>
-          </a:lnRef>
-          <a:fillRef idx="3">
-            <a:schemeClr val="accent1"/>
-          </a:fillRef>
-          <a:effectRef idx="2">
-            <a:schemeClr val="accent1"/>
-          </a:effectRef>
-          <a:fontRef idx="minor">
-            <a:schemeClr val="lt1"/>
-          </a:fontRef>
-        </p:style>
-        <p:txBody>
-          <a:bodyPr rtlCol="0" anchor="ctr" wrap="square" lIns="137160" rIns="137160" tIns="91440" bIns="91440"/>
+          <a:prstGeom prst="rect">
+            <a:avLst/>
+          </a:prstGeom>
+          <a:noFill/>
+        </p:spPr>
+        <p:txBody>
+          <a:bodyPr wrap="square" lIns="137160" rIns="137160" tIns="91440" bIns="91440">
+            <a:spAutoFit/>
+          </a:bodyPr>
           <a:lstStyle/>
           <a:p>
             <a:pPr algn="l">
-              <a:defRPr sz="1600">
-                <a:solidFill>
-                  <a:srgbClr val="111827"/>
+              <a:defRPr sz="1800" b="1">
+                <a:solidFill>
+                  <a:srgbClr val="2563EB"/>
                 </a:solidFill>
               </a:defRPr>
             </a:pPr>
@@ -8348,8 +7303,8 @@
       </p:sp>
       <p:sp>
         <p:nvSpPr>
-          <p:cNvPr id="9" name="Rounded Rectangle 8"/>
-          <p:cNvSpPr/>
+          <p:cNvPr id="9" name="TextBox 8"/>
+          <p:cNvSpPr txBox="1"/>
           <p:nvPr/>
         </p:nvSpPr>
         <p:spPr>
@@ -8357,40 +7312,21 @@
             <a:off x="4846320" y="3200400"/>
             <a:ext cx="3931920" cy="548640"/>
           </a:xfrm>
-          <a:prstGeom prst="roundRect">
-            <a:avLst/>
-          </a:prstGeom>
-          <a:solidFill>
-            <a:srgbClr val="F0F5FF"/>
-          </a:solidFill>
-          <a:ln w="25400">
-            <a:solidFill>
-              <a:srgbClr val="2563EB"/>
-            </a:solidFill>
-          </a:ln>
-        </p:spPr>
-        <p:style>
-          <a:lnRef idx="1">
-            <a:schemeClr val="accent1"/>
-          </a:lnRef>
-          <a:fillRef idx="3">
-            <a:schemeClr val="accent1"/>
-          </a:fillRef>
-          <a:effectRef idx="2">
-            <a:schemeClr val="accent1"/>
-          </a:effectRef>
-          <a:fontRef idx="minor">
-            <a:schemeClr val="lt1"/>
-          </a:fontRef>
-        </p:style>
-        <p:txBody>
-          <a:bodyPr rtlCol="0" anchor="ctr" wrap="square" lIns="137160" rIns="137160" tIns="91440" bIns="91440"/>
+          <a:prstGeom prst="rect">
+            <a:avLst/>
+          </a:prstGeom>
+          <a:noFill/>
+        </p:spPr>
+        <p:txBody>
+          <a:bodyPr wrap="square" lIns="137160" rIns="137160" tIns="91440" bIns="91440">
+            <a:spAutoFit/>
+          </a:bodyPr>
           <a:lstStyle/>
           <a:p>
             <a:pPr algn="l">
-              <a:defRPr sz="1600">
-                <a:solidFill>
-                  <a:srgbClr val="111827"/>
+              <a:defRPr sz="1800" b="1">
+                <a:solidFill>
+                  <a:srgbClr val="2563EB"/>
                 </a:solidFill>
               </a:defRPr>
             </a:pPr>
@@ -8402,8 +7338,8 @@
       </p:sp>
       <p:sp>
         <p:nvSpPr>
-          <p:cNvPr id="10" name="Rounded Rectangle 9"/>
-          <p:cNvSpPr/>
+          <p:cNvPr id="10" name="TextBox 9"/>
+          <p:cNvSpPr txBox="1"/>
           <p:nvPr/>
         </p:nvSpPr>
         <p:spPr>
@@ -8411,40 +7347,21 @@
             <a:off x="4846320" y="3840480"/>
             <a:ext cx="3931920" cy="548640"/>
           </a:xfrm>
-          <a:prstGeom prst="roundRect">
-            <a:avLst/>
-          </a:prstGeom>
-          <a:solidFill>
-            <a:srgbClr val="F0F5FF"/>
-          </a:solidFill>
-          <a:ln w="25400">
-            <a:solidFill>
-              <a:srgbClr val="2563EB"/>
-            </a:solidFill>
-          </a:ln>
-        </p:spPr>
-        <p:style>
-          <a:lnRef idx="1">
-            <a:schemeClr val="accent1"/>
-          </a:lnRef>
-          <a:fillRef idx="3">
-            <a:schemeClr val="accent1"/>
-          </a:fillRef>
-          <a:effectRef idx="2">
-            <a:schemeClr val="accent1"/>
-          </a:effectRef>
-          <a:fontRef idx="minor">
-            <a:schemeClr val="lt1"/>
-          </a:fontRef>
-        </p:style>
-        <p:txBody>
-          <a:bodyPr rtlCol="0" anchor="ctr" wrap="square" lIns="137160" rIns="137160" tIns="91440" bIns="91440"/>
+          <a:prstGeom prst="rect">
+            <a:avLst/>
+          </a:prstGeom>
+          <a:noFill/>
+        </p:spPr>
+        <p:txBody>
+          <a:bodyPr wrap="square" lIns="137160" rIns="137160" tIns="91440" bIns="91440">
+            <a:spAutoFit/>
+          </a:bodyPr>
           <a:lstStyle/>
           <a:p>
             <a:pPr algn="l">
-              <a:defRPr sz="1600">
-                <a:solidFill>
-                  <a:srgbClr val="111827"/>
+              <a:defRPr sz="1800" b="1">
+                <a:solidFill>
+                  <a:srgbClr val="2563EB"/>
                 </a:solidFill>
               </a:defRPr>
             </a:pPr>
@@ -8456,8 +7373,8 @@
       </p:sp>
       <p:sp>
         <p:nvSpPr>
-          <p:cNvPr id="11" name="Rounded Rectangle 10"/>
-          <p:cNvSpPr/>
+          <p:cNvPr id="11" name="TextBox 10"/>
+          <p:cNvSpPr txBox="1"/>
           <p:nvPr/>
         </p:nvSpPr>
         <p:spPr>
@@ -8465,40 +7382,21 @@
             <a:off x="457200" y="4480560"/>
             <a:ext cx="3931920" cy="548640"/>
           </a:xfrm>
-          <a:prstGeom prst="roundRect">
-            <a:avLst/>
-          </a:prstGeom>
-          <a:solidFill>
-            <a:srgbClr val="F0F5FF"/>
-          </a:solidFill>
-          <a:ln w="25400">
-            <a:solidFill>
-              <a:srgbClr val="2563EB"/>
-            </a:solidFill>
-          </a:ln>
-        </p:spPr>
-        <p:style>
-          <a:lnRef idx="1">
-            <a:schemeClr val="accent1"/>
-          </a:lnRef>
-          <a:fillRef idx="3">
-            <a:schemeClr val="accent1"/>
-          </a:fillRef>
-          <a:effectRef idx="2">
-            <a:schemeClr val="accent1"/>
-          </a:effectRef>
-          <a:fontRef idx="minor">
-            <a:schemeClr val="lt1"/>
-          </a:fontRef>
-        </p:style>
-        <p:txBody>
-          <a:bodyPr rtlCol="0" anchor="ctr" wrap="square" lIns="137160" rIns="137160" tIns="91440" bIns="91440"/>
+          <a:prstGeom prst="rect">
+            <a:avLst/>
+          </a:prstGeom>
+          <a:noFill/>
+        </p:spPr>
+        <p:txBody>
+          <a:bodyPr wrap="square" lIns="137160" rIns="137160" tIns="91440" bIns="91440">
+            <a:spAutoFit/>
+          </a:bodyPr>
           <a:lstStyle/>
           <a:p>
             <a:pPr algn="l">
-              <a:defRPr sz="1600">
-                <a:solidFill>
-                  <a:srgbClr val="111827"/>
+              <a:defRPr sz="1800" b="1">
+                <a:solidFill>
+                  <a:srgbClr val="2563EB"/>
                 </a:solidFill>
               </a:defRPr>
             </a:pPr>
@@ -8510,8 +7408,8 @@
       </p:sp>
       <p:sp>
         <p:nvSpPr>
-          <p:cNvPr id="12" name="Rounded Rectangle 11"/>
-          <p:cNvSpPr/>
+          <p:cNvPr id="12" name="TextBox 11"/>
+          <p:cNvSpPr txBox="1"/>
           <p:nvPr/>
         </p:nvSpPr>
         <p:spPr>
@@ -8519,40 +7417,21 @@
             <a:off x="4846320" y="4480560"/>
             <a:ext cx="3931920" cy="548640"/>
           </a:xfrm>
-          <a:prstGeom prst="roundRect">
-            <a:avLst/>
-          </a:prstGeom>
-          <a:solidFill>
-            <a:srgbClr val="F0F5FF"/>
-          </a:solidFill>
-          <a:ln w="25400">
-            <a:solidFill>
-              <a:srgbClr val="2563EB"/>
-            </a:solidFill>
-          </a:ln>
-        </p:spPr>
-        <p:style>
-          <a:lnRef idx="1">
-            <a:schemeClr val="accent1"/>
-          </a:lnRef>
-          <a:fillRef idx="3">
-            <a:schemeClr val="accent1"/>
-          </a:fillRef>
-          <a:effectRef idx="2">
-            <a:schemeClr val="accent1"/>
-          </a:effectRef>
-          <a:fontRef idx="minor">
-            <a:schemeClr val="lt1"/>
-          </a:fontRef>
-        </p:style>
-        <p:txBody>
-          <a:bodyPr rtlCol="0" anchor="ctr" wrap="square" lIns="137160" rIns="137160" tIns="91440" bIns="91440"/>
+          <a:prstGeom prst="rect">
+            <a:avLst/>
+          </a:prstGeom>
+          <a:noFill/>
+        </p:spPr>
+        <p:txBody>
+          <a:bodyPr wrap="square" lIns="137160" rIns="137160" tIns="91440" bIns="91440">
+            <a:spAutoFit/>
+          </a:bodyPr>
           <a:lstStyle/>
           <a:p>
             <a:pPr algn="l">
-              <a:defRPr sz="1600">
-                <a:solidFill>
-                  <a:srgbClr val="111827"/>
+              <a:defRPr sz="1800" b="1">
+                <a:solidFill>
+                  <a:srgbClr val="2563EB"/>
                 </a:solidFill>
               </a:defRPr>
             </a:pPr>
@@ -8564,8 +7443,8 @@
       </p:sp>
       <p:sp>
         <p:nvSpPr>
-          <p:cNvPr id="13" name="Rounded Rectangle 12"/>
-          <p:cNvSpPr/>
+          <p:cNvPr id="13" name="TextBox 12"/>
+          <p:cNvSpPr txBox="1"/>
           <p:nvPr/>
         </p:nvSpPr>
         <p:spPr>
@@ -8573,40 +7452,21 @@
             <a:off x="457200" y="5120640"/>
             <a:ext cx="3931920" cy="548640"/>
           </a:xfrm>
-          <a:prstGeom prst="roundRect">
-            <a:avLst/>
-          </a:prstGeom>
-          <a:solidFill>
-            <a:srgbClr val="F0F5FF"/>
-          </a:solidFill>
-          <a:ln w="25400">
-            <a:solidFill>
-              <a:srgbClr val="2563EB"/>
-            </a:solidFill>
-          </a:ln>
-        </p:spPr>
-        <p:style>
-          <a:lnRef idx="1">
-            <a:schemeClr val="accent1"/>
-          </a:lnRef>
-          <a:fillRef idx="3">
-            <a:schemeClr val="accent1"/>
-          </a:fillRef>
-          <a:effectRef idx="2">
-            <a:schemeClr val="accent1"/>
-          </a:effectRef>
-          <a:fontRef idx="minor">
-            <a:schemeClr val="lt1"/>
-          </a:fontRef>
-        </p:style>
-        <p:txBody>
-          <a:bodyPr rtlCol="0" anchor="ctr" wrap="square" lIns="137160" rIns="137160" tIns="91440" bIns="91440"/>
+          <a:prstGeom prst="rect">
+            <a:avLst/>
+          </a:prstGeom>
+          <a:noFill/>
+        </p:spPr>
+        <p:txBody>
+          <a:bodyPr wrap="square" lIns="137160" rIns="137160" tIns="91440" bIns="91440">
+            <a:spAutoFit/>
+          </a:bodyPr>
           <a:lstStyle/>
           <a:p>
             <a:pPr algn="l">
-              <a:defRPr sz="1600">
-                <a:solidFill>
-                  <a:srgbClr val="111827"/>
+              <a:defRPr sz="1800" b="1">
+                <a:solidFill>
+                  <a:srgbClr val="2563EB"/>
                 </a:solidFill>
               </a:defRPr>
             </a:pPr>
@@ -8618,8 +7478,8 @@
       </p:sp>
       <p:sp>
         <p:nvSpPr>
-          <p:cNvPr id="14" name="Rounded Rectangle 13"/>
-          <p:cNvSpPr/>
+          <p:cNvPr id="14" name="TextBox 13"/>
+          <p:cNvSpPr txBox="1"/>
           <p:nvPr/>
         </p:nvSpPr>
         <p:spPr>
@@ -8627,40 +7487,21 @@
             <a:off x="457200" y="5760720"/>
             <a:ext cx="3931920" cy="548640"/>
           </a:xfrm>
-          <a:prstGeom prst="roundRect">
-            <a:avLst/>
-          </a:prstGeom>
-          <a:solidFill>
-            <a:srgbClr val="F0F5FF"/>
-          </a:solidFill>
-          <a:ln w="25400">
-            <a:solidFill>
-              <a:srgbClr val="2563EB"/>
-            </a:solidFill>
-          </a:ln>
-        </p:spPr>
-        <p:style>
-          <a:lnRef idx="1">
-            <a:schemeClr val="accent1"/>
-          </a:lnRef>
-          <a:fillRef idx="3">
-            <a:schemeClr val="accent1"/>
-          </a:fillRef>
-          <a:effectRef idx="2">
-            <a:schemeClr val="accent1"/>
-          </a:effectRef>
-          <a:fontRef idx="minor">
-            <a:schemeClr val="lt1"/>
-          </a:fontRef>
-        </p:style>
-        <p:txBody>
-          <a:bodyPr rtlCol="0" anchor="ctr" wrap="square" lIns="137160" rIns="137160" tIns="91440" bIns="91440"/>
+          <a:prstGeom prst="rect">
+            <a:avLst/>
+          </a:prstGeom>
+          <a:noFill/>
+        </p:spPr>
+        <p:txBody>
+          <a:bodyPr wrap="square" lIns="137160" rIns="137160" tIns="91440" bIns="91440">
+            <a:spAutoFit/>
+          </a:bodyPr>
           <a:lstStyle/>
           <a:p>
             <a:pPr algn="l">
-              <a:defRPr sz="1600">
-                <a:solidFill>
-                  <a:srgbClr val="111827"/>
+              <a:defRPr sz="1800" b="1">
+                <a:solidFill>
+                  <a:srgbClr val="2563EB"/>
                 </a:solidFill>
               </a:defRPr>
             </a:pPr>
@@ -8672,8 +7513,8 @@
       </p:sp>
       <p:sp>
         <p:nvSpPr>
-          <p:cNvPr id="15" name="Rounded Rectangle 14"/>
-          <p:cNvSpPr/>
+          <p:cNvPr id="15" name="TextBox 14"/>
+          <p:cNvSpPr txBox="1"/>
           <p:nvPr/>
         </p:nvSpPr>
         <p:spPr>
@@ -8681,40 +7522,21 @@
             <a:off x="4846320" y="5760720"/>
             <a:ext cx="3931920" cy="548640"/>
           </a:xfrm>
-          <a:prstGeom prst="roundRect">
-            <a:avLst/>
-          </a:prstGeom>
-          <a:solidFill>
-            <a:srgbClr val="F0F5FF"/>
-          </a:solidFill>
-          <a:ln w="25400">
-            <a:solidFill>
-              <a:srgbClr val="2563EB"/>
-            </a:solidFill>
-          </a:ln>
-        </p:spPr>
-        <p:style>
-          <a:lnRef idx="1">
-            <a:schemeClr val="accent1"/>
-          </a:lnRef>
-          <a:fillRef idx="3">
-            <a:schemeClr val="accent1"/>
-          </a:fillRef>
-          <a:effectRef idx="2">
-            <a:schemeClr val="accent1"/>
-          </a:effectRef>
-          <a:fontRef idx="minor">
-            <a:schemeClr val="lt1"/>
-          </a:fontRef>
-        </p:style>
-        <p:txBody>
-          <a:bodyPr rtlCol="0" anchor="ctr" wrap="square" lIns="137160" rIns="137160" tIns="91440" bIns="91440"/>
+          <a:prstGeom prst="rect">
+            <a:avLst/>
+          </a:prstGeom>
+          <a:noFill/>
+        </p:spPr>
+        <p:txBody>
+          <a:bodyPr wrap="square" lIns="137160" rIns="137160" tIns="91440" bIns="91440">
+            <a:spAutoFit/>
+          </a:bodyPr>
           <a:lstStyle/>
           <a:p>
             <a:pPr algn="l">
-              <a:defRPr sz="1600">
-                <a:solidFill>
-                  <a:srgbClr val="111827"/>
+              <a:defRPr sz="1800" b="1">
+                <a:solidFill>
+                  <a:srgbClr val="2563EB"/>
                 </a:solidFill>
               </a:defRPr>
             </a:pPr>
@@ -8726,8 +7548,8 @@
       </p:sp>
       <p:sp>
         <p:nvSpPr>
-          <p:cNvPr id="16" name="Rounded Rectangle 15"/>
-          <p:cNvSpPr/>
+          <p:cNvPr id="16" name="TextBox 15"/>
+          <p:cNvSpPr txBox="1"/>
           <p:nvPr/>
         </p:nvSpPr>
         <p:spPr>
@@ -8735,40 +7557,21 @@
             <a:off x="457200" y="6400800"/>
             <a:ext cx="3931920" cy="548640"/>
           </a:xfrm>
-          <a:prstGeom prst="roundRect">
-            <a:avLst/>
-          </a:prstGeom>
-          <a:solidFill>
-            <a:srgbClr val="F0F5FF"/>
-          </a:solidFill>
-          <a:ln w="25400">
-            <a:solidFill>
-              <a:srgbClr val="2563EB"/>
-            </a:solidFill>
-          </a:ln>
-        </p:spPr>
-        <p:style>
-          <a:lnRef idx="1">
-            <a:schemeClr val="accent1"/>
-          </a:lnRef>
-          <a:fillRef idx="3">
-            <a:schemeClr val="accent1"/>
-          </a:fillRef>
-          <a:effectRef idx="2">
-            <a:schemeClr val="accent1"/>
-          </a:effectRef>
-          <a:fontRef idx="minor">
-            <a:schemeClr val="lt1"/>
-          </a:fontRef>
-        </p:style>
-        <p:txBody>
-          <a:bodyPr rtlCol="0" anchor="ctr" wrap="square" lIns="137160" rIns="137160" tIns="91440" bIns="91440"/>
+          <a:prstGeom prst="rect">
+            <a:avLst/>
+          </a:prstGeom>
+          <a:noFill/>
+        </p:spPr>
+        <p:txBody>
+          <a:bodyPr wrap="square" lIns="137160" rIns="137160" tIns="91440" bIns="91440">
+            <a:spAutoFit/>
+          </a:bodyPr>
           <a:lstStyle/>
           <a:p>
             <a:pPr algn="l">
-              <a:defRPr sz="1600">
-                <a:solidFill>
-                  <a:srgbClr val="111827"/>
+              <a:defRPr sz="1800" b="1">
+                <a:solidFill>
+                  <a:srgbClr val="2563EB"/>
                 </a:solidFill>
               </a:defRPr>
             </a:pPr>
@@ -8780,8 +7583,8 @@
       </p:sp>
       <p:sp>
         <p:nvSpPr>
-          <p:cNvPr id="17" name="Rounded Rectangle 16"/>
-          <p:cNvSpPr/>
+          <p:cNvPr id="17" name="TextBox 16"/>
+          <p:cNvSpPr txBox="1"/>
           <p:nvPr/>
         </p:nvSpPr>
         <p:spPr>
@@ -8789,40 +7592,21 @@
             <a:off x="4846320" y="6400800"/>
             <a:ext cx="3931920" cy="548640"/>
           </a:xfrm>
-          <a:prstGeom prst="roundRect">
-            <a:avLst/>
-          </a:prstGeom>
-          <a:solidFill>
-            <a:srgbClr val="F0F5FF"/>
-          </a:solidFill>
-          <a:ln w="25400">
-            <a:solidFill>
-              <a:srgbClr val="2563EB"/>
-            </a:solidFill>
-          </a:ln>
-        </p:spPr>
-        <p:style>
-          <a:lnRef idx="1">
-            <a:schemeClr val="accent1"/>
-          </a:lnRef>
-          <a:fillRef idx="3">
-            <a:schemeClr val="accent1"/>
-          </a:fillRef>
-          <a:effectRef idx="2">
-            <a:schemeClr val="accent1"/>
-          </a:effectRef>
-          <a:fontRef idx="minor">
-            <a:schemeClr val="lt1"/>
-          </a:fontRef>
-        </p:style>
-        <p:txBody>
-          <a:bodyPr rtlCol="0" anchor="ctr" wrap="square" lIns="137160" rIns="137160" tIns="91440" bIns="91440"/>
+          <a:prstGeom prst="rect">
+            <a:avLst/>
+          </a:prstGeom>
+          <a:noFill/>
+        </p:spPr>
+        <p:txBody>
+          <a:bodyPr wrap="square" lIns="137160" rIns="137160" tIns="91440" bIns="91440">
+            <a:spAutoFit/>
+          </a:bodyPr>
           <a:lstStyle/>
           <a:p>
             <a:pPr algn="l">
-              <a:defRPr sz="1600">
-                <a:solidFill>
-                  <a:srgbClr val="111827"/>
+              <a:defRPr sz="1800" b="1">
+                <a:solidFill>
+                  <a:srgbClr val="2563EB"/>
                 </a:solidFill>
               </a:defRPr>
             </a:pPr>
@@ -8992,8 +7776,8 @@
       </p:sp>
       <p:sp>
         <p:nvSpPr>
-          <p:cNvPr id="6" name="Rounded Rectangle 5"/>
-          <p:cNvSpPr/>
+          <p:cNvPr id="6" name="TextBox 5"/>
+          <p:cNvSpPr txBox="1"/>
           <p:nvPr/>
         </p:nvSpPr>
         <p:spPr>
@@ -9001,40 +7785,21 @@
             <a:off x="457200" y="2560320"/>
             <a:ext cx="3931920" cy="548640"/>
           </a:xfrm>
-          <a:prstGeom prst="roundRect">
-            <a:avLst/>
-          </a:prstGeom>
-          <a:solidFill>
-            <a:srgbClr val="F0F5FF"/>
-          </a:solidFill>
-          <a:ln w="25400">
-            <a:solidFill>
-              <a:srgbClr val="2563EB"/>
-            </a:solidFill>
-          </a:ln>
-        </p:spPr>
-        <p:style>
-          <a:lnRef idx="1">
-            <a:schemeClr val="accent1"/>
-          </a:lnRef>
-          <a:fillRef idx="3">
-            <a:schemeClr val="accent1"/>
-          </a:fillRef>
-          <a:effectRef idx="2">
-            <a:schemeClr val="accent1"/>
-          </a:effectRef>
-          <a:fontRef idx="minor">
-            <a:schemeClr val="lt1"/>
-          </a:fontRef>
-        </p:style>
-        <p:txBody>
-          <a:bodyPr rtlCol="0" anchor="ctr" wrap="square" lIns="137160" rIns="137160" tIns="91440" bIns="91440"/>
+          <a:prstGeom prst="rect">
+            <a:avLst/>
+          </a:prstGeom>
+          <a:noFill/>
+        </p:spPr>
+        <p:txBody>
+          <a:bodyPr wrap="square" lIns="137160" rIns="137160" tIns="91440" bIns="91440">
+            <a:spAutoFit/>
+          </a:bodyPr>
           <a:lstStyle/>
           <a:p>
             <a:pPr algn="l">
-              <a:defRPr sz="1600">
-                <a:solidFill>
-                  <a:srgbClr val="111827"/>
+              <a:defRPr sz="1800" b="1">
+                <a:solidFill>
+                  <a:srgbClr val="2563EB"/>
                 </a:solidFill>
               </a:defRPr>
             </a:pPr>
@@ -9046,8 +7811,8 @@
       </p:sp>
       <p:sp>
         <p:nvSpPr>
-          <p:cNvPr id="7" name="Rounded Rectangle 6"/>
-          <p:cNvSpPr/>
+          <p:cNvPr id="7" name="TextBox 6"/>
+          <p:cNvSpPr txBox="1"/>
           <p:nvPr/>
         </p:nvSpPr>
         <p:spPr>
@@ -9055,40 +7820,21 @@
             <a:off x="4846320" y="2560320"/>
             <a:ext cx="3931920" cy="548640"/>
           </a:xfrm>
-          <a:prstGeom prst="roundRect">
-            <a:avLst/>
-          </a:prstGeom>
-          <a:solidFill>
-            <a:srgbClr val="F0F5FF"/>
-          </a:solidFill>
-          <a:ln w="25400">
-            <a:solidFill>
-              <a:srgbClr val="2563EB"/>
-            </a:solidFill>
-          </a:ln>
-        </p:spPr>
-        <p:style>
-          <a:lnRef idx="1">
-            <a:schemeClr val="accent1"/>
-          </a:lnRef>
-          <a:fillRef idx="3">
-            <a:schemeClr val="accent1"/>
-          </a:fillRef>
-          <a:effectRef idx="2">
-            <a:schemeClr val="accent1"/>
-          </a:effectRef>
-          <a:fontRef idx="minor">
-            <a:schemeClr val="lt1"/>
-          </a:fontRef>
-        </p:style>
-        <p:txBody>
-          <a:bodyPr rtlCol="0" anchor="ctr" wrap="square" lIns="137160" rIns="137160" tIns="91440" bIns="91440"/>
+          <a:prstGeom prst="rect">
+            <a:avLst/>
+          </a:prstGeom>
+          <a:noFill/>
+        </p:spPr>
+        <p:txBody>
+          <a:bodyPr wrap="square" lIns="137160" rIns="137160" tIns="91440" bIns="91440">
+            <a:spAutoFit/>
+          </a:bodyPr>
           <a:lstStyle/>
           <a:p>
             <a:pPr algn="l">
-              <a:defRPr sz="1600">
-                <a:solidFill>
-                  <a:srgbClr val="111827"/>
+              <a:defRPr sz="1800" b="1">
+                <a:solidFill>
+                  <a:srgbClr val="2563EB"/>
                 </a:solidFill>
               </a:defRPr>
             </a:pPr>
@@ -9100,8 +7846,8 @@
       </p:sp>
       <p:sp>
         <p:nvSpPr>
-          <p:cNvPr id="8" name="Rounded Rectangle 7"/>
-          <p:cNvSpPr/>
+          <p:cNvPr id="8" name="TextBox 7"/>
+          <p:cNvSpPr txBox="1"/>
           <p:nvPr/>
         </p:nvSpPr>
         <p:spPr>
@@ -9109,40 +7855,21 @@
             <a:off x="457200" y="3200400"/>
             <a:ext cx="3931920" cy="548640"/>
           </a:xfrm>
-          <a:prstGeom prst="roundRect">
-            <a:avLst/>
-          </a:prstGeom>
-          <a:solidFill>
-            <a:srgbClr val="F0F5FF"/>
-          </a:solidFill>
-          <a:ln w="25400">
-            <a:solidFill>
-              <a:srgbClr val="2563EB"/>
-            </a:solidFill>
-          </a:ln>
-        </p:spPr>
-        <p:style>
-          <a:lnRef idx="1">
-            <a:schemeClr val="accent1"/>
-          </a:lnRef>
-          <a:fillRef idx="3">
-            <a:schemeClr val="accent1"/>
-          </a:fillRef>
-          <a:effectRef idx="2">
-            <a:schemeClr val="accent1"/>
-          </a:effectRef>
-          <a:fontRef idx="minor">
-            <a:schemeClr val="lt1"/>
-          </a:fontRef>
-        </p:style>
-        <p:txBody>
-          <a:bodyPr rtlCol="0" anchor="ctr" wrap="square" lIns="137160" rIns="137160" tIns="91440" bIns="91440"/>
+          <a:prstGeom prst="rect">
+            <a:avLst/>
+          </a:prstGeom>
+          <a:noFill/>
+        </p:spPr>
+        <p:txBody>
+          <a:bodyPr wrap="square" lIns="137160" rIns="137160" tIns="91440" bIns="91440">
+            <a:spAutoFit/>
+          </a:bodyPr>
           <a:lstStyle/>
           <a:p>
             <a:pPr algn="l">
-              <a:defRPr sz="1600">
-                <a:solidFill>
-                  <a:srgbClr val="111827"/>
+              <a:defRPr sz="1800" b="1">
+                <a:solidFill>
+                  <a:srgbClr val="2563EB"/>
                 </a:solidFill>
               </a:defRPr>
             </a:pPr>
@@ -9154,8 +7881,8 @@
       </p:sp>
       <p:sp>
         <p:nvSpPr>
-          <p:cNvPr id="9" name="Rounded Rectangle 8"/>
-          <p:cNvSpPr/>
+          <p:cNvPr id="9" name="TextBox 8"/>
+          <p:cNvSpPr txBox="1"/>
           <p:nvPr/>
         </p:nvSpPr>
         <p:spPr>
@@ -9163,40 +7890,21 @@
             <a:off x="4846320" y="3200400"/>
             <a:ext cx="3931920" cy="548640"/>
           </a:xfrm>
-          <a:prstGeom prst="roundRect">
-            <a:avLst/>
-          </a:prstGeom>
-          <a:solidFill>
-            <a:srgbClr val="F0F5FF"/>
-          </a:solidFill>
-          <a:ln w="25400">
-            <a:solidFill>
-              <a:srgbClr val="2563EB"/>
-            </a:solidFill>
-          </a:ln>
-        </p:spPr>
-        <p:style>
-          <a:lnRef idx="1">
-            <a:schemeClr val="accent1"/>
-          </a:lnRef>
-          <a:fillRef idx="3">
-            <a:schemeClr val="accent1"/>
-          </a:fillRef>
-          <a:effectRef idx="2">
-            <a:schemeClr val="accent1"/>
-          </a:effectRef>
-          <a:fontRef idx="minor">
-            <a:schemeClr val="lt1"/>
-          </a:fontRef>
-        </p:style>
-        <p:txBody>
-          <a:bodyPr rtlCol="0" anchor="ctr" wrap="square" lIns="137160" rIns="137160" tIns="91440" bIns="91440"/>
+          <a:prstGeom prst="rect">
+            <a:avLst/>
+          </a:prstGeom>
+          <a:noFill/>
+        </p:spPr>
+        <p:txBody>
+          <a:bodyPr wrap="square" lIns="137160" rIns="137160" tIns="91440" bIns="91440">
+            <a:spAutoFit/>
+          </a:bodyPr>
           <a:lstStyle/>
           <a:p>
             <a:pPr algn="l">
-              <a:defRPr sz="1600">
-                <a:solidFill>
-                  <a:srgbClr val="111827"/>
+              <a:defRPr sz="1800" b="1">
+                <a:solidFill>
+                  <a:srgbClr val="2563EB"/>
                 </a:solidFill>
               </a:defRPr>
             </a:pPr>
@@ -9208,8 +7916,8 @@
       </p:sp>
       <p:sp>
         <p:nvSpPr>
-          <p:cNvPr id="10" name="Rounded Rectangle 9"/>
-          <p:cNvSpPr/>
+          <p:cNvPr id="10" name="TextBox 9"/>
+          <p:cNvSpPr txBox="1"/>
           <p:nvPr/>
         </p:nvSpPr>
         <p:spPr>
@@ -9217,40 +7925,21 @@
             <a:off x="457200" y="3840480"/>
             <a:ext cx="3931920" cy="548640"/>
           </a:xfrm>
-          <a:prstGeom prst="roundRect">
-            <a:avLst/>
-          </a:prstGeom>
-          <a:solidFill>
-            <a:srgbClr val="F0F5FF"/>
-          </a:solidFill>
-          <a:ln w="25400">
-            <a:solidFill>
-              <a:srgbClr val="2563EB"/>
-            </a:solidFill>
-          </a:ln>
-        </p:spPr>
-        <p:style>
-          <a:lnRef idx="1">
-            <a:schemeClr val="accent1"/>
-          </a:lnRef>
-          <a:fillRef idx="3">
-            <a:schemeClr val="accent1"/>
-          </a:fillRef>
-          <a:effectRef idx="2">
-            <a:schemeClr val="accent1"/>
-          </a:effectRef>
-          <a:fontRef idx="minor">
-            <a:schemeClr val="lt1"/>
-          </a:fontRef>
-        </p:style>
-        <p:txBody>
-          <a:bodyPr rtlCol="0" anchor="ctr" wrap="square" lIns="137160" rIns="137160" tIns="91440" bIns="91440"/>
+          <a:prstGeom prst="rect">
+            <a:avLst/>
+          </a:prstGeom>
+          <a:noFill/>
+        </p:spPr>
+        <p:txBody>
+          <a:bodyPr wrap="square" lIns="137160" rIns="137160" tIns="91440" bIns="91440">
+            <a:spAutoFit/>
+          </a:bodyPr>
           <a:lstStyle/>
           <a:p>
             <a:pPr algn="l">
-              <a:defRPr sz="1600">
-                <a:solidFill>
-                  <a:srgbClr val="111827"/>
+              <a:defRPr sz="1800" b="1">
+                <a:solidFill>
+                  <a:srgbClr val="2563EB"/>
                 </a:solidFill>
               </a:defRPr>
             </a:pPr>
@@ -9262,8 +7951,8 @@
       </p:sp>
       <p:sp>
         <p:nvSpPr>
-          <p:cNvPr id="11" name="Rounded Rectangle 10"/>
-          <p:cNvSpPr/>
+          <p:cNvPr id="11" name="TextBox 10"/>
+          <p:cNvSpPr txBox="1"/>
           <p:nvPr/>
         </p:nvSpPr>
         <p:spPr>
@@ -9271,40 +7960,21 @@
             <a:off x="457200" y="4480560"/>
             <a:ext cx="3931920" cy="548640"/>
           </a:xfrm>
-          <a:prstGeom prst="roundRect">
-            <a:avLst/>
-          </a:prstGeom>
-          <a:solidFill>
-            <a:srgbClr val="F0F5FF"/>
-          </a:solidFill>
-          <a:ln w="25400">
-            <a:solidFill>
-              <a:srgbClr val="2563EB"/>
-            </a:solidFill>
-          </a:ln>
-        </p:spPr>
-        <p:style>
-          <a:lnRef idx="1">
-            <a:schemeClr val="accent1"/>
-          </a:lnRef>
-          <a:fillRef idx="3">
-            <a:schemeClr val="accent1"/>
-          </a:fillRef>
-          <a:effectRef idx="2">
-            <a:schemeClr val="accent1"/>
-          </a:effectRef>
-          <a:fontRef idx="minor">
-            <a:schemeClr val="lt1"/>
-          </a:fontRef>
-        </p:style>
-        <p:txBody>
-          <a:bodyPr rtlCol="0" anchor="ctr" wrap="square" lIns="137160" rIns="137160" tIns="91440" bIns="91440"/>
+          <a:prstGeom prst="rect">
+            <a:avLst/>
+          </a:prstGeom>
+          <a:noFill/>
+        </p:spPr>
+        <p:txBody>
+          <a:bodyPr wrap="square" lIns="137160" rIns="137160" tIns="91440" bIns="91440">
+            <a:spAutoFit/>
+          </a:bodyPr>
           <a:lstStyle/>
           <a:p>
             <a:pPr algn="l">
-              <a:defRPr sz="1600">
-                <a:solidFill>
-                  <a:srgbClr val="111827"/>
+              <a:defRPr sz="1800" b="1">
+                <a:solidFill>
+                  <a:srgbClr val="2563EB"/>
                 </a:solidFill>
               </a:defRPr>
             </a:pPr>
@@ -9316,8 +7986,8 @@
       </p:sp>
       <p:sp>
         <p:nvSpPr>
-          <p:cNvPr id="12" name="Rounded Rectangle 11"/>
-          <p:cNvSpPr/>
+          <p:cNvPr id="12" name="TextBox 11"/>
+          <p:cNvSpPr txBox="1"/>
           <p:nvPr/>
         </p:nvSpPr>
         <p:spPr>
@@ -9325,40 +7995,21 @@
             <a:off x="4846320" y="4480560"/>
             <a:ext cx="3931920" cy="548640"/>
           </a:xfrm>
-          <a:prstGeom prst="roundRect">
-            <a:avLst/>
-          </a:prstGeom>
-          <a:solidFill>
-            <a:srgbClr val="F0F5FF"/>
-          </a:solidFill>
-          <a:ln w="25400">
-            <a:solidFill>
-              <a:srgbClr val="2563EB"/>
-            </a:solidFill>
-          </a:ln>
-        </p:spPr>
-        <p:style>
-          <a:lnRef idx="1">
-            <a:schemeClr val="accent1"/>
-          </a:lnRef>
-          <a:fillRef idx="3">
-            <a:schemeClr val="accent1"/>
-          </a:fillRef>
-          <a:effectRef idx="2">
-            <a:schemeClr val="accent1"/>
-          </a:effectRef>
-          <a:fontRef idx="minor">
-            <a:schemeClr val="lt1"/>
-          </a:fontRef>
-        </p:style>
-        <p:txBody>
-          <a:bodyPr rtlCol="0" anchor="ctr" wrap="square" lIns="137160" rIns="137160" tIns="91440" bIns="91440"/>
+          <a:prstGeom prst="rect">
+            <a:avLst/>
+          </a:prstGeom>
+          <a:noFill/>
+        </p:spPr>
+        <p:txBody>
+          <a:bodyPr wrap="square" lIns="137160" rIns="137160" tIns="91440" bIns="91440">
+            <a:spAutoFit/>
+          </a:bodyPr>
           <a:lstStyle/>
           <a:p>
             <a:pPr algn="l">
-              <a:defRPr sz="1600">
-                <a:solidFill>
-                  <a:srgbClr val="111827"/>
+              <a:defRPr sz="1800" b="1">
+                <a:solidFill>
+                  <a:srgbClr val="2563EB"/>
                 </a:solidFill>
               </a:defRPr>
             </a:pPr>
@@ -9370,8 +8021,8 @@
       </p:sp>
       <p:sp>
         <p:nvSpPr>
-          <p:cNvPr id="13" name="Rounded Rectangle 12"/>
-          <p:cNvSpPr/>
+          <p:cNvPr id="13" name="TextBox 12"/>
+          <p:cNvSpPr txBox="1"/>
           <p:nvPr/>
         </p:nvSpPr>
         <p:spPr>
@@ -9379,40 +8030,21 @@
             <a:off x="457200" y="5120640"/>
             <a:ext cx="3931920" cy="548640"/>
           </a:xfrm>
-          <a:prstGeom prst="roundRect">
-            <a:avLst/>
-          </a:prstGeom>
-          <a:solidFill>
-            <a:srgbClr val="F0F5FF"/>
-          </a:solidFill>
-          <a:ln w="25400">
-            <a:solidFill>
-              <a:srgbClr val="2563EB"/>
-            </a:solidFill>
-          </a:ln>
-        </p:spPr>
-        <p:style>
-          <a:lnRef idx="1">
-            <a:schemeClr val="accent1"/>
-          </a:lnRef>
-          <a:fillRef idx="3">
-            <a:schemeClr val="accent1"/>
-          </a:fillRef>
-          <a:effectRef idx="2">
-            <a:schemeClr val="accent1"/>
-          </a:effectRef>
-          <a:fontRef idx="minor">
-            <a:schemeClr val="lt1"/>
-          </a:fontRef>
-        </p:style>
-        <p:txBody>
-          <a:bodyPr rtlCol="0" anchor="ctr" wrap="square" lIns="137160" rIns="137160" tIns="91440" bIns="91440"/>
+          <a:prstGeom prst="rect">
+            <a:avLst/>
+          </a:prstGeom>
+          <a:noFill/>
+        </p:spPr>
+        <p:txBody>
+          <a:bodyPr wrap="square" lIns="137160" rIns="137160" tIns="91440" bIns="91440">
+            <a:spAutoFit/>
+          </a:bodyPr>
           <a:lstStyle/>
           <a:p>
             <a:pPr algn="l">
-              <a:defRPr sz="1600">
-                <a:solidFill>
-                  <a:srgbClr val="111827"/>
+              <a:defRPr sz="1800" b="1">
+                <a:solidFill>
+                  <a:srgbClr val="2563EB"/>
                 </a:solidFill>
               </a:defRPr>
             </a:pPr>
@@ -9424,8 +8056,8 @@
       </p:sp>
       <p:sp>
         <p:nvSpPr>
-          <p:cNvPr id="14" name="Rounded Rectangle 13"/>
-          <p:cNvSpPr/>
+          <p:cNvPr id="14" name="TextBox 13"/>
+          <p:cNvSpPr txBox="1"/>
           <p:nvPr/>
         </p:nvSpPr>
         <p:spPr>
@@ -9433,40 +8065,21 @@
             <a:off x="4846320" y="5120640"/>
             <a:ext cx="3931920" cy="548640"/>
           </a:xfrm>
-          <a:prstGeom prst="roundRect">
-            <a:avLst/>
-          </a:prstGeom>
-          <a:solidFill>
-            <a:srgbClr val="F0F5FF"/>
-          </a:solidFill>
-          <a:ln w="25400">
-            <a:solidFill>
-              <a:srgbClr val="2563EB"/>
-            </a:solidFill>
-          </a:ln>
-        </p:spPr>
-        <p:style>
-          <a:lnRef idx="1">
-            <a:schemeClr val="accent1"/>
-          </a:lnRef>
-          <a:fillRef idx="3">
-            <a:schemeClr val="accent1"/>
-          </a:fillRef>
-          <a:effectRef idx="2">
-            <a:schemeClr val="accent1"/>
-          </a:effectRef>
-          <a:fontRef idx="minor">
-            <a:schemeClr val="lt1"/>
-          </a:fontRef>
-        </p:style>
-        <p:txBody>
-          <a:bodyPr rtlCol="0" anchor="ctr" wrap="square" lIns="137160" rIns="137160" tIns="91440" bIns="91440"/>
+          <a:prstGeom prst="rect">
+            <a:avLst/>
+          </a:prstGeom>
+          <a:noFill/>
+        </p:spPr>
+        <p:txBody>
+          <a:bodyPr wrap="square" lIns="137160" rIns="137160" tIns="91440" bIns="91440">
+            <a:spAutoFit/>
+          </a:bodyPr>
           <a:lstStyle/>
           <a:p>
             <a:pPr algn="l">
-              <a:defRPr sz="1600">
-                <a:solidFill>
-                  <a:srgbClr val="111827"/>
+              <a:defRPr sz="1800" b="1">
+                <a:solidFill>
+                  <a:srgbClr val="2563EB"/>
                 </a:solidFill>
               </a:defRPr>
             </a:pPr>
@@ -9478,8 +8091,8 @@
       </p:sp>
       <p:sp>
         <p:nvSpPr>
-          <p:cNvPr id="15" name="Rounded Rectangle 14"/>
-          <p:cNvSpPr/>
+          <p:cNvPr id="15" name="TextBox 14"/>
+          <p:cNvSpPr txBox="1"/>
           <p:nvPr/>
         </p:nvSpPr>
         <p:spPr>
@@ -9487,40 +8100,21 @@
             <a:off x="457200" y="5760720"/>
             <a:ext cx="3931920" cy="548640"/>
           </a:xfrm>
-          <a:prstGeom prst="roundRect">
-            <a:avLst/>
-          </a:prstGeom>
-          <a:solidFill>
-            <a:srgbClr val="F0F5FF"/>
-          </a:solidFill>
-          <a:ln w="25400">
-            <a:solidFill>
-              <a:srgbClr val="2563EB"/>
-            </a:solidFill>
-          </a:ln>
-        </p:spPr>
-        <p:style>
-          <a:lnRef idx="1">
-            <a:schemeClr val="accent1"/>
-          </a:lnRef>
-          <a:fillRef idx="3">
-            <a:schemeClr val="accent1"/>
-          </a:fillRef>
-          <a:effectRef idx="2">
-            <a:schemeClr val="accent1"/>
-          </a:effectRef>
-          <a:fontRef idx="minor">
-            <a:schemeClr val="lt1"/>
-          </a:fontRef>
-        </p:style>
-        <p:txBody>
-          <a:bodyPr rtlCol="0" anchor="ctr" wrap="square" lIns="137160" rIns="137160" tIns="91440" bIns="91440"/>
+          <a:prstGeom prst="rect">
+            <a:avLst/>
+          </a:prstGeom>
+          <a:noFill/>
+        </p:spPr>
+        <p:txBody>
+          <a:bodyPr wrap="square" lIns="137160" rIns="137160" tIns="91440" bIns="91440">
+            <a:spAutoFit/>
+          </a:bodyPr>
           <a:lstStyle/>
           <a:p>
             <a:pPr algn="l">
-              <a:defRPr sz="1600">
-                <a:solidFill>
-                  <a:srgbClr val="111827"/>
+              <a:defRPr sz="1800" b="1">
+                <a:solidFill>
+                  <a:srgbClr val="2563EB"/>
                 </a:solidFill>
               </a:defRPr>
             </a:pPr>

--- a/presentations/output/SoundToAct_TextBased_Presentation.pptx
+++ b/presentations/output/SoundToAct_TextBased_Presentation.pptx
@@ -1071,7 +1071,7 @@
           <a:lstStyle/>
           <a:p>
             <a:r>
-              <a:t>발표자 가이드: 사회적 가치 강조. '기술은 누구에게나 평등해야 합니다' 시작. 각 그룹별 pain point 설명. 실제 사용자 피드백 있으면 언급. '접근성(Accessibility)'이 핵심 가치임을 강조. 유니버설 디자인 개념 간단히 소개.</a:t>
+              <a:t>발표자 가이드: 안전과 사회적 가치 강조. '긴급 상황에서 진가를 발휘합니다' 시작. 위급할 때(넘어졌을 때, 사고 시) 폰 화면 못 봐도 '엄마'라고 말하면 즉시 전화 연결되어 도움 요청 가능. 각 그룹별 pain point 설명. '기술은 누구에게나 평등해야 합니다' 강조. 접근성(Accessibility)과 안전(Safety)이 핵심 가치임을 언급.</a:t>
             </a:r>
           </a:p>
         </p:txBody>
@@ -7156,7 +7156,7 @@
               </a:defRPr>
             </a:pPr>
             <a:r>
-              <a:t>어르신, 직장인, 장애인</a:t>
+              <a:t>긴급 상황, 어르신, 직장인, 장애인</a:t>
             </a:r>
           </a:p>
         </p:txBody>
@@ -7191,7 +7191,7 @@
               </a:defRPr>
             </a:pPr>
             <a:r>
-              <a:t>누구나 쉽게</a:t>
+              <a:t>누구나 쉽게, 안전하게</a:t>
             </a:r>
           </a:p>
         </p:txBody>
@@ -7226,7 +7226,7 @@
               </a:defRPr>
             </a:pPr>
             <a:r>
-              <a:t>[어르신 👴]</a:t>
+              <a:t>[긴급 상황 🚨]</a:t>
             </a:r>
           </a:p>
         </p:txBody>
@@ -7261,7 +7261,7 @@
               </a:defRPr>
             </a:pPr>
             <a:r>
-              <a:t>• 작은 글씨 안 보여도 OK</a:t>
+              <a:t>• 위험한 순간 폰 못 찾아도 OK</a:t>
             </a:r>
           </a:p>
         </p:txBody>
@@ -7296,7 +7296,7 @@
               </a:defRPr>
             </a:pPr>
             <a:r>
-              <a:t>• 복잡한 UI 몰라도 OK</a:t>
+              <a:t>• '엄마' 한마디로 즉시 연결</a:t>
             </a:r>
           </a:p>
         </p:txBody>
@@ -7331,7 +7331,7 @@
               </a:defRPr>
             </a:pPr>
             <a:r>
-              <a:t>• 말만 하면 작동</a:t>
+              <a:t>• 화면 보지 않고 도움 요청</a:t>
             </a:r>
           </a:p>
         </p:txBody>
@@ -7366,7 +7366,7 @@
               </a:defRPr>
             </a:pPr>
             <a:r>
-              <a:t>[바쁜 직장인 💼]</a:t>
+              <a:t>[어르신 👴]</a:t>
             </a:r>
           </a:p>
         </p:txBody>
@@ -7401,7 +7401,7 @@
               </a:defRPr>
             </a:pPr>
             <a:r>
-              <a:t>• 운전 중 안전하게</a:t>
+              <a:t>• 작은 글씨 안 보여도 OK</a:t>
             </a:r>
           </a:p>
         </p:txBody>
@@ -7436,7 +7436,7 @@
               </a:defRPr>
             </a:pPr>
             <a:r>
-              <a:t>• 멀티태스킹 가능</a:t>
+              <a:t>• 복잡한 UI 몰라도 OK</a:t>
             </a:r>
           </a:p>
         </p:txBody>
@@ -7471,7 +7471,7 @@
               </a:defRPr>
             </a:pPr>
             <a:r>
-              <a:t>• 손 쓸 필요 없음</a:t>
+              <a:t>• 말만 하면 작동</a:t>
             </a:r>
           </a:p>
         </p:txBody>
@@ -7506,7 +7506,7 @@
               </a:defRPr>
             </a:pPr>
             <a:r>
-              <a:t>[장애인 ♿]</a:t>
+              <a:t>[바쁜 직장인 💼]</a:t>
             </a:r>
           </a:p>
         </p:txBody>
@@ -7541,7 +7541,7 @@
               </a:defRPr>
             </a:pPr>
             <a:r>
-              <a:t>• 시각 장애: 화면 안 봐도 OK</a:t>
+              <a:t>• 운전 중 안전하게</a:t>
             </a:r>
           </a:p>
         </p:txBody>
@@ -7576,6 +7576,146 @@
               </a:defRPr>
             </a:pPr>
             <a:r>
+              <a:t>• 멀티태스킹 가능</a:t>
+            </a:r>
+          </a:p>
+        </p:txBody>
+      </p:sp>
+      <p:sp>
+        <p:nvSpPr>
+          <p:cNvPr id="17" name="TextBox 16"/>
+          <p:cNvSpPr txBox="1"/>
+          <p:nvPr/>
+        </p:nvSpPr>
+        <p:spPr>
+          <a:xfrm>
+            <a:off x="4846320" y="6400800"/>
+            <a:ext cx="3931920" cy="548640"/>
+          </a:xfrm>
+          <a:prstGeom prst="rect">
+            <a:avLst/>
+          </a:prstGeom>
+          <a:noFill/>
+        </p:spPr>
+        <p:txBody>
+          <a:bodyPr wrap="square" lIns="137160" rIns="137160" tIns="91440" bIns="91440">
+            <a:spAutoFit/>
+          </a:bodyPr>
+          <a:lstStyle/>
+          <a:p>
+            <a:pPr algn="l">
+              <a:defRPr sz="1800" b="1">
+                <a:solidFill>
+                  <a:srgbClr val="2563EB"/>
+                </a:solidFill>
+              </a:defRPr>
+            </a:pPr>
+            <a:r>
+              <a:t>• 손 쓸 필요 없음</a:t>
+            </a:r>
+          </a:p>
+        </p:txBody>
+      </p:sp>
+      <p:sp>
+        <p:nvSpPr>
+          <p:cNvPr id="18" name="TextBox 17"/>
+          <p:cNvSpPr txBox="1"/>
+          <p:nvPr/>
+        </p:nvSpPr>
+        <p:spPr>
+          <a:xfrm>
+            <a:off x="4846320" y="7040880"/>
+            <a:ext cx="3931920" cy="548640"/>
+          </a:xfrm>
+          <a:prstGeom prst="rect">
+            <a:avLst/>
+          </a:prstGeom>
+          <a:noFill/>
+        </p:spPr>
+        <p:txBody>
+          <a:bodyPr wrap="square" lIns="137160" rIns="137160" tIns="91440" bIns="91440">
+            <a:spAutoFit/>
+          </a:bodyPr>
+          <a:lstStyle/>
+          <a:p>
+            <a:pPr algn="l">
+              <a:defRPr sz="1800" b="1">
+                <a:solidFill>
+                  <a:srgbClr val="2563EB"/>
+                </a:solidFill>
+              </a:defRPr>
+            </a:pPr>
+            <a:r>
+              <a:t>[장애인 ♿]</a:t>
+            </a:r>
+          </a:p>
+        </p:txBody>
+      </p:sp>
+      <p:sp>
+        <p:nvSpPr>
+          <p:cNvPr id="19" name="TextBox 18"/>
+          <p:cNvSpPr txBox="1"/>
+          <p:nvPr/>
+        </p:nvSpPr>
+        <p:spPr>
+          <a:xfrm>
+            <a:off x="457200" y="7680960"/>
+            <a:ext cx="3931920" cy="548640"/>
+          </a:xfrm>
+          <a:prstGeom prst="rect">
+            <a:avLst/>
+          </a:prstGeom>
+          <a:noFill/>
+        </p:spPr>
+        <p:txBody>
+          <a:bodyPr wrap="square" lIns="137160" rIns="137160" tIns="91440" bIns="91440">
+            <a:spAutoFit/>
+          </a:bodyPr>
+          <a:lstStyle/>
+          <a:p>
+            <a:pPr algn="l">
+              <a:defRPr sz="1800" b="1">
+                <a:solidFill>
+                  <a:srgbClr val="2563EB"/>
+                </a:solidFill>
+              </a:defRPr>
+            </a:pPr>
+            <a:r>
+              <a:t>• 시각 장애: 화면 안 봐도 OK</a:t>
+            </a:r>
+          </a:p>
+        </p:txBody>
+      </p:sp>
+      <p:sp>
+        <p:nvSpPr>
+          <p:cNvPr id="20" name="TextBox 19"/>
+          <p:cNvSpPr txBox="1"/>
+          <p:nvPr/>
+        </p:nvSpPr>
+        <p:spPr>
+          <a:xfrm>
+            <a:off x="4846320" y="7680960"/>
+            <a:ext cx="3931920" cy="548640"/>
+          </a:xfrm>
+          <a:prstGeom prst="rect">
+            <a:avLst/>
+          </a:prstGeom>
+          <a:noFill/>
+        </p:spPr>
+        <p:txBody>
+          <a:bodyPr wrap="square" lIns="137160" rIns="137160" tIns="91440" bIns="91440">
+            <a:spAutoFit/>
+          </a:bodyPr>
+          <a:lstStyle/>
+          <a:p>
+            <a:pPr algn="l">
+              <a:defRPr sz="1800" b="1">
+                <a:solidFill>
+                  <a:srgbClr val="2563EB"/>
+                </a:solidFill>
+              </a:defRPr>
+            </a:pPr>
+            <a:r>
               <a:t>• 지체 장애: 터치 불필요</a:t>
             </a:r>
           </a:p>
@@ -7583,13 +7723,13 @@
       </p:sp>
       <p:sp>
         <p:nvSpPr>
-          <p:cNvPr id="17" name="TextBox 16"/>
-          <p:cNvSpPr txBox="1"/>
-          <p:nvPr/>
-        </p:nvSpPr>
-        <p:spPr>
-          <a:xfrm>
-            <a:off x="4846320" y="6400800"/>
+          <p:cNvPr id="21" name="TextBox 20"/>
+          <p:cNvSpPr txBox="1"/>
+          <p:nvPr/>
+        </p:nvSpPr>
+        <p:spPr>
+          <a:xfrm>
+            <a:off x="457200" y="8321040"/>
             <a:ext cx="3931920" cy="548640"/>
           </a:xfrm>
           <a:prstGeom prst="rect">
